--- a/Le planning de phase.pptx
+++ b/Le planning de phase.pptx
@@ -5,17 +5,16 @@
     <p:sldMasterId id="2147483672" r:id="rId1"/>
   </p:sldMasterIdLst>
   <p:notesMasterIdLst>
-    <p:notesMasterId r:id="rId7"/>
+    <p:notesMasterId r:id="rId6"/>
   </p:notesMasterIdLst>
   <p:handoutMasterIdLst>
-    <p:handoutMasterId r:id="rId8"/>
+    <p:handoutMasterId r:id="rId7"/>
   </p:handoutMasterIdLst>
   <p:sldIdLst>
-    <p:sldId id="257" r:id="rId2"/>
-    <p:sldId id="256" r:id="rId3"/>
-    <p:sldId id="258" r:id="rId4"/>
-    <p:sldId id="270" r:id="rId5"/>
-    <p:sldId id="259" r:id="rId6"/>
+    <p:sldId id="258" r:id="rId2"/>
+    <p:sldId id="270" r:id="rId3"/>
+    <p:sldId id="259" r:id="rId4"/>
+    <p:sldId id="271" r:id="rId5"/>
   </p:sldIdLst>
   <p:sldSz cx="7199313" cy="10080625"/>
   <p:notesSz cx="6797675" cy="9926638"/>
@@ -215,7 +214,7 @@
           <a:p>
             <a:fld id="{1AE5F205-9F92-4364-BB27-9D702E108BBF}" type="datetimeFigureOut">
               <a:rPr lang="fr-FR" smtClean="0"/>
-              <a:t>28/05/2024</a:t>
+              <a:t>02/08/2024</a:t>
             </a:fld>
             <a:endParaRPr lang="fr-FR"/>
           </a:p>
@@ -281,7 +280,7 @@
           <a:p>
             <a:fld id="{B87C20D0-FD4E-4B22-A7D5-9269F0E6D6B2}" type="slidenum">
               <a:rPr lang="fr-FR" smtClean="0"/>
-              <a:t>‹#›</a:t>
+              <a:t>‹N°›</a:t>
             </a:fld>
             <a:endParaRPr lang="fr-FR"/>
           </a:p>
@@ -381,7 +380,7 @@
           <a:p>
             <a:fld id="{FC332A08-707A-473B-ADC8-5287791CAEB0}" type="datetimeFigureOut">
               <a:rPr lang="fr-FR" smtClean="0"/>
-              <a:t>28/05/2024</a:t>
+              <a:t>02/08/2024</a:t>
             </a:fld>
             <a:endParaRPr lang="fr-FR"/>
           </a:p>
@@ -445,35 +444,35 @@
           <a:p>
             <a:pPr lvl="0"/>
             <a:r>
-              <a:rPr lang="en-US" smtClean="0"/>
+              <a:rPr lang="en-US"/>
               <a:t>Edit Master text styles</a:t>
             </a:r>
           </a:p>
           <a:p>
             <a:pPr lvl="1"/>
             <a:r>
-              <a:rPr lang="en-US" smtClean="0"/>
+              <a:rPr lang="en-US"/>
               <a:t>Second level</a:t>
             </a:r>
           </a:p>
           <a:p>
             <a:pPr lvl="2"/>
             <a:r>
-              <a:rPr lang="en-US" smtClean="0"/>
+              <a:rPr lang="en-US"/>
               <a:t>Third level</a:t>
             </a:r>
           </a:p>
           <a:p>
             <a:pPr lvl="3"/>
             <a:r>
-              <a:rPr lang="en-US" smtClean="0"/>
+              <a:rPr lang="en-US"/>
               <a:t>Fourth level</a:t>
             </a:r>
           </a:p>
           <a:p>
             <a:pPr lvl="4"/>
             <a:r>
-              <a:rPr lang="en-US" smtClean="0"/>
+              <a:rPr lang="en-US"/>
               <a:t>Fifth level</a:t>
             </a:r>
             <a:endParaRPr lang="fr-FR"/>
@@ -540,7 +539,7 @@
           <a:p>
             <a:fld id="{7C245905-7532-46F0-9DC5-66613B72D477}" type="slidenum">
               <a:rPr lang="fr-FR" smtClean="0"/>
-              <a:t>‹#›</a:t>
+              <a:t>‹N°›</a:t>
             </a:fld>
             <a:endParaRPr lang="fr-FR"/>
           </a:p>
@@ -692,7 +691,7 @@
           </a:lstStyle>
           <a:p>
             <a:r>
-              <a:rPr lang="en-US" smtClean="0"/>
+              <a:rPr lang="en-US"/>
               <a:t>Click to edit Master title style</a:t>
             </a:r>
             <a:endParaRPr lang="en-US" dirty="0"/>
@@ -757,7 +756,7 @@
           </a:lstStyle>
           <a:p>
             <a:r>
-              <a:rPr lang="en-US" smtClean="0"/>
+              <a:rPr lang="en-US"/>
               <a:t>Click to edit Master subtitle style</a:t>
             </a:r>
             <a:endParaRPr lang="en-US" dirty="0"/>
@@ -781,7 +780,7 @@
           <a:p>
             <a:fld id="{D31E1380-0A9F-4603-AC58-48312EBC6535}" type="datetime1">
               <a:rPr lang="fr-FR" smtClean="0"/>
-              <a:t>28/05/2024</a:t>
+              <a:t>02/08/2024</a:t>
             </a:fld>
             <a:endParaRPr lang="fr-FR"/>
           </a:p>
@@ -823,7 +822,7 @@
           <a:p>
             <a:fld id="{7BD0401B-1ABD-4809-85CC-EE844AFDB754}" type="slidenum">
               <a:rPr lang="fr-FR" smtClean="0"/>
-              <a:t>‹#›</a:t>
+              <a:t>‹N°›</a:t>
             </a:fld>
             <a:endParaRPr lang="fr-FR"/>
           </a:p>
@@ -875,7 +874,7 @@
           <a:lstStyle/>
           <a:p>
             <a:r>
-              <a:rPr lang="en-US" smtClean="0"/>
+              <a:rPr lang="en-US"/>
               <a:t>Click to edit Master title style</a:t>
             </a:r>
             <a:endParaRPr lang="en-US" dirty="0"/>
@@ -899,35 +898,35 @@
           <a:p>
             <a:pPr lvl="0"/>
             <a:r>
-              <a:rPr lang="en-US" smtClean="0"/>
+              <a:rPr lang="en-US"/>
               <a:t>Edit Master text styles</a:t>
             </a:r>
           </a:p>
           <a:p>
             <a:pPr lvl="1"/>
             <a:r>
-              <a:rPr lang="en-US" smtClean="0"/>
+              <a:rPr lang="en-US"/>
               <a:t>Second level</a:t>
             </a:r>
           </a:p>
           <a:p>
             <a:pPr lvl="2"/>
             <a:r>
-              <a:rPr lang="en-US" smtClean="0"/>
+              <a:rPr lang="en-US"/>
               <a:t>Third level</a:t>
             </a:r>
           </a:p>
           <a:p>
             <a:pPr lvl="3"/>
             <a:r>
-              <a:rPr lang="en-US" smtClean="0"/>
+              <a:rPr lang="en-US"/>
               <a:t>Fourth level</a:t>
             </a:r>
           </a:p>
           <a:p>
             <a:pPr lvl="4"/>
             <a:r>
-              <a:rPr lang="en-US" smtClean="0"/>
+              <a:rPr lang="en-US"/>
               <a:t>Fifth level</a:t>
             </a:r>
             <a:endParaRPr lang="en-US" dirty="0"/>
@@ -951,7 +950,7 @@
           <a:p>
             <a:fld id="{3F4037CB-0E7F-469C-88B1-D123E8603939}" type="datetime1">
               <a:rPr lang="fr-FR" smtClean="0"/>
-              <a:t>28/05/2024</a:t>
+              <a:t>02/08/2024</a:t>
             </a:fld>
             <a:endParaRPr lang="fr-FR"/>
           </a:p>
@@ -993,7 +992,7 @@
           <a:p>
             <a:fld id="{7BD0401B-1ABD-4809-85CC-EE844AFDB754}" type="slidenum">
               <a:rPr lang="fr-FR" smtClean="0"/>
-              <a:t>‹#›</a:t>
+              <a:t>‹N°›</a:t>
             </a:fld>
             <a:endParaRPr lang="fr-FR"/>
           </a:p>
@@ -1050,7 +1049,7 @@
           <a:lstStyle/>
           <a:p>
             <a:r>
-              <a:rPr lang="en-US" smtClean="0"/>
+              <a:rPr lang="en-US"/>
               <a:t>Click to edit Master title style</a:t>
             </a:r>
             <a:endParaRPr lang="en-US" dirty="0"/>
@@ -1079,35 +1078,35 @@
           <a:p>
             <a:pPr lvl="0"/>
             <a:r>
-              <a:rPr lang="en-US" smtClean="0"/>
+              <a:rPr lang="en-US"/>
               <a:t>Edit Master text styles</a:t>
             </a:r>
           </a:p>
           <a:p>
             <a:pPr lvl="1"/>
             <a:r>
-              <a:rPr lang="en-US" smtClean="0"/>
+              <a:rPr lang="en-US"/>
               <a:t>Second level</a:t>
             </a:r>
           </a:p>
           <a:p>
             <a:pPr lvl="2"/>
             <a:r>
-              <a:rPr lang="en-US" smtClean="0"/>
+              <a:rPr lang="en-US"/>
               <a:t>Third level</a:t>
             </a:r>
           </a:p>
           <a:p>
             <a:pPr lvl="3"/>
             <a:r>
-              <a:rPr lang="en-US" smtClean="0"/>
+              <a:rPr lang="en-US"/>
               <a:t>Fourth level</a:t>
             </a:r>
           </a:p>
           <a:p>
             <a:pPr lvl="4"/>
             <a:r>
-              <a:rPr lang="en-US" smtClean="0"/>
+              <a:rPr lang="en-US"/>
               <a:t>Fifth level</a:t>
             </a:r>
             <a:endParaRPr lang="en-US" dirty="0"/>
@@ -1131,7 +1130,7 @@
           <a:p>
             <a:fld id="{F82A1EB2-D990-4833-B111-146775E1CC31}" type="datetime1">
               <a:rPr lang="fr-FR" smtClean="0"/>
-              <a:t>28/05/2024</a:t>
+              <a:t>02/08/2024</a:t>
             </a:fld>
             <a:endParaRPr lang="fr-FR"/>
           </a:p>
@@ -1173,7 +1172,7 @@
           <a:p>
             <a:fld id="{7BD0401B-1ABD-4809-85CC-EE844AFDB754}" type="slidenum">
               <a:rPr lang="fr-FR" smtClean="0"/>
-              <a:t>‹#›</a:t>
+              <a:t>‹N°›</a:t>
             </a:fld>
             <a:endParaRPr lang="fr-FR"/>
           </a:p>
@@ -1225,7 +1224,7 @@
           <a:lstStyle/>
           <a:p>
             <a:r>
-              <a:rPr lang="en-US" smtClean="0"/>
+              <a:rPr lang="en-US"/>
               <a:t>Click to edit Master title style</a:t>
             </a:r>
             <a:endParaRPr lang="en-US" dirty="0"/>
@@ -1249,35 +1248,35 @@
           <a:p>
             <a:pPr lvl="0"/>
             <a:r>
-              <a:rPr lang="en-US" smtClean="0"/>
+              <a:rPr lang="en-US"/>
               <a:t>Edit Master text styles</a:t>
             </a:r>
           </a:p>
           <a:p>
             <a:pPr lvl="1"/>
             <a:r>
-              <a:rPr lang="en-US" smtClean="0"/>
+              <a:rPr lang="en-US"/>
               <a:t>Second level</a:t>
             </a:r>
           </a:p>
           <a:p>
             <a:pPr lvl="2"/>
             <a:r>
-              <a:rPr lang="en-US" smtClean="0"/>
+              <a:rPr lang="en-US"/>
               <a:t>Third level</a:t>
             </a:r>
           </a:p>
           <a:p>
             <a:pPr lvl="3"/>
             <a:r>
-              <a:rPr lang="en-US" smtClean="0"/>
+              <a:rPr lang="en-US"/>
               <a:t>Fourth level</a:t>
             </a:r>
           </a:p>
           <a:p>
             <a:pPr lvl="4"/>
             <a:r>
-              <a:rPr lang="en-US" smtClean="0"/>
+              <a:rPr lang="en-US"/>
               <a:t>Fifth level</a:t>
             </a:r>
             <a:endParaRPr lang="en-US" dirty="0"/>
@@ -1301,7 +1300,7 @@
           <a:p>
             <a:fld id="{85F10974-6D1C-45EF-8B7C-1146761C3113}" type="datetime1">
               <a:rPr lang="fr-FR" smtClean="0"/>
-              <a:t>28/05/2024</a:t>
+              <a:t>02/08/2024</a:t>
             </a:fld>
             <a:endParaRPr lang="fr-FR"/>
           </a:p>
@@ -1343,7 +1342,7 @@
           <a:p>
             <a:fld id="{7BD0401B-1ABD-4809-85CC-EE844AFDB754}" type="slidenum">
               <a:rPr lang="fr-FR" smtClean="0"/>
-              <a:t>‹#›</a:t>
+              <a:t>‹N°›</a:t>
             </a:fld>
             <a:endParaRPr lang="fr-FR"/>
           </a:p>
@@ -1404,7 +1403,7 @@
           </a:lstStyle>
           <a:p>
             <a:r>
-              <a:rPr lang="en-US" smtClean="0"/>
+              <a:rPr lang="en-US"/>
               <a:t>Click to edit Master title style</a:t>
             </a:r>
             <a:endParaRPr lang="en-US" dirty="0"/>
@@ -1522,7 +1521,7 @@
           <a:p>
             <a:pPr lvl="0"/>
             <a:r>
-              <a:rPr lang="en-US" smtClean="0"/>
+              <a:rPr lang="en-US"/>
               <a:t>Edit Master text styles</a:t>
             </a:r>
           </a:p>
@@ -1545,7 +1544,7 @@
           <a:p>
             <a:fld id="{DC34148C-78CE-4850-A998-F6971A92BEF4}" type="datetime1">
               <a:rPr lang="fr-FR" smtClean="0"/>
-              <a:t>28/05/2024</a:t>
+              <a:t>02/08/2024</a:t>
             </a:fld>
             <a:endParaRPr lang="fr-FR"/>
           </a:p>
@@ -1587,7 +1586,7 @@
           <a:p>
             <a:fld id="{7BD0401B-1ABD-4809-85CC-EE844AFDB754}" type="slidenum">
               <a:rPr lang="fr-FR" smtClean="0"/>
-              <a:t>‹#›</a:t>
+              <a:t>‹N°›</a:t>
             </a:fld>
             <a:endParaRPr lang="fr-FR"/>
           </a:p>
@@ -1639,7 +1638,7 @@
           <a:lstStyle/>
           <a:p>
             <a:r>
-              <a:rPr lang="en-US" smtClean="0"/>
+              <a:rPr lang="en-US"/>
               <a:t>Click to edit Master title style</a:t>
             </a:r>
             <a:endParaRPr lang="en-US" dirty="0"/>
@@ -1668,35 +1667,35 @@
           <a:p>
             <a:pPr lvl="0"/>
             <a:r>
-              <a:rPr lang="en-US" smtClean="0"/>
+              <a:rPr lang="en-US"/>
               <a:t>Edit Master text styles</a:t>
             </a:r>
           </a:p>
           <a:p>
             <a:pPr lvl="1"/>
             <a:r>
-              <a:rPr lang="en-US" smtClean="0"/>
+              <a:rPr lang="en-US"/>
               <a:t>Second level</a:t>
             </a:r>
           </a:p>
           <a:p>
             <a:pPr lvl="2"/>
             <a:r>
-              <a:rPr lang="en-US" smtClean="0"/>
+              <a:rPr lang="en-US"/>
               <a:t>Third level</a:t>
             </a:r>
           </a:p>
           <a:p>
             <a:pPr lvl="3"/>
             <a:r>
-              <a:rPr lang="en-US" smtClean="0"/>
+              <a:rPr lang="en-US"/>
               <a:t>Fourth level</a:t>
             </a:r>
           </a:p>
           <a:p>
             <a:pPr lvl="4"/>
             <a:r>
-              <a:rPr lang="en-US" smtClean="0"/>
+              <a:rPr lang="en-US"/>
               <a:t>Fifth level</a:t>
             </a:r>
             <a:endParaRPr lang="en-US" dirty="0"/>
@@ -1725,35 +1724,35 @@
           <a:p>
             <a:pPr lvl="0"/>
             <a:r>
-              <a:rPr lang="en-US" smtClean="0"/>
+              <a:rPr lang="en-US"/>
               <a:t>Edit Master text styles</a:t>
             </a:r>
           </a:p>
           <a:p>
             <a:pPr lvl="1"/>
             <a:r>
-              <a:rPr lang="en-US" smtClean="0"/>
+              <a:rPr lang="en-US"/>
               <a:t>Second level</a:t>
             </a:r>
           </a:p>
           <a:p>
             <a:pPr lvl="2"/>
             <a:r>
-              <a:rPr lang="en-US" smtClean="0"/>
+              <a:rPr lang="en-US"/>
               <a:t>Third level</a:t>
             </a:r>
           </a:p>
           <a:p>
             <a:pPr lvl="3"/>
             <a:r>
-              <a:rPr lang="en-US" smtClean="0"/>
+              <a:rPr lang="en-US"/>
               <a:t>Fourth level</a:t>
             </a:r>
           </a:p>
           <a:p>
             <a:pPr lvl="4"/>
             <a:r>
-              <a:rPr lang="en-US" smtClean="0"/>
+              <a:rPr lang="en-US"/>
               <a:t>Fifth level</a:t>
             </a:r>
             <a:endParaRPr lang="en-US" dirty="0"/>
@@ -1777,7 +1776,7 @@
           <a:p>
             <a:fld id="{98A58252-3290-48A4-A576-B3A8002083B4}" type="datetime1">
               <a:rPr lang="fr-FR" smtClean="0"/>
-              <a:t>28/05/2024</a:t>
+              <a:t>02/08/2024</a:t>
             </a:fld>
             <a:endParaRPr lang="fr-FR"/>
           </a:p>
@@ -1819,7 +1818,7 @@
           <a:p>
             <a:fld id="{7BD0401B-1ABD-4809-85CC-EE844AFDB754}" type="slidenum">
               <a:rPr lang="fr-FR" smtClean="0"/>
-              <a:t>‹#›</a:t>
+              <a:t>‹N°›</a:t>
             </a:fld>
             <a:endParaRPr lang="fr-FR"/>
           </a:p>
@@ -1876,7 +1875,7 @@
           <a:lstStyle/>
           <a:p>
             <a:r>
-              <a:rPr lang="en-US" smtClean="0"/>
+              <a:rPr lang="en-US"/>
               <a:t>Click to edit Master title style</a:t>
             </a:r>
             <a:endParaRPr lang="en-US" dirty="0"/>
@@ -1942,7 +1941,7 @@
           <a:p>
             <a:pPr lvl="0"/>
             <a:r>
-              <a:rPr lang="en-US" smtClean="0"/>
+              <a:rPr lang="en-US"/>
               <a:t>Edit Master text styles</a:t>
             </a:r>
           </a:p>
@@ -1970,35 +1969,35 @@
           <a:p>
             <a:pPr lvl="0"/>
             <a:r>
-              <a:rPr lang="en-US" smtClean="0"/>
+              <a:rPr lang="en-US"/>
               <a:t>Edit Master text styles</a:t>
             </a:r>
           </a:p>
           <a:p>
             <a:pPr lvl="1"/>
             <a:r>
-              <a:rPr lang="en-US" smtClean="0"/>
+              <a:rPr lang="en-US"/>
               <a:t>Second level</a:t>
             </a:r>
           </a:p>
           <a:p>
             <a:pPr lvl="2"/>
             <a:r>
-              <a:rPr lang="en-US" smtClean="0"/>
+              <a:rPr lang="en-US"/>
               <a:t>Third level</a:t>
             </a:r>
           </a:p>
           <a:p>
             <a:pPr lvl="3"/>
             <a:r>
-              <a:rPr lang="en-US" smtClean="0"/>
+              <a:rPr lang="en-US"/>
               <a:t>Fourth level</a:t>
             </a:r>
           </a:p>
           <a:p>
             <a:pPr lvl="4"/>
             <a:r>
-              <a:rPr lang="en-US" smtClean="0"/>
+              <a:rPr lang="en-US"/>
               <a:t>Fifth level</a:t>
             </a:r>
             <a:endParaRPr lang="en-US" dirty="0"/>
@@ -2064,7 +2063,7 @@
           <a:p>
             <a:pPr lvl="0"/>
             <a:r>
-              <a:rPr lang="en-US" smtClean="0"/>
+              <a:rPr lang="en-US"/>
               <a:t>Edit Master text styles</a:t>
             </a:r>
           </a:p>
@@ -2092,35 +2091,35 @@
           <a:p>
             <a:pPr lvl="0"/>
             <a:r>
-              <a:rPr lang="en-US" smtClean="0"/>
+              <a:rPr lang="en-US"/>
               <a:t>Edit Master text styles</a:t>
             </a:r>
           </a:p>
           <a:p>
             <a:pPr lvl="1"/>
             <a:r>
-              <a:rPr lang="en-US" smtClean="0"/>
+              <a:rPr lang="en-US"/>
               <a:t>Second level</a:t>
             </a:r>
           </a:p>
           <a:p>
             <a:pPr lvl="2"/>
             <a:r>
-              <a:rPr lang="en-US" smtClean="0"/>
+              <a:rPr lang="en-US"/>
               <a:t>Third level</a:t>
             </a:r>
           </a:p>
           <a:p>
             <a:pPr lvl="3"/>
             <a:r>
-              <a:rPr lang="en-US" smtClean="0"/>
+              <a:rPr lang="en-US"/>
               <a:t>Fourth level</a:t>
             </a:r>
           </a:p>
           <a:p>
             <a:pPr lvl="4"/>
             <a:r>
-              <a:rPr lang="en-US" smtClean="0"/>
+              <a:rPr lang="en-US"/>
               <a:t>Fifth level</a:t>
             </a:r>
             <a:endParaRPr lang="en-US" dirty="0"/>
@@ -2144,7 +2143,7 @@
           <a:p>
             <a:fld id="{3A63FD95-DAEC-49B9-9CCA-F99951CC24FD}" type="datetime1">
               <a:rPr lang="fr-FR" smtClean="0"/>
-              <a:t>28/05/2024</a:t>
+              <a:t>02/08/2024</a:t>
             </a:fld>
             <a:endParaRPr lang="fr-FR"/>
           </a:p>
@@ -2186,7 +2185,7 @@
           <a:p>
             <a:fld id="{7BD0401B-1ABD-4809-85CC-EE844AFDB754}" type="slidenum">
               <a:rPr lang="fr-FR" smtClean="0"/>
-              <a:t>‹#›</a:t>
+              <a:t>‹N°›</a:t>
             </a:fld>
             <a:endParaRPr lang="fr-FR"/>
           </a:p>
@@ -2238,7 +2237,7 @@
           <a:lstStyle/>
           <a:p>
             <a:r>
-              <a:rPr lang="en-US" smtClean="0"/>
+              <a:rPr lang="en-US"/>
               <a:t>Click to edit Master title style</a:t>
             </a:r>
             <a:endParaRPr lang="en-US" dirty="0"/>
@@ -2262,7 +2261,7 @@
           <a:p>
             <a:fld id="{8A30231E-2C9B-4553-AE68-92D0775C6EAD}" type="datetime1">
               <a:rPr lang="fr-FR" smtClean="0"/>
-              <a:t>28/05/2024</a:t>
+              <a:t>02/08/2024</a:t>
             </a:fld>
             <a:endParaRPr lang="fr-FR"/>
           </a:p>
@@ -2304,7 +2303,7 @@
           <a:p>
             <a:fld id="{7BD0401B-1ABD-4809-85CC-EE844AFDB754}" type="slidenum">
               <a:rPr lang="fr-FR" smtClean="0"/>
-              <a:t>‹#›</a:t>
+              <a:t>‹N°›</a:t>
             </a:fld>
             <a:endParaRPr lang="fr-FR"/>
           </a:p>
@@ -2357,7 +2356,7 @@
           <a:p>
             <a:fld id="{A6DEB4C5-B870-4D86-A828-1FA41441279D}" type="datetime1">
               <a:rPr lang="fr-FR" smtClean="0"/>
-              <a:t>28/05/2024</a:t>
+              <a:t>02/08/2024</a:t>
             </a:fld>
             <a:endParaRPr lang="fr-FR"/>
           </a:p>
@@ -2399,7 +2398,7 @@
           <a:p>
             <a:fld id="{7BD0401B-1ABD-4809-85CC-EE844AFDB754}" type="slidenum">
               <a:rPr lang="fr-FR" smtClean="0"/>
-              <a:t>‹#›</a:t>
+              <a:t>‹N°›</a:t>
             </a:fld>
             <a:endParaRPr lang="fr-FR"/>
           </a:p>
@@ -2460,7 +2459,7 @@
           </a:lstStyle>
           <a:p>
             <a:r>
-              <a:rPr lang="en-US" smtClean="0"/>
+              <a:rPr lang="en-US"/>
               <a:t>Click to edit Master title style</a:t>
             </a:r>
             <a:endParaRPr lang="en-US" dirty="0"/>
@@ -2517,35 +2516,35 @@
           <a:p>
             <a:pPr lvl="0"/>
             <a:r>
-              <a:rPr lang="en-US" smtClean="0"/>
+              <a:rPr lang="en-US"/>
               <a:t>Edit Master text styles</a:t>
             </a:r>
           </a:p>
           <a:p>
             <a:pPr lvl="1"/>
             <a:r>
-              <a:rPr lang="en-US" smtClean="0"/>
+              <a:rPr lang="en-US"/>
               <a:t>Second level</a:t>
             </a:r>
           </a:p>
           <a:p>
             <a:pPr lvl="2"/>
             <a:r>
-              <a:rPr lang="en-US" smtClean="0"/>
+              <a:rPr lang="en-US"/>
               <a:t>Third level</a:t>
             </a:r>
           </a:p>
           <a:p>
             <a:pPr lvl="3"/>
             <a:r>
-              <a:rPr lang="en-US" smtClean="0"/>
+              <a:rPr lang="en-US"/>
               <a:t>Fourth level</a:t>
             </a:r>
           </a:p>
           <a:p>
             <a:pPr lvl="4"/>
             <a:r>
-              <a:rPr lang="en-US" smtClean="0"/>
+              <a:rPr lang="en-US"/>
               <a:t>Fifth level</a:t>
             </a:r>
             <a:endParaRPr lang="en-US" dirty="0"/>
@@ -2611,7 +2610,7 @@
           <a:p>
             <a:pPr lvl="0"/>
             <a:r>
-              <a:rPr lang="en-US" smtClean="0"/>
+              <a:rPr lang="en-US"/>
               <a:t>Edit Master text styles</a:t>
             </a:r>
           </a:p>
@@ -2634,7 +2633,7 @@
           <a:p>
             <a:fld id="{63297613-6D7C-4E8C-9830-EE061053635D}" type="datetime1">
               <a:rPr lang="fr-FR" smtClean="0"/>
-              <a:t>28/05/2024</a:t>
+              <a:t>02/08/2024</a:t>
             </a:fld>
             <a:endParaRPr lang="fr-FR"/>
           </a:p>
@@ -2676,7 +2675,7 @@
           <a:p>
             <a:fld id="{7BD0401B-1ABD-4809-85CC-EE844AFDB754}" type="slidenum">
               <a:rPr lang="fr-FR" smtClean="0"/>
-              <a:t>‹#›</a:t>
+              <a:t>‹N°›</a:t>
             </a:fld>
             <a:endParaRPr lang="fr-FR"/>
           </a:p>
@@ -2737,7 +2736,7 @@
           </a:lstStyle>
           <a:p>
             <a:r>
-              <a:rPr lang="en-US" smtClean="0"/>
+              <a:rPr lang="en-US"/>
               <a:t>Click to edit Master title style</a:t>
             </a:r>
             <a:endParaRPr lang="en-US" dirty="0"/>
@@ -2802,7 +2801,7 @@
           </a:lstStyle>
           <a:p>
             <a:r>
-              <a:rPr lang="en-US" smtClean="0"/>
+              <a:rPr lang="en-US"/>
               <a:t>Click icon to add picture</a:t>
             </a:r>
             <a:endParaRPr lang="en-US" dirty="0"/>
@@ -2868,7 +2867,7 @@
           <a:p>
             <a:pPr lvl="0"/>
             <a:r>
-              <a:rPr lang="en-US" smtClean="0"/>
+              <a:rPr lang="en-US"/>
               <a:t>Edit Master text styles</a:t>
             </a:r>
           </a:p>
@@ -2891,7 +2890,7 @@
           <a:p>
             <a:fld id="{F30F028D-09CB-4438-BB93-EB757F0DDC34}" type="datetime1">
               <a:rPr lang="fr-FR" smtClean="0"/>
-              <a:t>28/05/2024</a:t>
+              <a:t>02/08/2024</a:t>
             </a:fld>
             <a:endParaRPr lang="fr-FR"/>
           </a:p>
@@ -2933,7 +2932,7 @@
           <a:p>
             <a:fld id="{7BD0401B-1ABD-4809-85CC-EE844AFDB754}" type="slidenum">
               <a:rPr lang="fr-FR" smtClean="0"/>
-              <a:t>‹#›</a:t>
+              <a:t>‹N°›</a:t>
             </a:fld>
             <a:endParaRPr lang="fr-FR"/>
           </a:p>
@@ -3000,7 +2999,7 @@
           <a:lstStyle/>
           <a:p>
             <a:r>
-              <a:rPr lang="en-US" smtClean="0"/>
+              <a:rPr lang="en-US"/>
               <a:t>Click to edit Master title style</a:t>
             </a:r>
             <a:endParaRPr lang="en-US" dirty="0"/>
@@ -3034,35 +3033,35 @@
           <a:p>
             <a:pPr lvl="0"/>
             <a:r>
-              <a:rPr lang="en-US" smtClean="0"/>
+              <a:rPr lang="en-US"/>
               <a:t>Edit Master text styles</a:t>
             </a:r>
           </a:p>
           <a:p>
             <a:pPr lvl="1"/>
             <a:r>
-              <a:rPr lang="en-US" smtClean="0"/>
+              <a:rPr lang="en-US"/>
               <a:t>Second level</a:t>
             </a:r>
           </a:p>
           <a:p>
             <a:pPr lvl="2"/>
             <a:r>
-              <a:rPr lang="en-US" smtClean="0"/>
+              <a:rPr lang="en-US"/>
               <a:t>Third level</a:t>
             </a:r>
           </a:p>
           <a:p>
             <a:pPr lvl="3"/>
             <a:r>
-              <a:rPr lang="en-US" smtClean="0"/>
+              <a:rPr lang="en-US"/>
               <a:t>Fourth level</a:t>
             </a:r>
           </a:p>
           <a:p>
             <a:pPr lvl="4"/>
             <a:r>
-              <a:rPr lang="en-US" smtClean="0"/>
+              <a:rPr lang="en-US"/>
               <a:t>Fifth level</a:t>
             </a:r>
             <a:endParaRPr lang="en-US" dirty="0"/>
@@ -3104,7 +3103,7 @@
           <a:p>
             <a:fld id="{6D0102F8-A850-419B-B4A6-EBE3511B74F6}" type="datetime1">
               <a:rPr lang="fr-FR" smtClean="0"/>
-              <a:t>28/05/2024</a:t>
+              <a:t>02/08/2024</a:t>
             </a:fld>
             <a:endParaRPr lang="fr-FR"/>
           </a:p>
@@ -3182,7 +3181,7 @@
           <a:p>
             <a:fld id="{7BD0401B-1ABD-4809-85CC-EE844AFDB754}" type="slidenum">
               <a:rPr lang="fr-FR" smtClean="0"/>
-              <a:t>‹#›</a:t>
+              <a:t>‹N°›</a:t>
             </a:fld>
             <a:endParaRPr lang="fr-FR"/>
           </a:p>
@@ -3512,1393 +3511,6 @@
       </p:grpSpPr>
       <p:sp>
         <p:nvSpPr>
-          <p:cNvPr id="5" name="TextBox 4"/>
-          <p:cNvSpPr txBox="1"/>
-          <p:nvPr/>
-        </p:nvSpPr>
-        <p:spPr>
-          <a:xfrm>
-            <a:off x="211598" y="323833"/>
-            <a:ext cx="6795587" cy="444096"/>
-          </a:xfrm>
-          <a:prstGeom prst="rect">
-            <a:avLst/>
-          </a:prstGeom>
-          <a:effectLst/>
-        </p:spPr>
-        <p:style>
-          <a:lnRef idx="2">
-            <a:schemeClr val="dk1"/>
-          </a:lnRef>
-          <a:fillRef idx="1">
-            <a:schemeClr val="lt1"/>
-          </a:fillRef>
-          <a:effectRef idx="0">
-            <a:schemeClr val="dk1"/>
-          </a:effectRef>
-          <a:fontRef idx="minor">
-            <a:schemeClr val="dk1"/>
-          </a:fontRef>
-        </p:style>
-        <p:txBody>
-          <a:bodyPr wrap="square" rtlCol="0">
-            <a:spAutoFit/>
-          </a:bodyPr>
-          <a:lstStyle/>
-          <a:p>
-            <a:pPr algn="ctr"/>
-            <a:r>
-              <a:rPr lang="fr-FR" sz="2286" dirty="0" smtClean="0"/>
-              <a:t>Organisation </a:t>
-            </a:r>
-            <a:r>
-              <a:rPr lang="fr-FR" sz="2286" smtClean="0"/>
-              <a:t>des séances</a:t>
-            </a:r>
-            <a:endParaRPr lang="fr-FR" sz="2286" dirty="0"/>
-          </a:p>
-        </p:txBody>
-      </p:sp>
-      <p:graphicFrame>
-        <p:nvGraphicFramePr>
-          <p:cNvPr id="2" name="Table 1"/>
-          <p:cNvGraphicFramePr>
-            <a:graphicFrameLocks noGrp="1"/>
-          </p:cNvGraphicFramePr>
-          <p:nvPr>
-            <p:extLst>
-              <p:ext uri="{D42A27DB-BD31-4B8C-83A1-F6EECF244321}">
-                <p14:modId xmlns:p14="http://schemas.microsoft.com/office/powerpoint/2010/main" val="2864061521"/>
-              </p:ext>
-            </p:extLst>
-          </p:nvPr>
-        </p:nvGraphicFramePr>
-        <p:xfrm>
-          <a:off x="211598" y="936421"/>
-          <a:ext cx="6795588" cy="3235960"/>
-        </p:xfrm>
-        <a:graphic>
-          <a:graphicData uri="http://schemas.openxmlformats.org/drawingml/2006/table">
-            <a:tbl>
-              <a:tblPr firstRow="1" bandRow="1">
-                <a:tableStyleId>{5940675A-B579-460E-94D1-54222C63F5DA}</a:tableStyleId>
-              </a:tblPr>
-              <a:tblGrid>
-                <a:gridCol w="916162">
-                  <a:extLst>
-                    <a:ext uri="{9D8B030D-6E8A-4147-A177-3AD203B41FA5}">
-                      <a16:colId xmlns:a16="http://schemas.microsoft.com/office/drawing/2014/main" val="3251450707"/>
-                    </a:ext>
-                  </a:extLst>
-                </a:gridCol>
-                <a:gridCol w="2944369">
-                  <a:extLst>
-                    <a:ext uri="{9D8B030D-6E8A-4147-A177-3AD203B41FA5}">
-                      <a16:colId xmlns:a16="http://schemas.microsoft.com/office/drawing/2014/main" val="3705291744"/>
-                    </a:ext>
-                  </a:extLst>
-                </a:gridCol>
-                <a:gridCol w="2935057">
-                  <a:extLst>
-                    <a:ext uri="{9D8B030D-6E8A-4147-A177-3AD203B41FA5}">
-                      <a16:colId xmlns:a16="http://schemas.microsoft.com/office/drawing/2014/main" val="3176880349"/>
-                    </a:ext>
-                  </a:extLst>
-                </a:gridCol>
-              </a:tblGrid>
-              <a:tr h="370840">
-                <a:tc>
-                  <a:txBody>
-                    <a:bodyPr/>
-                    <a:lstStyle/>
-                    <a:p>
-                      <a:pPr algn="ctr"/>
-                      <a:r>
-                        <a:rPr lang="fr-FR" sz="1400" dirty="0" smtClean="0"/>
-                        <a:t>Séances</a:t>
-                      </a:r>
-                      <a:r>
-                        <a:rPr lang="fr-FR" sz="1400" baseline="0" dirty="0" smtClean="0"/>
-                        <a:t> :</a:t>
-                      </a:r>
-                      <a:endParaRPr lang="fr-FR" sz="1400" dirty="0"/>
-                    </a:p>
-                  </a:txBody>
-                  <a:tcPr anchor="ctr"/>
-                </a:tc>
-                <a:tc>
-                  <a:txBody>
-                    <a:bodyPr/>
-                    <a:lstStyle/>
-                    <a:p>
-                      <a:pPr algn="ctr"/>
-                      <a:r>
-                        <a:rPr lang="fr-FR" sz="1400" dirty="0" smtClean="0"/>
-                        <a:t>Sujets traités</a:t>
-                      </a:r>
-                      <a:endParaRPr lang="fr-FR" sz="1400" dirty="0"/>
-                    </a:p>
-                  </a:txBody>
-                  <a:tcPr anchor="ctr"/>
-                </a:tc>
-                <a:tc>
-                  <a:txBody>
-                    <a:bodyPr/>
-                    <a:lstStyle/>
-                    <a:p>
-                      <a:pPr algn="ctr"/>
-                      <a:r>
-                        <a:rPr lang="fr-FR" sz="1400" dirty="0" smtClean="0"/>
-                        <a:t>Compétences et savoirs associés</a:t>
-                      </a:r>
-                      <a:endParaRPr lang="fr-FR" sz="1400" dirty="0"/>
-                    </a:p>
-                  </a:txBody>
-                  <a:tcPr anchor="ctr"/>
-                </a:tc>
-                <a:extLst>
-                  <a:ext uri="{0D108BD9-81ED-4DB2-BD59-A6C34878D82A}">
-                    <a16:rowId xmlns:a16="http://schemas.microsoft.com/office/drawing/2014/main" val="3340108277"/>
-                  </a:ext>
-                </a:extLst>
-              </a:tr>
-              <a:tr h="894919">
-                <a:tc>
-                  <a:txBody>
-                    <a:bodyPr/>
-                    <a:lstStyle/>
-                    <a:p>
-                      <a:pPr algn="ctr"/>
-                      <a:r>
-                        <a:rPr lang="fr-FR" sz="1400" dirty="0" smtClean="0"/>
-                        <a:t>1</a:t>
-                      </a:r>
-                      <a:endParaRPr lang="fr-FR" sz="1400" dirty="0"/>
-                    </a:p>
-                  </a:txBody>
-                  <a:tcPr anchor="ctr"/>
-                </a:tc>
-                <a:tc>
-                  <a:txBody>
-                    <a:bodyPr/>
-                    <a:lstStyle/>
-                    <a:p>
-                      <a:pPr marL="0" marR="0" lvl="0" indent="0" algn="l" defTabSz="719907" rtl="0" eaLnBrk="1" fontAlgn="auto" latinLnBrk="0" hangingPunct="1">
-                        <a:lnSpc>
-                          <a:spcPct val="100000"/>
-                        </a:lnSpc>
-                        <a:spcBef>
-                          <a:spcPts val="0"/>
-                        </a:spcBef>
-                        <a:spcAft>
-                          <a:spcPts val="0"/>
-                        </a:spcAft>
-                        <a:buClrTx/>
-                        <a:buSzTx/>
-                        <a:buFontTx/>
-                        <a:buNone/>
-                        <a:tabLst/>
-                        <a:defRPr/>
-                      </a:pPr>
-                      <a:r>
-                        <a:rPr lang="fr-FR" sz="1400" baseline="0" dirty="0" smtClean="0"/>
-                        <a:t>Révision des prérequis</a:t>
-                      </a:r>
-                    </a:p>
-                    <a:p>
-                      <a:pPr algn="l"/>
-                      <a:r>
-                        <a:rPr lang="fr-FR" sz="1400" dirty="0" smtClean="0"/>
-                        <a:t>Mise </a:t>
-                      </a:r>
-                      <a:r>
-                        <a:rPr lang="fr-FR" sz="1400" dirty="0" smtClean="0"/>
-                        <a:t>en situation</a:t>
-                      </a:r>
-                    </a:p>
-                    <a:p>
-                      <a:pPr algn="l"/>
-                      <a:r>
-                        <a:rPr lang="fr-FR" sz="1400" dirty="0" smtClean="0"/>
-                        <a:t>Découverte</a:t>
-                      </a:r>
-                      <a:r>
-                        <a:rPr lang="fr-FR" sz="1400" baseline="0" dirty="0" smtClean="0"/>
-                        <a:t> du document</a:t>
-                      </a:r>
-                    </a:p>
-                  </a:txBody>
-                  <a:tcPr anchor="ctr"/>
-                </a:tc>
-                <a:tc rowSpan="3">
-                  <a:txBody>
-                    <a:bodyPr/>
-                    <a:lstStyle/>
-                    <a:p>
-                      <a:pPr marL="285750" indent="-285750" algn="l">
-                        <a:buFont typeface="Arial" panose="020B0604020202020204" pitchFamily="34" charset="0"/>
-                        <a:buChar char="•"/>
-                      </a:pPr>
-                      <a:r>
-                        <a:rPr lang="fr-FR" sz="1400" baseline="0" dirty="0" smtClean="0"/>
-                        <a:t>Identifier les différents documents de suivi (planning, fiche suiveuse, fiche de stock, fiche qualité, fiche de maintenance…)</a:t>
-                      </a:r>
-                    </a:p>
-                    <a:p>
-                      <a:pPr marL="285750" indent="-285750" algn="l">
-                        <a:buFont typeface="Arial" panose="020B0604020202020204" pitchFamily="34" charset="0"/>
-                        <a:buChar char="•"/>
-                      </a:pPr>
-                      <a:endParaRPr lang="fr-FR" sz="1400" baseline="0" dirty="0" smtClean="0"/>
-                    </a:p>
-                    <a:p>
-                      <a:pPr marL="285750" indent="-285750" algn="l">
-                        <a:buFont typeface="Arial" panose="020B0604020202020204" pitchFamily="34" charset="0"/>
-                        <a:buChar char="•"/>
-                      </a:pPr>
-                      <a:r>
-                        <a:rPr lang="fr-FR" sz="1400" baseline="0" dirty="0" smtClean="0"/>
-                        <a:t>Recenser les données liées :</a:t>
-                      </a:r>
-                    </a:p>
-                    <a:p>
-                      <a:pPr marL="0" indent="0" algn="l">
-                        <a:buFont typeface="Arial" panose="020B0604020202020204" pitchFamily="34" charset="0"/>
-                        <a:buNone/>
-                      </a:pPr>
-                      <a:r>
-                        <a:rPr lang="fr-FR" sz="1400" baseline="0" dirty="0" smtClean="0"/>
-                        <a:t>          à la matière d’œuvre</a:t>
-                      </a:r>
-                    </a:p>
-                    <a:p>
-                      <a:pPr marL="0" indent="0" algn="l">
-                        <a:buFont typeface="Arial" panose="020B0604020202020204" pitchFamily="34" charset="0"/>
-                        <a:buNone/>
-                      </a:pPr>
-                      <a:r>
-                        <a:rPr lang="fr-FR" sz="1400" baseline="0" dirty="0" smtClean="0"/>
-                        <a:t>          aux moyens humains/ matériels</a:t>
-                      </a:r>
-                    </a:p>
-                    <a:p>
-                      <a:pPr marL="0" indent="0" algn="l">
-                        <a:buFont typeface="Arial" panose="020B0604020202020204" pitchFamily="34" charset="0"/>
-                        <a:buNone/>
-                      </a:pPr>
-                      <a:r>
-                        <a:rPr lang="fr-FR" sz="1400" baseline="0" dirty="0" smtClean="0"/>
-                        <a:t>          aux processus de fabrication</a:t>
-                      </a:r>
-                    </a:p>
-                    <a:p>
-                      <a:pPr marL="0" indent="0" algn="l">
-                        <a:buFont typeface="Arial" panose="020B0604020202020204" pitchFamily="34" charset="0"/>
-                        <a:buNone/>
-                      </a:pPr>
-                      <a:r>
-                        <a:rPr lang="fr-FR" sz="1400" baseline="0" dirty="0" smtClean="0"/>
-                        <a:t>    </a:t>
-                      </a:r>
-                    </a:p>
-                    <a:p>
-                      <a:pPr marL="285750" indent="-285750" algn="l">
-                        <a:buFont typeface="Arial" panose="020B0604020202020204" pitchFamily="34" charset="0"/>
-                        <a:buChar char="•"/>
-                      </a:pPr>
-                      <a:r>
-                        <a:rPr lang="fr-FR" sz="1400" dirty="0" smtClean="0"/>
-                        <a:t>Renseigner les </a:t>
-                      </a:r>
-                      <a:r>
-                        <a:rPr lang="fr-FR" sz="1400" dirty="0" smtClean="0"/>
-                        <a:t>documents</a:t>
-                      </a:r>
-                    </a:p>
-                    <a:p>
-                      <a:pPr marL="285750" indent="-285750" algn="l">
-                        <a:buFont typeface="Arial" panose="020B0604020202020204" pitchFamily="34" charset="0"/>
-                        <a:buChar char="•"/>
-                      </a:pPr>
-                      <a:endParaRPr lang="fr-FR" sz="1400" dirty="0"/>
-                    </a:p>
-                  </a:txBody>
-                  <a:tcPr anchor="ctr"/>
-                </a:tc>
-                <a:extLst>
-                  <a:ext uri="{0D108BD9-81ED-4DB2-BD59-A6C34878D82A}">
-                    <a16:rowId xmlns:a16="http://schemas.microsoft.com/office/drawing/2014/main" val="677923607"/>
-                  </a:ext>
-                </a:extLst>
-              </a:tr>
-              <a:tr h="1052399">
-                <a:tc>
-                  <a:txBody>
-                    <a:bodyPr/>
-                    <a:lstStyle/>
-                    <a:p>
-                      <a:pPr algn="ctr"/>
-                      <a:r>
-                        <a:rPr lang="fr-FR" sz="1400" dirty="0" smtClean="0"/>
-                        <a:t>2</a:t>
-                      </a:r>
-                      <a:endParaRPr lang="fr-FR" sz="1400" dirty="0"/>
-                    </a:p>
-                  </a:txBody>
-                  <a:tcPr anchor="ctr"/>
-                </a:tc>
-                <a:tc>
-                  <a:txBody>
-                    <a:bodyPr/>
-                    <a:lstStyle/>
-                    <a:p>
-                      <a:pPr algn="l"/>
-                      <a:r>
-                        <a:rPr lang="fr-FR" sz="1400" baseline="0" dirty="0" smtClean="0"/>
-                        <a:t>Découverte du vocabulaire</a:t>
-                      </a:r>
-                    </a:p>
-                    <a:p>
-                      <a:pPr algn="l"/>
-                      <a:r>
-                        <a:rPr lang="fr-FR" sz="1400" baseline="0" dirty="0" smtClean="0"/>
-                        <a:t>Explication du planning des phases</a:t>
-                      </a:r>
-                    </a:p>
-                    <a:p>
-                      <a:pPr algn="l"/>
-                      <a:r>
-                        <a:rPr lang="fr-FR" sz="1400" baseline="0" dirty="0" smtClean="0"/>
-                        <a:t>Mise en application des acquis </a:t>
-                      </a:r>
-                      <a:endParaRPr lang="fr-FR" sz="1400" baseline="0" dirty="0" smtClean="0"/>
-                    </a:p>
-                  </a:txBody>
-                  <a:tcPr anchor="ctr"/>
-                </a:tc>
-                <a:tc vMerge="1">
-                  <a:txBody>
-                    <a:bodyPr/>
-                    <a:lstStyle/>
-                    <a:p>
-                      <a:pPr marL="0" marR="0" lvl="0" indent="0" algn="l" defTabSz="719907" rtl="0" eaLnBrk="1" fontAlgn="auto" latinLnBrk="0" hangingPunct="1">
-                        <a:lnSpc>
-                          <a:spcPct val="100000"/>
-                        </a:lnSpc>
-                        <a:spcBef>
-                          <a:spcPts val="0"/>
-                        </a:spcBef>
-                        <a:spcAft>
-                          <a:spcPts val="0"/>
-                        </a:spcAft>
-                        <a:buClrTx/>
-                        <a:buSzTx/>
-                        <a:buFontTx/>
-                        <a:buNone/>
-                        <a:tabLst/>
-                        <a:defRPr/>
-                      </a:pPr>
-                      <a:endParaRPr lang="fr-FR" sz="1400" baseline="0" dirty="0" smtClean="0"/>
-                    </a:p>
-                  </a:txBody>
-                  <a:tcPr anchor="ctr"/>
-                </a:tc>
-                <a:extLst>
-                  <a:ext uri="{0D108BD9-81ED-4DB2-BD59-A6C34878D82A}">
-                    <a16:rowId xmlns:a16="http://schemas.microsoft.com/office/drawing/2014/main" val="1532663305"/>
-                  </a:ext>
-                </a:extLst>
-              </a:tr>
-              <a:tr h="370840">
-                <a:tc>
-                  <a:txBody>
-                    <a:bodyPr/>
-                    <a:lstStyle/>
-                    <a:p>
-                      <a:pPr algn="ctr"/>
-                      <a:r>
-                        <a:rPr lang="fr-FR" sz="1400" dirty="0" smtClean="0"/>
-                        <a:t>3</a:t>
-                      </a:r>
-                      <a:endParaRPr lang="fr-FR" sz="1400" dirty="0"/>
-                    </a:p>
-                  </a:txBody>
-                  <a:tcPr anchor="ctr"/>
-                </a:tc>
-                <a:tc>
-                  <a:txBody>
-                    <a:bodyPr/>
-                    <a:lstStyle/>
-                    <a:p>
-                      <a:pPr algn="l"/>
-                      <a:r>
-                        <a:rPr lang="fr-FR" sz="1400" dirty="0" smtClean="0"/>
-                        <a:t>Evaluation :</a:t>
-                      </a:r>
-                      <a:r>
-                        <a:rPr lang="fr-FR" sz="1400" baseline="0" dirty="0" smtClean="0"/>
-                        <a:t> remplir un planning des phases sur un ouvrage réalisé en </a:t>
-                      </a:r>
-                      <a:r>
-                        <a:rPr lang="fr-FR" sz="1400" baseline="0" dirty="0" smtClean="0"/>
-                        <a:t>atelier</a:t>
-                      </a:r>
-                    </a:p>
-                  </a:txBody>
-                  <a:tcPr anchor="ctr"/>
-                </a:tc>
-                <a:tc vMerge="1">
-                  <a:txBody>
-                    <a:bodyPr/>
-                    <a:lstStyle/>
-                    <a:p>
-                      <a:pPr algn="l"/>
-                      <a:endParaRPr lang="fr-FR" sz="1400" dirty="0"/>
-                    </a:p>
-                  </a:txBody>
-                  <a:tcPr anchor="ctr"/>
-                </a:tc>
-                <a:extLst>
-                  <a:ext uri="{0D108BD9-81ED-4DB2-BD59-A6C34878D82A}">
-                    <a16:rowId xmlns:a16="http://schemas.microsoft.com/office/drawing/2014/main" val="4168287243"/>
-                  </a:ext>
-                </a:extLst>
-              </a:tr>
-            </a:tbl>
-          </a:graphicData>
-        </a:graphic>
-      </p:graphicFrame>
-    </p:spTree>
-    <p:extLst>
-      <p:ext uri="{BB962C8B-B14F-4D97-AF65-F5344CB8AC3E}">
-        <p14:creationId xmlns:p14="http://schemas.microsoft.com/office/powerpoint/2010/main" val="930538351"/>
-      </p:ext>
-    </p:extLst>
-  </p:cSld>
-  <p:clrMapOvr>
-    <a:masterClrMapping/>
-  </p:clrMapOvr>
-  <p:timing>
-    <p:tnLst>
-      <p:par>
-        <p:cTn id="1" dur="indefinite" restart="never" nodeType="tmRoot"/>
-      </p:par>
-    </p:tnLst>
-  </p:timing>
-</p:sld>
-</file>
-
-<file path=ppt/slides/slide2.xml><?xml version="1.0" encoding="utf-8"?>
-<p:sld xmlns:a="http://schemas.openxmlformats.org/drawingml/2006/main" xmlns:r="http://schemas.openxmlformats.org/officeDocument/2006/relationships" xmlns:p="http://schemas.openxmlformats.org/presentationml/2006/main">
-  <p:cSld>
-    <p:spTree>
-      <p:nvGrpSpPr>
-        <p:cNvPr id="1" name=""/>
-        <p:cNvGrpSpPr/>
-        <p:nvPr/>
-      </p:nvGrpSpPr>
-      <p:grpSpPr>
-        <a:xfrm>
-          <a:off x="0" y="0"/>
-          <a:ext cx="0" cy="0"/>
-          <a:chOff x="0" y="0"/>
-          <a:chExt cx="0" cy="0"/>
-        </a:xfrm>
-      </p:grpSpPr>
-      <p:graphicFrame>
-        <p:nvGraphicFramePr>
-          <p:cNvPr id="7" name="Table 6"/>
-          <p:cNvGraphicFramePr>
-            <a:graphicFrameLocks noGrp="1"/>
-          </p:cNvGraphicFramePr>
-          <p:nvPr>
-            <p:extLst>
-              <p:ext uri="{D42A27DB-BD31-4B8C-83A1-F6EECF244321}">
-                <p14:modId xmlns:p14="http://schemas.microsoft.com/office/powerpoint/2010/main" val="1939364529"/>
-              </p:ext>
-            </p:extLst>
-          </p:nvPr>
-        </p:nvGraphicFramePr>
-        <p:xfrm>
-          <a:off x="183147" y="257511"/>
-          <a:ext cx="6842090" cy="2860762"/>
-        </p:xfrm>
-        <a:graphic>
-          <a:graphicData uri="http://schemas.openxmlformats.org/drawingml/2006/table">
-            <a:tbl>
-              <a:tblPr firstRow="1" bandRow="1">
-                <a:tableStyleId>{C083E6E3-FA7D-4D7B-A595-EF9225AFEA82}</a:tableStyleId>
-              </a:tblPr>
-              <a:tblGrid>
-                <a:gridCol w="3421045">
-                  <a:extLst>
-                    <a:ext uri="{9D8B030D-6E8A-4147-A177-3AD203B41FA5}">
-                      <a16:colId xmlns:a16="http://schemas.microsoft.com/office/drawing/2014/main" val="1415968613"/>
-                    </a:ext>
-                  </a:extLst>
-                </a:gridCol>
-                <a:gridCol w="3421045">
-                  <a:extLst>
-                    <a:ext uri="{9D8B030D-6E8A-4147-A177-3AD203B41FA5}">
-                      <a16:colId xmlns:a16="http://schemas.microsoft.com/office/drawing/2014/main" val="3360888931"/>
-                    </a:ext>
-                  </a:extLst>
-                </a:gridCol>
-              </a:tblGrid>
-              <a:tr h="2650789">
-                <a:tc>
-                  <a:txBody>
-                    <a:bodyPr/>
-                    <a:lstStyle/>
-                    <a:p>
-                      <a:pPr algn="ctr"/>
-                      <a:r>
-                        <a:rPr lang="fr-FR" sz="3000" dirty="0" smtClean="0"/>
-                        <a:t>Le planning </a:t>
-                      </a:r>
-                    </a:p>
-                    <a:p>
-                      <a:pPr algn="ctr"/>
-                      <a:r>
-                        <a:rPr lang="fr-FR" sz="3000" dirty="0" smtClean="0"/>
-                        <a:t>des phases</a:t>
-                      </a:r>
-                      <a:endParaRPr lang="fr-FR" sz="3000" dirty="0"/>
-                    </a:p>
-                  </a:txBody>
-                  <a:tcPr marL="87081" marR="87081" marT="43541" marB="43541" anchor="ctr"/>
-                </a:tc>
-                <a:tc>
-                  <a:txBody>
-                    <a:bodyPr/>
-                    <a:lstStyle/>
-                    <a:p>
-                      <a:endParaRPr lang="fr-FR" sz="1300" dirty="0" smtClean="0"/>
-                    </a:p>
-                    <a:p>
-                      <a:endParaRPr lang="fr-FR" sz="1300" dirty="0" smtClean="0"/>
-                    </a:p>
-                    <a:p>
-                      <a:endParaRPr lang="fr-FR" sz="1300" dirty="0" smtClean="0"/>
-                    </a:p>
-                    <a:p>
-                      <a:endParaRPr lang="fr-FR" sz="1300" dirty="0" smtClean="0"/>
-                    </a:p>
-                    <a:p>
-                      <a:endParaRPr lang="fr-FR" sz="1300" dirty="0" smtClean="0"/>
-                    </a:p>
-                    <a:p>
-                      <a:endParaRPr lang="fr-FR" sz="1300" dirty="0" smtClean="0"/>
-                    </a:p>
-                    <a:p>
-                      <a:endParaRPr lang="fr-FR" sz="1300" dirty="0" smtClean="0"/>
-                    </a:p>
-                    <a:p>
-                      <a:endParaRPr lang="fr-FR" sz="1300" dirty="0" smtClean="0"/>
-                    </a:p>
-                    <a:p>
-                      <a:endParaRPr lang="fr-FR" sz="1300" dirty="0" smtClean="0"/>
-                    </a:p>
-                    <a:p>
-                      <a:endParaRPr lang="fr-FR" sz="1300" dirty="0" smtClean="0"/>
-                    </a:p>
-                    <a:p>
-                      <a:endParaRPr lang="fr-FR" sz="1300" dirty="0" smtClean="0"/>
-                    </a:p>
-                    <a:p>
-                      <a:endParaRPr lang="fr-FR" sz="1300" dirty="0" smtClean="0"/>
-                    </a:p>
-                    <a:p>
-                      <a:endParaRPr lang="fr-FR" sz="1300" dirty="0" smtClean="0"/>
-                    </a:p>
-                    <a:p>
-                      <a:endParaRPr lang="fr-FR" sz="1300" dirty="0"/>
-                    </a:p>
-                  </a:txBody>
-                  <a:tcPr marL="87081" marR="87081" marT="43541" marB="43541"/>
-                </a:tc>
-                <a:extLst>
-                  <a:ext uri="{0D108BD9-81ED-4DB2-BD59-A6C34878D82A}">
-                    <a16:rowId xmlns:a16="http://schemas.microsoft.com/office/drawing/2014/main" val="1874593451"/>
-                  </a:ext>
-                </a:extLst>
-              </a:tr>
-            </a:tbl>
-          </a:graphicData>
-        </a:graphic>
-      </p:graphicFrame>
-      <p:graphicFrame>
-        <p:nvGraphicFramePr>
-          <p:cNvPr id="9" name="Table 8"/>
-          <p:cNvGraphicFramePr>
-            <a:graphicFrameLocks noGrp="1"/>
-          </p:cNvGraphicFramePr>
-          <p:nvPr>
-            <p:extLst>
-              <p:ext uri="{D42A27DB-BD31-4B8C-83A1-F6EECF244321}">
-                <p14:modId xmlns:p14="http://schemas.microsoft.com/office/powerpoint/2010/main" val="3693178712"/>
-              </p:ext>
-            </p:extLst>
-          </p:nvPr>
-        </p:nvGraphicFramePr>
-        <p:xfrm>
-          <a:off x="183147" y="3259003"/>
-          <a:ext cx="6842090" cy="353162"/>
-        </p:xfrm>
-        <a:graphic>
-          <a:graphicData uri="http://schemas.openxmlformats.org/drawingml/2006/table">
-            <a:tbl>
-              <a:tblPr firstRow="1" bandRow="1">
-                <a:tableStyleId>{5940675A-B579-460E-94D1-54222C63F5DA}</a:tableStyleId>
-              </a:tblPr>
-              <a:tblGrid>
-                <a:gridCol w="6842090">
-                  <a:extLst>
-                    <a:ext uri="{9D8B030D-6E8A-4147-A177-3AD203B41FA5}">
-                      <a16:colId xmlns:a16="http://schemas.microsoft.com/office/drawing/2014/main" val="1415968613"/>
-                    </a:ext>
-                  </a:extLst>
-                </a:gridCol>
-              </a:tblGrid>
-              <a:tr h="353162">
-                <a:tc>
-                  <a:txBody>
-                    <a:bodyPr/>
-                    <a:lstStyle/>
-                    <a:p>
-                      <a:r>
-                        <a:rPr lang="fr-FR" sz="1300" b="1" dirty="0" smtClean="0"/>
-                        <a:t>Capacités générales utilisées</a:t>
-                      </a:r>
-                      <a:r>
-                        <a:rPr lang="fr-FR" sz="1300" b="1" baseline="0" dirty="0" smtClean="0"/>
-                        <a:t> pour la séquence : </a:t>
-                      </a:r>
-                      <a:r>
-                        <a:rPr lang="fr-FR" sz="1300" baseline="0" dirty="0" smtClean="0"/>
-                        <a:t>C2.5</a:t>
-                      </a:r>
-                      <a:endParaRPr lang="fr-FR" sz="1300" dirty="0"/>
-                    </a:p>
-                  </a:txBody>
-                  <a:tcPr marL="87081" marR="87081" marT="43541" marB="43541"/>
-                </a:tc>
-                <a:extLst>
-                  <a:ext uri="{0D108BD9-81ED-4DB2-BD59-A6C34878D82A}">
-                    <a16:rowId xmlns:a16="http://schemas.microsoft.com/office/drawing/2014/main" val="1874593451"/>
-                  </a:ext>
-                </a:extLst>
-              </a:tr>
-            </a:tbl>
-          </a:graphicData>
-        </a:graphic>
-      </p:graphicFrame>
-      <p:graphicFrame>
-        <p:nvGraphicFramePr>
-          <p:cNvPr id="10" name="Table 9"/>
-          <p:cNvGraphicFramePr>
-            <a:graphicFrameLocks noGrp="1"/>
-          </p:cNvGraphicFramePr>
-          <p:nvPr>
-            <p:extLst>
-              <p:ext uri="{D42A27DB-BD31-4B8C-83A1-F6EECF244321}">
-                <p14:modId xmlns:p14="http://schemas.microsoft.com/office/powerpoint/2010/main" val="2261984617"/>
-              </p:ext>
-            </p:extLst>
-          </p:nvPr>
-        </p:nvGraphicFramePr>
-        <p:xfrm>
-          <a:off x="183147" y="3722054"/>
-          <a:ext cx="6842090" cy="353162"/>
-        </p:xfrm>
-        <a:graphic>
-          <a:graphicData uri="http://schemas.openxmlformats.org/drawingml/2006/table">
-            <a:tbl>
-              <a:tblPr firstRow="1" bandRow="1">
-                <a:tableStyleId>{5940675A-B579-460E-94D1-54222C63F5DA}</a:tableStyleId>
-              </a:tblPr>
-              <a:tblGrid>
-                <a:gridCol w="6842090">
-                  <a:extLst>
-                    <a:ext uri="{9D8B030D-6E8A-4147-A177-3AD203B41FA5}">
-                      <a16:colId xmlns:a16="http://schemas.microsoft.com/office/drawing/2014/main" val="1415968613"/>
-                    </a:ext>
-                  </a:extLst>
-                </a:gridCol>
-              </a:tblGrid>
-              <a:tr h="353162">
-                <a:tc>
-                  <a:txBody>
-                    <a:bodyPr/>
-                    <a:lstStyle/>
-                    <a:p>
-                      <a:r>
-                        <a:rPr lang="fr-FR" sz="1300" b="1" dirty="0" smtClean="0"/>
-                        <a:t>Compétence</a:t>
-                      </a:r>
-                      <a:r>
-                        <a:rPr lang="fr-FR" sz="1300" baseline="0" dirty="0" smtClean="0"/>
-                        <a:t> : Etablir les documents de suivi de réalisation</a:t>
-                      </a:r>
-                      <a:endParaRPr lang="fr-FR" sz="1300" dirty="0"/>
-                    </a:p>
-                  </a:txBody>
-                  <a:tcPr marL="87081" marR="87081" marT="43541" marB="43541"/>
-                </a:tc>
-                <a:extLst>
-                  <a:ext uri="{0D108BD9-81ED-4DB2-BD59-A6C34878D82A}">
-                    <a16:rowId xmlns:a16="http://schemas.microsoft.com/office/drawing/2014/main" val="1874593451"/>
-                  </a:ext>
-                </a:extLst>
-              </a:tr>
-            </a:tbl>
-          </a:graphicData>
-        </a:graphic>
-      </p:graphicFrame>
-      <p:graphicFrame>
-        <p:nvGraphicFramePr>
-          <p:cNvPr id="11" name="Table 10"/>
-          <p:cNvGraphicFramePr>
-            <a:graphicFrameLocks noGrp="1"/>
-          </p:cNvGraphicFramePr>
-          <p:nvPr>
-            <p:extLst>
-              <p:ext uri="{D42A27DB-BD31-4B8C-83A1-F6EECF244321}">
-                <p14:modId xmlns:p14="http://schemas.microsoft.com/office/powerpoint/2010/main" val="1770891235"/>
-              </p:ext>
-            </p:extLst>
-          </p:nvPr>
-        </p:nvGraphicFramePr>
-        <p:xfrm>
-          <a:off x="183147" y="4185105"/>
-          <a:ext cx="6842090" cy="353162"/>
-        </p:xfrm>
-        <a:graphic>
-          <a:graphicData uri="http://schemas.openxmlformats.org/drawingml/2006/table">
-            <a:tbl>
-              <a:tblPr firstRow="1" bandRow="1">
-                <a:tableStyleId>{5940675A-B579-460E-94D1-54222C63F5DA}</a:tableStyleId>
-              </a:tblPr>
-              <a:tblGrid>
-                <a:gridCol w="6842090">
-                  <a:extLst>
-                    <a:ext uri="{9D8B030D-6E8A-4147-A177-3AD203B41FA5}">
-                      <a16:colId xmlns:a16="http://schemas.microsoft.com/office/drawing/2014/main" val="1415968613"/>
-                    </a:ext>
-                  </a:extLst>
-                </a:gridCol>
-              </a:tblGrid>
-              <a:tr h="353162">
-                <a:tc>
-                  <a:txBody>
-                    <a:bodyPr/>
-                    <a:lstStyle/>
-                    <a:p>
-                      <a:r>
-                        <a:rPr lang="fr-FR" sz="1300" b="1" dirty="0" smtClean="0"/>
-                        <a:t>Savoir associés</a:t>
-                      </a:r>
-                      <a:r>
-                        <a:rPr lang="fr-FR" sz="1300" b="1" baseline="0" dirty="0" smtClean="0"/>
-                        <a:t> </a:t>
-                      </a:r>
-                      <a:r>
-                        <a:rPr lang="fr-FR" sz="1300" baseline="0" dirty="0" smtClean="0"/>
-                        <a:t>: S.2 La communication technique</a:t>
-                      </a:r>
-                      <a:endParaRPr lang="fr-FR" sz="1300" dirty="0"/>
-                    </a:p>
-                  </a:txBody>
-                  <a:tcPr marL="87081" marR="87081" marT="43541" marB="43541"/>
-                </a:tc>
-                <a:extLst>
-                  <a:ext uri="{0D108BD9-81ED-4DB2-BD59-A6C34878D82A}">
-                    <a16:rowId xmlns:a16="http://schemas.microsoft.com/office/drawing/2014/main" val="1874593451"/>
-                  </a:ext>
-                </a:extLst>
-              </a:tr>
-            </a:tbl>
-          </a:graphicData>
-        </a:graphic>
-      </p:graphicFrame>
-      <p:graphicFrame>
-        <p:nvGraphicFramePr>
-          <p:cNvPr id="12" name="Table 11"/>
-          <p:cNvGraphicFramePr>
-            <a:graphicFrameLocks noGrp="1"/>
-          </p:cNvGraphicFramePr>
-          <p:nvPr>
-            <p:extLst>
-              <p:ext uri="{D42A27DB-BD31-4B8C-83A1-F6EECF244321}">
-                <p14:modId xmlns:p14="http://schemas.microsoft.com/office/powerpoint/2010/main" val="1598709355"/>
-              </p:ext>
-            </p:extLst>
-          </p:nvPr>
-        </p:nvGraphicFramePr>
-        <p:xfrm>
-          <a:off x="183147" y="4648156"/>
-          <a:ext cx="6842090" cy="353162"/>
-        </p:xfrm>
-        <a:graphic>
-          <a:graphicData uri="http://schemas.openxmlformats.org/drawingml/2006/table">
-            <a:tbl>
-              <a:tblPr firstRow="1" bandRow="1">
-                <a:tableStyleId>{5940675A-B579-460E-94D1-54222C63F5DA}</a:tableStyleId>
-              </a:tblPr>
-              <a:tblGrid>
-                <a:gridCol w="6842090">
-                  <a:extLst>
-                    <a:ext uri="{9D8B030D-6E8A-4147-A177-3AD203B41FA5}">
-                      <a16:colId xmlns:a16="http://schemas.microsoft.com/office/drawing/2014/main" val="1415968613"/>
-                    </a:ext>
-                  </a:extLst>
-                </a:gridCol>
-              </a:tblGrid>
-              <a:tr h="353162">
-                <a:tc>
-                  <a:txBody>
-                    <a:bodyPr/>
-                    <a:lstStyle/>
-                    <a:p>
-                      <a:r>
-                        <a:rPr lang="fr-FR" sz="1300" b="1" dirty="0" smtClean="0"/>
-                        <a:t>Contexte</a:t>
-                      </a:r>
-                      <a:r>
-                        <a:rPr lang="fr-FR" sz="1300" dirty="0" smtClean="0"/>
-                        <a:t> : Monsieur Dupont est un client qui a besoin d’un tabouret</a:t>
-                      </a:r>
-                      <a:endParaRPr lang="fr-FR" sz="1300" dirty="0"/>
-                    </a:p>
-                  </a:txBody>
-                  <a:tcPr marL="87081" marR="87081" marT="43541" marB="43541"/>
-                </a:tc>
-                <a:extLst>
-                  <a:ext uri="{0D108BD9-81ED-4DB2-BD59-A6C34878D82A}">
-                    <a16:rowId xmlns:a16="http://schemas.microsoft.com/office/drawing/2014/main" val="1874593451"/>
-                  </a:ext>
-                </a:extLst>
-              </a:tr>
-            </a:tbl>
-          </a:graphicData>
-        </a:graphic>
-      </p:graphicFrame>
-      <p:graphicFrame>
-        <p:nvGraphicFramePr>
-          <p:cNvPr id="13" name="Table 12"/>
-          <p:cNvGraphicFramePr>
-            <a:graphicFrameLocks noGrp="1"/>
-          </p:cNvGraphicFramePr>
-          <p:nvPr>
-            <p:extLst>
-              <p:ext uri="{D42A27DB-BD31-4B8C-83A1-F6EECF244321}">
-                <p14:modId xmlns:p14="http://schemas.microsoft.com/office/powerpoint/2010/main" val="45829901"/>
-              </p:ext>
-            </p:extLst>
-          </p:nvPr>
-        </p:nvGraphicFramePr>
-        <p:xfrm>
-          <a:off x="183147" y="5111206"/>
-          <a:ext cx="6842090" cy="704088"/>
-        </p:xfrm>
-        <a:graphic>
-          <a:graphicData uri="http://schemas.openxmlformats.org/drawingml/2006/table">
-            <a:tbl>
-              <a:tblPr firstRow="1" bandRow="1">
-                <a:tableStyleId>{5940675A-B579-460E-94D1-54222C63F5DA}</a:tableStyleId>
-              </a:tblPr>
-              <a:tblGrid>
-                <a:gridCol w="6842090">
-                  <a:extLst>
-                    <a:ext uri="{9D8B030D-6E8A-4147-A177-3AD203B41FA5}">
-                      <a16:colId xmlns:a16="http://schemas.microsoft.com/office/drawing/2014/main" val="1415968613"/>
-                    </a:ext>
-                  </a:extLst>
-                </a:gridCol>
-              </a:tblGrid>
-              <a:tr h="704088">
-                <a:tc>
-                  <a:txBody>
-                    <a:bodyPr/>
-                    <a:lstStyle/>
-                    <a:p>
-                      <a:r>
-                        <a:rPr lang="fr-FR" sz="1300" b="1" dirty="0" smtClean="0"/>
-                        <a:t>Mise en situation </a:t>
-                      </a:r>
-                      <a:r>
-                        <a:rPr lang="fr-FR" sz="1300" dirty="0" smtClean="0"/>
-                        <a:t>: Monsieur Dupont à besoin que</a:t>
-                      </a:r>
-                      <a:r>
-                        <a:rPr lang="fr-FR" sz="1300" baseline="0" dirty="0" smtClean="0"/>
-                        <a:t> vous fabriquiez</a:t>
-                      </a:r>
-                      <a:r>
-                        <a:rPr lang="fr-FR" sz="1300" dirty="0" smtClean="0"/>
-                        <a:t> un tabouret.</a:t>
-                      </a:r>
-                      <a:r>
-                        <a:rPr lang="fr-FR" sz="1300" baseline="0" dirty="0" smtClean="0"/>
-                        <a:t> Afin de répondre à son besoin vous déterminez le planning de phases qui correspond à l’ordre d’usinage des pièces pour la réalisation de l’ouvrage</a:t>
-                      </a:r>
-                      <a:endParaRPr lang="fr-FR" sz="1300" dirty="0"/>
-                    </a:p>
-                  </a:txBody>
-                  <a:tcPr marL="87081" marR="87081" marT="43541" marB="43541"/>
-                </a:tc>
-                <a:extLst>
-                  <a:ext uri="{0D108BD9-81ED-4DB2-BD59-A6C34878D82A}">
-                    <a16:rowId xmlns:a16="http://schemas.microsoft.com/office/drawing/2014/main" val="1874593451"/>
-                  </a:ext>
-                </a:extLst>
-              </a:tr>
-            </a:tbl>
-          </a:graphicData>
-        </a:graphic>
-      </p:graphicFrame>
-      <p:graphicFrame>
-        <p:nvGraphicFramePr>
-          <p:cNvPr id="14" name="Table 13"/>
-          <p:cNvGraphicFramePr>
-            <a:graphicFrameLocks noGrp="1"/>
-          </p:cNvGraphicFramePr>
-          <p:nvPr>
-            <p:extLst>
-              <p:ext uri="{D42A27DB-BD31-4B8C-83A1-F6EECF244321}">
-                <p14:modId xmlns:p14="http://schemas.microsoft.com/office/powerpoint/2010/main" val="3202631082"/>
-              </p:ext>
-            </p:extLst>
-          </p:nvPr>
-        </p:nvGraphicFramePr>
-        <p:xfrm>
-          <a:off x="183147" y="6709015"/>
-          <a:ext cx="6842090" cy="1199602"/>
-        </p:xfrm>
-        <a:graphic>
-          <a:graphicData uri="http://schemas.openxmlformats.org/drawingml/2006/table">
-            <a:tbl>
-              <a:tblPr firstRow="1" bandRow="1">
-                <a:tableStyleId>{5940675A-B579-460E-94D1-54222C63F5DA}</a:tableStyleId>
-              </a:tblPr>
-              <a:tblGrid>
-                <a:gridCol w="6842090">
-                  <a:extLst>
-                    <a:ext uri="{9D8B030D-6E8A-4147-A177-3AD203B41FA5}">
-                      <a16:colId xmlns:a16="http://schemas.microsoft.com/office/drawing/2014/main" val="1415968613"/>
-                    </a:ext>
-                  </a:extLst>
-                </a:gridCol>
-              </a:tblGrid>
-              <a:tr h="1115425">
-                <a:tc>
-                  <a:txBody>
-                    <a:bodyPr/>
-                    <a:lstStyle/>
-                    <a:p>
-                      <a:r>
-                        <a:rPr lang="fr-FR" sz="1300" b="1" dirty="0" smtClean="0"/>
-                        <a:t>Objectif</a:t>
-                      </a:r>
-                      <a:r>
-                        <a:rPr lang="fr-FR" sz="1300" dirty="0" smtClean="0"/>
-                        <a:t> : L’élève doit être capable de :</a:t>
-                      </a:r>
-                    </a:p>
-                    <a:p>
-                      <a:pPr marL="285750" indent="-285750" algn="l">
-                        <a:buFont typeface="Arial" panose="020B0604020202020204" pitchFamily="34" charset="0"/>
-                        <a:buChar char="•"/>
-                      </a:pPr>
-                      <a:r>
-                        <a:rPr lang="fr-FR" sz="1200" baseline="0" dirty="0" smtClean="0"/>
-                        <a:t>Identifier les différents documents de suivi (planning, fiche suiveuse, fiche de stock, fiche qualité, fiche de maintenance…)</a:t>
-                      </a:r>
-                    </a:p>
-                    <a:p>
-                      <a:pPr marL="285750" indent="-285750" algn="l">
-                        <a:buFont typeface="Arial" panose="020B0604020202020204" pitchFamily="34" charset="0"/>
-                        <a:buChar char="•"/>
-                      </a:pPr>
-                      <a:r>
-                        <a:rPr lang="fr-FR" sz="1200" baseline="0" dirty="0" smtClean="0"/>
-                        <a:t>Recenser les données liées à la matière d’œuvre, aux moyens humains/ matériels, aux processus de fabrication    </a:t>
-                      </a:r>
-                    </a:p>
-                    <a:p>
-                      <a:pPr marL="285750" indent="-285750" algn="l">
-                        <a:buFont typeface="Arial" panose="020B0604020202020204" pitchFamily="34" charset="0"/>
-                        <a:buChar char="•"/>
-                      </a:pPr>
-                      <a:r>
-                        <a:rPr lang="fr-FR" sz="1200" dirty="0" smtClean="0"/>
-                        <a:t>Renseigner les </a:t>
-                      </a:r>
-                      <a:r>
-                        <a:rPr lang="fr-FR" sz="1200" dirty="0" smtClean="0"/>
-                        <a:t>documents</a:t>
-                      </a:r>
-                      <a:endParaRPr lang="fr-FR" sz="1200" dirty="0"/>
-                    </a:p>
-                  </a:txBody>
-                  <a:tcPr marL="87081" marR="87081" marT="43541" marB="43541"/>
-                </a:tc>
-                <a:extLst>
-                  <a:ext uri="{0D108BD9-81ED-4DB2-BD59-A6C34878D82A}">
-                    <a16:rowId xmlns:a16="http://schemas.microsoft.com/office/drawing/2014/main" val="1874593451"/>
-                  </a:ext>
-                </a:extLst>
-              </a:tr>
-            </a:tbl>
-          </a:graphicData>
-        </a:graphic>
-      </p:graphicFrame>
-      <p:graphicFrame>
-        <p:nvGraphicFramePr>
-          <p:cNvPr id="15" name="Table 14"/>
-          <p:cNvGraphicFramePr>
-            <a:graphicFrameLocks noGrp="1"/>
-          </p:cNvGraphicFramePr>
-          <p:nvPr>
-            <p:extLst>
-              <p:ext uri="{D42A27DB-BD31-4B8C-83A1-F6EECF244321}">
-                <p14:modId xmlns:p14="http://schemas.microsoft.com/office/powerpoint/2010/main" val="79876298"/>
-              </p:ext>
-            </p:extLst>
-          </p:nvPr>
-        </p:nvGraphicFramePr>
-        <p:xfrm>
-          <a:off x="183147" y="8054427"/>
-          <a:ext cx="6842090" cy="704088"/>
-        </p:xfrm>
-        <a:graphic>
-          <a:graphicData uri="http://schemas.openxmlformats.org/drawingml/2006/table">
-            <a:tbl>
-              <a:tblPr firstRow="1" bandRow="1">
-                <a:tableStyleId>{5940675A-B579-460E-94D1-54222C63F5DA}</a:tableStyleId>
-              </a:tblPr>
-              <a:tblGrid>
-                <a:gridCol w="6842090">
-                  <a:extLst>
-                    <a:ext uri="{9D8B030D-6E8A-4147-A177-3AD203B41FA5}">
-                      <a16:colId xmlns:a16="http://schemas.microsoft.com/office/drawing/2014/main" val="1415968613"/>
-                    </a:ext>
-                  </a:extLst>
-                </a:gridCol>
-              </a:tblGrid>
-              <a:tr h="704088">
-                <a:tc>
-                  <a:txBody>
-                    <a:bodyPr/>
-                    <a:lstStyle/>
-                    <a:p>
-                      <a:r>
-                        <a:rPr lang="fr-FR" sz="1300" b="1" dirty="0" smtClean="0"/>
-                        <a:t>On demande de </a:t>
-                      </a:r>
-                      <a:r>
-                        <a:rPr lang="fr-FR" sz="1300" dirty="0" smtClean="0"/>
-                        <a:t>:</a:t>
-                      </a:r>
-                    </a:p>
-                    <a:p>
-                      <a:r>
-                        <a:rPr lang="fr-FR" sz="1300" baseline="0" dirty="0" smtClean="0"/>
-                        <a:t>      1. De déterminer un ordre cohérent dans la fabrication</a:t>
-                      </a:r>
-                      <a:endParaRPr lang="fr-FR" sz="1300" dirty="0" smtClean="0"/>
-                    </a:p>
-                    <a:p>
-                      <a:r>
-                        <a:rPr lang="fr-FR" sz="1300" dirty="0" smtClean="0"/>
-                        <a:t>      2.</a:t>
-                      </a:r>
-                      <a:r>
-                        <a:rPr lang="fr-FR" sz="1300" baseline="0" dirty="0" smtClean="0"/>
-                        <a:t> De remplir le document pour l’ensemble de l’ouvrage </a:t>
-                      </a:r>
-                    </a:p>
-                  </a:txBody>
-                  <a:tcPr marL="87081" marR="87081" marT="43541" marB="43541"/>
-                </a:tc>
-                <a:extLst>
-                  <a:ext uri="{0D108BD9-81ED-4DB2-BD59-A6C34878D82A}">
-                    <a16:rowId xmlns:a16="http://schemas.microsoft.com/office/drawing/2014/main" val="1874593451"/>
-                  </a:ext>
-                </a:extLst>
-              </a:tr>
-            </a:tbl>
-          </a:graphicData>
-        </a:graphic>
-      </p:graphicFrame>
-      <p:graphicFrame>
-        <p:nvGraphicFramePr>
-          <p:cNvPr id="16" name="Table 15"/>
-          <p:cNvGraphicFramePr>
-            <a:graphicFrameLocks noGrp="1"/>
-          </p:cNvGraphicFramePr>
-          <p:nvPr>
-            <p:extLst>
-              <p:ext uri="{D42A27DB-BD31-4B8C-83A1-F6EECF244321}">
-                <p14:modId xmlns:p14="http://schemas.microsoft.com/office/powerpoint/2010/main" val="602991026"/>
-              </p:ext>
-            </p:extLst>
-          </p:nvPr>
-        </p:nvGraphicFramePr>
-        <p:xfrm>
-          <a:off x="183147" y="8904325"/>
-          <a:ext cx="6842090" cy="909756"/>
-        </p:xfrm>
-        <a:graphic>
-          <a:graphicData uri="http://schemas.openxmlformats.org/drawingml/2006/table">
-            <a:tbl>
-              <a:tblPr firstRow="1" bandRow="1">
-                <a:tableStyleId>{5940675A-B579-460E-94D1-54222C63F5DA}</a:tableStyleId>
-              </a:tblPr>
-              <a:tblGrid>
-                <a:gridCol w="6842090">
-                  <a:extLst>
-                    <a:ext uri="{9D8B030D-6E8A-4147-A177-3AD203B41FA5}">
-                      <a16:colId xmlns:a16="http://schemas.microsoft.com/office/drawing/2014/main" val="1415968613"/>
-                    </a:ext>
-                  </a:extLst>
-                </a:gridCol>
-              </a:tblGrid>
-              <a:tr h="909756">
-                <a:tc>
-                  <a:txBody>
-                    <a:bodyPr/>
-                    <a:lstStyle/>
-                    <a:p>
-                      <a:r>
-                        <a:rPr lang="fr-FR" sz="1300" b="1" dirty="0" smtClean="0"/>
-                        <a:t>On donne  </a:t>
-                      </a:r>
-                      <a:r>
-                        <a:rPr lang="fr-FR" sz="1300" dirty="0" smtClean="0"/>
-                        <a:t>:</a:t>
-                      </a:r>
-                    </a:p>
-                    <a:p>
-                      <a:r>
-                        <a:rPr lang="fr-FR" sz="1300" dirty="0" smtClean="0"/>
-                        <a:t>       1.</a:t>
-                      </a:r>
-                      <a:r>
-                        <a:rPr lang="fr-FR" sz="1300" baseline="0" dirty="0" smtClean="0"/>
-                        <a:t> Les informations techniques du documents</a:t>
-                      </a:r>
-                    </a:p>
-                    <a:p>
-                      <a:r>
-                        <a:rPr lang="fr-FR" sz="1300" dirty="0" smtClean="0"/>
-                        <a:t>       2. Les diminutifs utilisés pour les différents</a:t>
-                      </a:r>
-                      <a:r>
-                        <a:rPr lang="fr-FR" sz="1300" baseline="0" dirty="0" smtClean="0"/>
-                        <a:t> usinage</a:t>
-                      </a:r>
-                      <a:endParaRPr lang="fr-FR" sz="1300" dirty="0" smtClean="0"/>
-                    </a:p>
-                    <a:p>
-                      <a:r>
-                        <a:rPr lang="fr-FR" sz="1300" dirty="0" smtClean="0"/>
-                        <a:t>       3. Les plans </a:t>
-                      </a:r>
-                      <a:r>
-                        <a:rPr lang="fr-FR" sz="1300" baseline="0" dirty="0" smtClean="0"/>
-                        <a:t>de l’ouvrage (du tabouret) et la feuille </a:t>
-                      </a:r>
-                      <a:r>
-                        <a:rPr lang="fr-FR" sz="1300" baseline="0" dirty="0" smtClean="0"/>
-                        <a:t>de </a:t>
-                      </a:r>
-                      <a:r>
-                        <a:rPr lang="fr-FR" sz="1300" baseline="0" dirty="0" smtClean="0"/>
-                        <a:t>débit (prérequis</a:t>
-                      </a:r>
-                      <a:r>
-                        <a:rPr lang="fr-FR" sz="1300" baseline="0" dirty="0" smtClean="0"/>
-                        <a:t>)</a:t>
-                      </a:r>
-                      <a:endParaRPr lang="fr-FR" sz="1300" baseline="0" dirty="0" smtClean="0"/>
-                    </a:p>
-                  </a:txBody>
-                  <a:tcPr marL="87081" marR="87081" marT="43541" marB="43541"/>
-                </a:tc>
-                <a:extLst>
-                  <a:ext uri="{0D108BD9-81ED-4DB2-BD59-A6C34878D82A}">
-                    <a16:rowId xmlns:a16="http://schemas.microsoft.com/office/drawing/2014/main" val="1874593451"/>
-                  </a:ext>
-                </a:extLst>
-              </a:tr>
-            </a:tbl>
-          </a:graphicData>
-        </a:graphic>
-      </p:graphicFrame>
-      <p:pic>
-        <p:nvPicPr>
-          <p:cNvPr id="2" name="Picture 1"/>
-          <p:cNvPicPr>
-            <a:picLocks noChangeAspect="1"/>
-          </p:cNvPicPr>
-          <p:nvPr/>
-        </p:nvPicPr>
-        <p:blipFill>
-          <a:blip r:embed="rId2">
-            <a:grayscl/>
-          </a:blip>
-          <a:stretch>
-            <a:fillRect/>
-          </a:stretch>
-        </p:blipFill>
-        <p:spPr>
-          <a:xfrm>
-            <a:off x="3604192" y="560513"/>
-            <a:ext cx="3179034" cy="2078599"/>
-          </a:xfrm>
-          <a:prstGeom prst="rect">
-            <a:avLst/>
-          </a:prstGeom>
-        </p:spPr>
-      </p:pic>
-      <p:graphicFrame>
-        <p:nvGraphicFramePr>
-          <p:cNvPr id="17" name="Table 16"/>
-          <p:cNvGraphicFramePr>
-            <a:graphicFrameLocks noGrp="1"/>
-          </p:cNvGraphicFramePr>
-          <p:nvPr>
-            <p:extLst>
-              <p:ext uri="{D42A27DB-BD31-4B8C-83A1-F6EECF244321}">
-                <p14:modId xmlns:p14="http://schemas.microsoft.com/office/powerpoint/2010/main" val="814319689"/>
-              </p:ext>
-            </p:extLst>
-          </p:nvPr>
-        </p:nvGraphicFramePr>
-        <p:xfrm>
-          <a:off x="183147" y="5910110"/>
-          <a:ext cx="6842090" cy="704088"/>
-        </p:xfrm>
-        <a:graphic>
-          <a:graphicData uri="http://schemas.openxmlformats.org/drawingml/2006/table">
-            <a:tbl>
-              <a:tblPr firstRow="1" bandRow="1">
-                <a:tableStyleId>{5940675A-B579-460E-94D1-54222C63F5DA}</a:tableStyleId>
-              </a:tblPr>
-              <a:tblGrid>
-                <a:gridCol w="6842090">
-                  <a:extLst>
-                    <a:ext uri="{9D8B030D-6E8A-4147-A177-3AD203B41FA5}">
-                      <a16:colId xmlns:a16="http://schemas.microsoft.com/office/drawing/2014/main" val="1415968613"/>
-                    </a:ext>
-                  </a:extLst>
-                </a:gridCol>
-              </a:tblGrid>
-              <a:tr h="704088">
-                <a:tc>
-                  <a:txBody>
-                    <a:bodyPr/>
-                    <a:lstStyle/>
-                    <a:p>
-                      <a:r>
-                        <a:rPr lang="fr-FR" sz="1300" b="1" dirty="0" smtClean="0"/>
-                        <a:t>Prérequis : </a:t>
-                      </a:r>
-                    </a:p>
-                    <a:p>
-                      <a:pPr marL="285750" indent="-285750">
-                        <a:buFont typeface="Arial" panose="020B0604020202020204" pitchFamily="34" charset="0"/>
-                        <a:buChar char="•"/>
-                      </a:pPr>
-                      <a:r>
-                        <a:rPr lang="fr-FR" sz="1300" b="0" dirty="0" smtClean="0"/>
-                        <a:t>Notion de</a:t>
-                      </a:r>
-                      <a:r>
-                        <a:rPr lang="fr-FR" sz="1300" b="0" baseline="0" dirty="0" smtClean="0"/>
-                        <a:t> l’usinage par</a:t>
-                      </a:r>
-                      <a:r>
-                        <a:rPr lang="fr-FR" sz="1300" b="0" dirty="0" smtClean="0"/>
-                        <a:t> des machines en atelier</a:t>
-                      </a:r>
-                    </a:p>
-                    <a:p>
-                      <a:pPr marL="285750" indent="-285750">
-                        <a:buFont typeface="Arial" panose="020B0604020202020204" pitchFamily="34" charset="0"/>
-                        <a:buChar char="•"/>
-                      </a:pPr>
-                      <a:r>
-                        <a:rPr lang="fr-FR" sz="1300" b="0" dirty="0" smtClean="0"/>
-                        <a:t>Notion de</a:t>
-                      </a:r>
-                      <a:r>
-                        <a:rPr lang="fr-FR" sz="1300" b="0" baseline="0" dirty="0" smtClean="0"/>
-                        <a:t> lecture de</a:t>
-                      </a:r>
-                      <a:r>
-                        <a:rPr lang="fr-FR" sz="1300" b="0" dirty="0" smtClean="0"/>
-                        <a:t> plans</a:t>
-                      </a:r>
-                      <a:r>
-                        <a:rPr lang="fr-FR" sz="1300" b="0" baseline="0" dirty="0" smtClean="0"/>
-                        <a:t> et de rédaction de feuilles de débit pour un ouvrage</a:t>
-                      </a:r>
-                      <a:endParaRPr lang="fr-FR" sz="1300" b="0" dirty="0"/>
-                    </a:p>
-                  </a:txBody>
-                  <a:tcPr marL="87081" marR="87081" marT="43541" marB="43541"/>
-                </a:tc>
-                <a:extLst>
-                  <a:ext uri="{0D108BD9-81ED-4DB2-BD59-A6C34878D82A}">
-                    <a16:rowId xmlns:a16="http://schemas.microsoft.com/office/drawing/2014/main" val="1874593451"/>
-                  </a:ext>
-                </a:extLst>
-              </a:tr>
-            </a:tbl>
-          </a:graphicData>
-        </a:graphic>
-      </p:graphicFrame>
-    </p:spTree>
-    <p:extLst>
-      <p:ext uri="{BB962C8B-B14F-4D97-AF65-F5344CB8AC3E}">
-        <p14:creationId xmlns:p14="http://schemas.microsoft.com/office/powerpoint/2010/main" val="1185779512"/>
-      </p:ext>
-    </p:extLst>
-  </p:cSld>
-  <p:clrMapOvr>
-    <a:masterClrMapping/>
-  </p:clrMapOvr>
-  <p:timing>
-    <p:tnLst>
-      <p:par>
-        <p:cTn id="1" dur="indefinite" restart="never" nodeType="tmRoot"/>
-      </p:par>
-    </p:tnLst>
-  </p:timing>
-</p:sld>
-</file>
-
-<file path=ppt/slides/slide3.xml><?xml version="1.0" encoding="utf-8"?>
-<p:sld xmlns:a="http://schemas.openxmlformats.org/drawingml/2006/main" xmlns:r="http://schemas.openxmlformats.org/officeDocument/2006/relationships" xmlns:p="http://schemas.openxmlformats.org/presentationml/2006/main">
-  <p:cSld>
-    <p:spTree>
-      <p:nvGrpSpPr>
-        <p:cNvPr id="1" name=""/>
-        <p:cNvGrpSpPr/>
-        <p:nvPr/>
-      </p:nvGrpSpPr>
-      <p:grpSpPr>
-        <a:xfrm>
-          <a:off x="0" y="0"/>
-          <a:ext cx="0" cy="0"/>
-          <a:chOff x="0" y="0"/>
-          <a:chExt cx="0" cy="0"/>
-        </a:xfrm>
-      </p:grpSpPr>
-      <p:sp>
-        <p:nvSpPr>
           <p:cNvPr id="8" name="TextBox 7"/>
           <p:cNvSpPr txBox="1"/>
           <p:nvPr/>
@@ -5149,10 +3761,9 @@
           <a:p>
             <a:pPr algn="ctr"/>
             <a:r>
-              <a:rPr lang="fr-FR" dirty="0" smtClean="0"/>
+              <a:rPr lang="fr-FR" dirty="0"/>
               <a:t>pied</a:t>
             </a:r>
-            <a:endParaRPr lang="fr-FR" dirty="0"/>
           </a:p>
         </p:txBody>
       </p:sp>
@@ -5193,10 +3804,9 @@
           <a:p>
             <a:pPr algn="ctr"/>
             <a:r>
-              <a:rPr lang="fr-FR" dirty="0" smtClean="0"/>
+              <a:rPr lang="fr-FR" dirty="0"/>
               <a:t>Traverse haute</a:t>
             </a:r>
-            <a:endParaRPr lang="fr-FR" dirty="0"/>
           </a:p>
         </p:txBody>
       </p:sp>
@@ -5256,72 +3866,19 @@
           <a:p>
             <a:pPr algn="just"/>
             <a:r>
-              <a:rPr lang="fr-FR" sz="1300" b="1" dirty="0" smtClean="0">
+              <a:rPr lang="fr-FR" sz="1300" b="1" dirty="0">
                 <a:ea typeface="Calibri Light" panose="020F0302020204030204" pitchFamily="34" charset="0"/>
                 <a:cs typeface="Calibri Light" panose="020F0302020204030204" pitchFamily="34" charset="0"/>
               </a:rPr>
-              <a:t>Le planning des </a:t>
-            </a:r>
-            <a:r>
-              <a:rPr lang="fr-FR" sz="1300" b="1" dirty="0" smtClean="0">
-                <a:ea typeface="Calibri Light" panose="020F0302020204030204" pitchFamily="34" charset="0"/>
-                <a:cs typeface="Calibri Light" panose="020F0302020204030204" pitchFamily="34" charset="0"/>
-              </a:rPr>
-              <a:t>phases, </a:t>
-            </a:r>
-            <a:r>
-              <a:rPr lang="fr-FR" sz="1300" dirty="0" smtClean="0">
-                <a:ea typeface="Calibri Light" panose="020F0302020204030204" pitchFamily="34" charset="0"/>
-                <a:cs typeface="Calibri Light" panose="020F0302020204030204" pitchFamily="34" charset="0"/>
-              </a:rPr>
-              <a:t>appelé </a:t>
+              <a:t>Le planning des phases, </a:t>
             </a:r>
             <a:r>
               <a:rPr lang="fr-FR" sz="1300" dirty="0">
                 <a:ea typeface="Calibri Light" panose="020F0302020204030204" pitchFamily="34" charset="0"/>
                 <a:cs typeface="Calibri Light" panose="020F0302020204030204" pitchFamily="34" charset="0"/>
               </a:rPr>
-              <a:t>aussi ordonnancement des phases, </a:t>
-            </a:r>
-            <a:r>
-              <a:rPr lang="fr-FR" sz="1300" dirty="0" smtClean="0">
-                <a:ea typeface="Calibri Light" panose="020F0302020204030204" pitchFamily="34" charset="0"/>
-                <a:cs typeface="Calibri Light" panose="020F0302020204030204" pitchFamily="34" charset="0"/>
-              </a:rPr>
-              <a:t>est </a:t>
-            </a:r>
-            <a:r>
-              <a:rPr lang="fr-FR" sz="1300" dirty="0" smtClean="0">
-                <a:ea typeface="Calibri Light" panose="020F0302020204030204" pitchFamily="34" charset="0"/>
-                <a:cs typeface="Calibri Light" panose="020F0302020204030204" pitchFamily="34" charset="0"/>
-              </a:rPr>
-              <a:t>un document qui permet </a:t>
-            </a:r>
-            <a:r>
-              <a:rPr lang="fr-FR" sz="1300" dirty="0">
-                <a:ea typeface="Calibri Light" panose="020F0302020204030204" pitchFamily="34" charset="0"/>
-                <a:cs typeface="Calibri Light" panose="020F0302020204030204" pitchFamily="34" charset="0"/>
-              </a:rPr>
-              <a:t>de visualiser les différentes phases nécessaires pour réaliser un </a:t>
-            </a:r>
-            <a:r>
-              <a:rPr lang="fr-FR" sz="1300" dirty="0" smtClean="0">
-                <a:ea typeface="Calibri Light" panose="020F0302020204030204" pitchFamily="34" charset="0"/>
-                <a:cs typeface="Calibri Light" panose="020F0302020204030204" pitchFamily="34" charset="0"/>
-              </a:rPr>
-              <a:t>ensemble </a:t>
-            </a:r>
-            <a:r>
-              <a:rPr lang="fr-FR" sz="1300" dirty="0">
-                <a:ea typeface="Calibri Light" panose="020F0302020204030204" pitchFamily="34" charset="0"/>
-                <a:cs typeface="Calibri Light" panose="020F0302020204030204" pitchFamily="34" charset="0"/>
-              </a:rPr>
-              <a:t>ou un sous ensemble. </a:t>
-            </a:r>
-            <a:endParaRPr lang="fr-FR" sz="1300" dirty="0" smtClean="0">
-              <a:ea typeface="Calibri Light" panose="020F0302020204030204" pitchFamily="34" charset="0"/>
-              <a:cs typeface="Calibri Light" panose="020F0302020204030204" pitchFamily="34" charset="0"/>
-            </a:endParaRPr>
+              <a:t>appelé aussi ordonnancement des phases, est un document qui permet de visualiser les différentes phases nécessaires pour réaliser un ensemble ou un sous ensemble. </a:t>
+            </a:r>
           </a:p>
           <a:p>
             <a:pPr algn="just"/>
@@ -5333,60 +3890,11 @@
           <a:p>
             <a:pPr algn="just"/>
             <a:r>
-              <a:rPr lang="fr-FR" sz="1300" dirty="0" smtClean="0">
-                <a:ea typeface="Calibri Light" panose="020F0302020204030204" pitchFamily="34" charset="0"/>
-                <a:cs typeface="Calibri Light" panose="020F0302020204030204" pitchFamily="34" charset="0"/>
-              </a:rPr>
-              <a:t>L’objectif </a:t>
-            </a:r>
-            <a:r>
               <a:rPr lang="fr-FR" sz="1300" dirty="0">
                 <a:ea typeface="Calibri Light" panose="020F0302020204030204" pitchFamily="34" charset="0"/>
                 <a:cs typeface="Calibri Light" panose="020F0302020204030204" pitchFamily="34" charset="0"/>
               </a:rPr>
-              <a:t>du planning des phases est d’ordonnancer et de visualiser toutes les phases d’usinage nécessaires à la réalisation d’un ouvrage. Ce planning est représenté sous la forme d’un  </a:t>
-            </a:r>
-            <a:r>
-              <a:rPr lang="fr-FR" sz="1300" dirty="0" smtClean="0">
-                <a:ea typeface="Calibri Light" panose="020F0302020204030204" pitchFamily="34" charset="0"/>
-                <a:cs typeface="Calibri Light" panose="020F0302020204030204" pitchFamily="34" charset="0"/>
-              </a:rPr>
-              <a:t>graphique</a:t>
-            </a:r>
-            <a:r>
-              <a:rPr lang="fr-FR" sz="1300" dirty="0">
-                <a:ea typeface="Calibri Light" panose="020F0302020204030204" pitchFamily="34" charset="0"/>
-                <a:cs typeface="Calibri Light" panose="020F0302020204030204" pitchFamily="34" charset="0"/>
-              </a:rPr>
-              <a:t> </a:t>
-            </a:r>
-            <a:r>
-              <a:rPr lang="fr-FR" sz="1300" dirty="0" smtClean="0">
-                <a:ea typeface="Calibri Light" panose="020F0302020204030204" pitchFamily="34" charset="0"/>
-                <a:cs typeface="Calibri Light" panose="020F0302020204030204" pitchFamily="34" charset="0"/>
-              </a:rPr>
-              <a:t>et est </a:t>
-            </a:r>
-            <a:r>
-              <a:rPr lang="fr-FR" sz="1300" dirty="0" smtClean="0">
-                <a:ea typeface="Calibri Light" panose="020F0302020204030204" pitchFamily="34" charset="0"/>
-                <a:cs typeface="Calibri Light" panose="020F0302020204030204" pitchFamily="34" charset="0"/>
-              </a:rPr>
-              <a:t>un élément complémentaire des documents techniques comme le </a:t>
-            </a:r>
-            <a:r>
-              <a:rPr lang="fr-FR" sz="1300" dirty="0" smtClean="0">
-                <a:ea typeface="Calibri Light" panose="020F0302020204030204" pitchFamily="34" charset="0"/>
-                <a:cs typeface="Calibri Light" panose="020F0302020204030204" pitchFamily="34" charset="0"/>
-              </a:rPr>
-              <a:t>plan de l’ouvrage </a:t>
-            </a:r>
-            <a:r>
-              <a:rPr lang="fr-FR" sz="1300" dirty="0" smtClean="0">
-                <a:ea typeface="Calibri Light" panose="020F0302020204030204" pitchFamily="34" charset="0"/>
-                <a:cs typeface="Calibri Light" panose="020F0302020204030204" pitchFamily="34" charset="0"/>
-              </a:rPr>
-              <a:t>et la feuille de débit.</a:t>
+              <a:t>L’objectif du planning des phases est d’ordonnancer et de visualiser toutes les phases d’usinage nécessaires à la réalisation d’un ouvrage. Ce planning est représenté sous la forme d’un  graphique et est un élément complémentaire des documents techniques comme le plan de l’ouvrage et la feuille de débit.</a:t>
             </a:r>
             <a:endParaRPr lang="fr-BE" sz="1300" dirty="0">
               <a:effectLst/>
@@ -5472,10 +3980,9 @@
                     <a:p>
                       <a:pPr algn="ctr"/>
                       <a:r>
-                        <a:rPr lang="fr-FR" dirty="0" smtClean="0"/>
+                        <a:rPr lang="fr-FR" dirty="0"/>
                         <a:t>Repère</a:t>
                       </a:r>
-                      <a:endParaRPr lang="fr-FR" dirty="0"/>
                     </a:p>
                   </a:txBody>
                   <a:tcPr anchor="ctr">
@@ -5491,10 +3998,9 @@
                     <a:p>
                       <a:pPr algn="ctr"/>
                       <a:r>
-                        <a:rPr lang="fr-FR" dirty="0" smtClean="0"/>
+                        <a:rPr lang="fr-FR" dirty="0"/>
                         <a:t>Nb.</a:t>
                       </a:r>
-                      <a:endParaRPr lang="fr-FR" dirty="0"/>
                     </a:p>
                   </a:txBody>
                   <a:tcPr anchor="ctr">
@@ -5510,10 +4016,9 @@
                     <a:p>
                       <a:pPr algn="ctr"/>
                       <a:r>
-                        <a:rPr lang="fr-FR" dirty="0" smtClean="0"/>
+                        <a:rPr lang="fr-FR" dirty="0"/>
                         <a:t>Désignation</a:t>
                       </a:r>
-                      <a:endParaRPr lang="fr-FR" dirty="0"/>
                     </a:p>
                   </a:txBody>
                   <a:tcPr anchor="ctr">
@@ -5529,10 +4034,9 @@
                     <a:p>
                       <a:pPr algn="ctr"/>
                       <a:r>
-                        <a:rPr lang="fr-FR" dirty="0" smtClean="0"/>
+                        <a:rPr lang="fr-FR" dirty="0"/>
                         <a:t>Longueur</a:t>
                       </a:r>
-                      <a:endParaRPr lang="fr-FR" dirty="0"/>
                     </a:p>
                   </a:txBody>
                   <a:tcPr anchor="ctr">
@@ -5548,10 +4052,9 @@
                     <a:p>
                       <a:pPr algn="ctr"/>
                       <a:r>
-                        <a:rPr lang="fr-FR" dirty="0" smtClean="0"/>
+                        <a:rPr lang="fr-FR" dirty="0"/>
                         <a:t>Largeur</a:t>
                       </a:r>
-                      <a:endParaRPr lang="fr-FR" dirty="0"/>
                     </a:p>
                   </a:txBody>
                   <a:tcPr anchor="ctr">
@@ -5567,10 +4070,9 @@
                     <a:p>
                       <a:pPr algn="ctr"/>
                       <a:r>
-                        <a:rPr lang="fr-FR" dirty="0" smtClean="0"/>
+                        <a:rPr lang="fr-FR" dirty="0"/>
                         <a:t>Epaisseur</a:t>
                       </a:r>
-                      <a:endParaRPr lang="fr-FR" dirty="0"/>
                     </a:p>
                   </a:txBody>
                   <a:tcPr anchor="ctr">
@@ -5593,10 +4095,9 @@
                     <a:p>
                       <a:pPr algn="ctr"/>
                       <a:r>
-                        <a:rPr lang="fr-FR" dirty="0" smtClean="0"/>
+                        <a:rPr lang="fr-FR" dirty="0"/>
                         <a:t>101</a:t>
                       </a:r>
-                      <a:endParaRPr lang="fr-FR" dirty="0"/>
                     </a:p>
                   </a:txBody>
                   <a:tcPr anchor="ctr"/>
@@ -5608,10 +4109,9 @@
                     <a:p>
                       <a:pPr algn="ctr"/>
                       <a:r>
-                        <a:rPr lang="fr-FR" dirty="0" smtClean="0"/>
+                        <a:rPr lang="fr-FR" dirty="0"/>
                         <a:t>4</a:t>
                       </a:r>
-                      <a:endParaRPr lang="fr-FR" dirty="0"/>
                     </a:p>
                   </a:txBody>
                   <a:tcPr anchor="ctr"/>
@@ -5623,10 +4123,9 @@
                     <a:p>
                       <a:pPr algn="ctr"/>
                       <a:r>
-                        <a:rPr lang="fr-FR" dirty="0" smtClean="0"/>
+                        <a:rPr lang="fr-FR" dirty="0"/>
                         <a:t>Pieds</a:t>
                       </a:r>
-                      <a:endParaRPr lang="fr-FR" dirty="0"/>
                     </a:p>
                   </a:txBody>
                   <a:tcPr anchor="ctr"/>
@@ -5638,10 +4137,9 @@
                     <a:p>
                       <a:pPr algn="ctr"/>
                       <a:r>
-                        <a:rPr lang="fr-FR" dirty="0" smtClean="0"/>
+                        <a:rPr lang="fr-FR" dirty="0"/>
                         <a:t>450</a:t>
                       </a:r>
-                      <a:endParaRPr lang="fr-FR" dirty="0"/>
                     </a:p>
                   </a:txBody>
                   <a:tcPr anchor="ctr"/>
@@ -5653,10 +4151,9 @@
                     <a:p>
                       <a:pPr algn="ctr"/>
                       <a:r>
-                        <a:rPr lang="fr-FR" dirty="0" smtClean="0"/>
+                        <a:rPr lang="fr-FR" dirty="0"/>
                         <a:t>50</a:t>
                       </a:r>
-                      <a:endParaRPr lang="fr-FR" dirty="0"/>
                     </a:p>
                   </a:txBody>
                   <a:tcPr anchor="ctr"/>
@@ -5668,10 +4165,9 @@
                     <a:p>
                       <a:pPr algn="ctr"/>
                       <a:r>
-                        <a:rPr lang="fr-FR" dirty="0" smtClean="0"/>
+                        <a:rPr lang="fr-FR" dirty="0"/>
                         <a:t>25</a:t>
                       </a:r>
-                      <a:endParaRPr lang="fr-FR" dirty="0"/>
                     </a:p>
                   </a:txBody>
                   <a:tcPr anchor="ctr"/>
@@ -5690,10 +4186,9 @@
                     <a:p>
                       <a:pPr algn="ctr"/>
                       <a:r>
-                        <a:rPr lang="fr-FR" dirty="0" smtClean="0"/>
+                        <a:rPr lang="fr-FR" dirty="0"/>
                         <a:t>104</a:t>
                       </a:r>
-                      <a:endParaRPr lang="fr-FR" dirty="0"/>
                     </a:p>
                   </a:txBody>
                   <a:tcPr anchor="ctr"/>
@@ -5705,10 +4200,9 @@
                     <a:p>
                       <a:pPr algn="ctr"/>
                       <a:r>
-                        <a:rPr lang="fr-FR" dirty="0" smtClean="0"/>
+                        <a:rPr lang="fr-FR" dirty="0"/>
                         <a:t>2</a:t>
                       </a:r>
-                      <a:endParaRPr lang="fr-FR" dirty="0"/>
                     </a:p>
                   </a:txBody>
                   <a:tcPr anchor="ctr"/>
@@ -5720,10 +4214,9 @@
                     <a:p>
                       <a:pPr algn="ctr"/>
                       <a:r>
-                        <a:rPr lang="fr-FR" dirty="0" smtClean="0"/>
+                        <a:rPr lang="fr-FR" dirty="0"/>
                         <a:t>Traverse haute</a:t>
                       </a:r>
-                      <a:endParaRPr lang="fr-FR" dirty="0"/>
                     </a:p>
                   </a:txBody>
                   <a:tcPr anchor="ctr"/>
@@ -5735,10 +4228,9 @@
                     <a:p>
                       <a:pPr algn="ctr"/>
                       <a:r>
-                        <a:rPr lang="fr-FR" dirty="0" smtClean="0"/>
+                        <a:rPr lang="fr-FR" dirty="0"/>
                         <a:t>288</a:t>
                       </a:r>
-                      <a:endParaRPr lang="fr-FR" dirty="0"/>
                     </a:p>
                   </a:txBody>
                   <a:tcPr anchor="ctr"/>
@@ -5750,10 +4242,9 @@
                     <a:p>
                       <a:pPr algn="ctr"/>
                       <a:r>
-                        <a:rPr lang="fr-FR" dirty="0" smtClean="0"/>
+                        <a:rPr lang="fr-FR" dirty="0"/>
                         <a:t>50</a:t>
                       </a:r>
-                      <a:endParaRPr lang="fr-FR" dirty="0"/>
                     </a:p>
                   </a:txBody>
                   <a:tcPr anchor="ctr"/>
@@ -5765,10 +4256,9 @@
                     <a:p>
                       <a:pPr algn="ctr"/>
                       <a:r>
-                        <a:rPr lang="fr-FR" dirty="0" smtClean="0"/>
+                        <a:rPr lang="fr-FR" dirty="0"/>
                         <a:t>24</a:t>
                       </a:r>
-                      <a:endParaRPr lang="fr-FR" dirty="0"/>
                     </a:p>
                   </a:txBody>
                   <a:tcPr anchor="ctr"/>
@@ -5866,10 +4356,9 @@
           <a:p>
             <a:pPr algn="ctr"/>
             <a:r>
-              <a:rPr lang="fr-FR" dirty="0" smtClean="0"/>
+              <a:rPr lang="fr-FR" dirty="0"/>
               <a:t>Feuille de débit</a:t>
             </a:r>
-            <a:endParaRPr lang="fr-FR" dirty="0"/>
           </a:p>
         </p:txBody>
       </p:sp>
@@ -5883,17 +4372,10 @@
   <p:clrMapOvr>
     <a:masterClrMapping/>
   </p:clrMapOvr>
-  <p:timing>
-    <p:tnLst>
-      <p:par>
-        <p:cTn id="1" dur="indefinite" restart="never" nodeType="tmRoot"/>
-      </p:par>
-    </p:tnLst>
-  </p:timing>
 </p:sld>
 </file>
 
-<file path=ppt/slides/slide4.xml><?xml version="1.0" encoding="utf-8"?>
+<file path=ppt/slides/slide2.xml><?xml version="1.0" encoding="utf-8"?>
 <p:sld xmlns:a="http://schemas.openxmlformats.org/drawingml/2006/main" xmlns:r="http://schemas.openxmlformats.org/officeDocument/2006/relationships" xmlns:p="http://schemas.openxmlformats.org/presentationml/2006/main">
   <p:cSld>
     <p:spTree>
@@ -5948,18 +4430,9 @@
           <a:p>
             <a:pPr algn="ctr"/>
             <a:r>
-              <a:rPr lang="fr-FR" sz="2400" dirty="0" smtClean="0"/>
-              <a:t>Définition et représentation</a:t>
-            </a:r>
-            <a:r>
               <a:rPr lang="fr-FR" sz="2400" dirty="0"/>
-              <a:t>	</a:t>
-            </a:r>
-            <a:r>
-              <a:rPr lang="fr-FR" sz="2400" dirty="0" smtClean="0"/>
-              <a:t>2/2</a:t>
-            </a:r>
-            <a:endParaRPr lang="fr-FR" sz="2400" dirty="0"/>
+              <a:t>Définition et représentation	2/2</a:t>
+            </a:r>
           </a:p>
         </p:txBody>
       </p:sp>
@@ -5985,14 +4458,14 @@
           <a:lstStyle/>
           <a:p>
             <a:r>
-              <a:rPr lang="fr-FR" sz="1200" b="1" dirty="0" smtClean="0">
+              <a:rPr lang="fr-FR" sz="1200" b="1" dirty="0">
                 <a:ea typeface="Calibri Light" panose="020F0302020204030204" pitchFamily="34" charset="0"/>
                 <a:cs typeface="Calibri Light" panose="020F0302020204030204" pitchFamily="34" charset="0"/>
               </a:rPr>
               <a:t>Le planning des phases </a:t>
             </a:r>
             <a:r>
-              <a:rPr lang="fr-FR" sz="1200" dirty="0" smtClean="0">
+              <a:rPr lang="fr-FR" sz="1200" dirty="0">
                 <a:ea typeface="Calibri Light" panose="020F0302020204030204" pitchFamily="34" charset="0"/>
                 <a:cs typeface="Calibri Light" panose="020F0302020204030204" pitchFamily="34" charset="0"/>
               </a:rPr>
@@ -6010,47 +4483,7 @@
                 <a:ea typeface="Calibri Light" panose="020F0302020204030204" pitchFamily="34" charset="0"/>
                 <a:cs typeface="Calibri Light" panose="020F0302020204030204" pitchFamily="34" charset="0"/>
               </a:rPr>
-              <a:t> </a:t>
-            </a:r>
-            <a:r>
-              <a:rPr lang="fr-FR" sz="1200" dirty="0" smtClean="0">
-                <a:effectLst/>
-                <a:ea typeface="Calibri Light" panose="020F0302020204030204" pitchFamily="34" charset="0"/>
-                <a:cs typeface="Calibri Light" panose="020F0302020204030204" pitchFamily="34" charset="0"/>
-              </a:rPr>
-              <a:t> Les éléments </a:t>
-            </a:r>
-            <a:r>
-              <a:rPr lang="fr-FR" sz="1200" dirty="0" smtClean="0">
-                <a:effectLst/>
-                <a:ea typeface="Calibri Light" panose="020F0302020204030204" pitchFamily="34" charset="0"/>
-                <a:cs typeface="Calibri Light" panose="020F0302020204030204" pitchFamily="34" charset="0"/>
-              </a:rPr>
-              <a:t>à réaliser </a:t>
-            </a:r>
-            <a:r>
-              <a:rPr lang="fr-FR" sz="1200" dirty="0" smtClean="0">
-                <a:effectLst/>
-                <a:ea typeface="Calibri Light" panose="020F0302020204030204" pitchFamily="34" charset="0"/>
-                <a:cs typeface="Calibri Light" panose="020F0302020204030204" pitchFamily="34" charset="0"/>
-              </a:rPr>
-              <a:t>avec </a:t>
-            </a:r>
-            <a:r>
-              <a:rPr lang="fr-FR" sz="1200" dirty="0" smtClean="0">
-                <a:effectLst/>
-                <a:ea typeface="Calibri Light" panose="020F0302020204030204" pitchFamily="34" charset="0"/>
-                <a:cs typeface="Calibri Light" panose="020F0302020204030204" pitchFamily="34" charset="0"/>
-              </a:rPr>
-              <a:t>leurs </a:t>
-            </a:r>
-            <a:r>
-              <a:rPr lang="fr-FR" sz="1200" dirty="0" smtClean="0">
-                <a:effectLst/>
-                <a:ea typeface="Calibri Light" panose="020F0302020204030204" pitchFamily="34" charset="0"/>
-                <a:cs typeface="Calibri Light" panose="020F0302020204030204" pitchFamily="34" charset="0"/>
-              </a:rPr>
-              <a:t>repères (que l’on retrouve dans la feuille de débit</a:t>
+              <a:t>  Les éléments à réaliser avec leurs repères (que l’on retrouve dans la feuille de débit</a:t>
             </a:r>
           </a:p>
           <a:p>
@@ -6063,14 +4496,7 @@
                 <a:ea typeface="Calibri Light" panose="020F0302020204030204" pitchFamily="34" charset="0"/>
                 <a:cs typeface="Calibri Light" panose="020F0302020204030204" pitchFamily="34" charset="0"/>
               </a:rPr>
-              <a:t> </a:t>
-            </a:r>
-            <a:r>
-              <a:rPr lang="fr-FR" sz="1200" dirty="0" smtClean="0">
-                <a:ea typeface="Calibri Light" panose="020F0302020204030204" pitchFamily="34" charset="0"/>
-                <a:cs typeface="Calibri Light" panose="020F0302020204030204" pitchFamily="34" charset="0"/>
-              </a:rPr>
-              <a:t> Les différentes phases à réaliser dans un ordre logique d’exécution</a:t>
+              <a:t>  Les différentes phases à réaliser dans un ordre logique d’exécution</a:t>
             </a:r>
           </a:p>
           <a:p>
@@ -6081,61 +4507,26 @@
           </a:p>
           <a:p>
             <a:r>
-              <a:rPr lang="fr-FR" sz="1200" dirty="0" smtClean="0">
-                <a:ea typeface="Calibri Light" panose="020F0302020204030204" pitchFamily="34" charset="0"/>
-                <a:cs typeface="Calibri Light" panose="020F0302020204030204" pitchFamily="34" charset="0"/>
-              </a:rPr>
-              <a:t>Il permet d’avoir une vision globale de la fabrication et d’usiner l’ouvrage de manière rationnelle</a:t>
-            </a:r>
-            <a:r>
-              <a:rPr lang="fr-FR" sz="1200" dirty="0" smtClean="0">
-                <a:ea typeface="Calibri Light" panose="020F0302020204030204" pitchFamily="34" charset="0"/>
-                <a:cs typeface="Calibri Light" panose="020F0302020204030204" pitchFamily="34" charset="0"/>
-              </a:rPr>
-              <a:t>.</a:t>
-            </a:r>
-          </a:p>
-          <a:p>
-            <a:endParaRPr lang="fr-FR" sz="1200" dirty="0" smtClean="0">
-              <a:ea typeface="Calibri Light" panose="020F0302020204030204" pitchFamily="34" charset="0"/>
-              <a:cs typeface="Calibri Light" panose="020F0302020204030204" pitchFamily="34" charset="0"/>
-            </a:endParaRPr>
-          </a:p>
-          <a:p>
-            <a:r>
-              <a:rPr lang="fr-FR" sz="1200" dirty="0" smtClean="0">
-                <a:ea typeface="Calibri Light" panose="020F0302020204030204" pitchFamily="34" charset="0"/>
-                <a:cs typeface="Calibri Light" panose="020F0302020204030204" pitchFamily="34" charset="0"/>
-              </a:rPr>
-              <a:t>Pour le réaliser, on utilise des abréviations qui ne </a:t>
-            </a:r>
-            <a:r>
               <a:rPr lang="fr-FR" sz="1200" dirty="0">
                 <a:ea typeface="Calibri Light" panose="020F0302020204030204" pitchFamily="34" charset="0"/>
                 <a:cs typeface="Calibri Light" panose="020F0302020204030204" pitchFamily="34" charset="0"/>
               </a:rPr>
-              <a:t>sont </a:t>
-            </a:r>
-            <a:r>
-              <a:rPr lang="fr-FR" sz="1200" dirty="0" smtClean="0">
-                <a:ea typeface="Calibri Light" panose="020F0302020204030204" pitchFamily="34" charset="0"/>
-                <a:cs typeface="Calibri Light" panose="020F0302020204030204" pitchFamily="34" charset="0"/>
-              </a:rPr>
-              <a:t>ni normalisées, </a:t>
-            </a:r>
+              <a:t>Il permet d’avoir une vision globale de la fabrication et d’usiner l’ouvrage de manière rationnelle.</a:t>
+            </a:r>
+          </a:p>
+          <a:p>
+            <a:endParaRPr lang="fr-FR" sz="1200" dirty="0">
+              <a:ea typeface="Calibri Light" panose="020F0302020204030204" pitchFamily="34" charset="0"/>
+              <a:cs typeface="Calibri Light" panose="020F0302020204030204" pitchFamily="34" charset="0"/>
+            </a:endParaRPr>
+          </a:p>
+          <a:p>
             <a:r>
               <a:rPr lang="fr-FR" sz="1200" dirty="0">
                 <a:ea typeface="Calibri Light" panose="020F0302020204030204" pitchFamily="34" charset="0"/>
                 <a:cs typeface="Calibri Light" panose="020F0302020204030204" pitchFamily="34" charset="0"/>
               </a:rPr>
-              <a:t>ni </a:t>
-            </a:r>
-            <a:r>
-              <a:rPr lang="fr-FR" sz="1200" dirty="0" smtClean="0">
-                <a:ea typeface="Calibri Light" panose="020F0302020204030204" pitchFamily="34" charset="0"/>
-                <a:cs typeface="Calibri Light" panose="020F0302020204030204" pitchFamily="34" charset="0"/>
-              </a:rPr>
-              <a:t>conventionnelles.</a:t>
+              <a:t>Pour le réaliser, on utilise des abréviations qui ne sont ni normalisées, ni conventionnelles.</a:t>
             </a:r>
           </a:p>
           <a:p>
@@ -6167,10 +4558,6 @@
               </a:rPr>
               <a:t>Non conventionnelles : Cela indique que ces abréviations ne sont pas couramment acceptées ou utilisées de manière uniforme par les professionnels de la menuiserie. Elles peuvent varier d'une personne à l'autre, d'une entreprise à l'autre, ou même d'un projet à l'autre.</a:t>
             </a:r>
-            <a:endParaRPr lang="fr-FR" sz="1200" dirty="0" smtClean="0">
-              <a:ea typeface="Calibri Light" panose="020F0302020204030204" pitchFamily="34" charset="0"/>
-              <a:cs typeface="Calibri Light" panose="020F0302020204030204" pitchFamily="34" charset="0"/>
-            </a:endParaRPr>
           </a:p>
           <a:p>
             <a:pPr algn="just"/>
@@ -6180,15 +4567,7 @@
                 <a:ea typeface="Calibri Light" panose="020F0302020204030204" pitchFamily="34" charset="0"/>
                 <a:cs typeface="Calibri Light" panose="020F0302020204030204" pitchFamily="34" charset="0"/>
               </a:rPr>
-              <a:t> </a:t>
-            </a:r>
-            <a:r>
-              <a:rPr lang="fr-FR" sz="1200" dirty="0" smtClean="0">
-                <a:effectLst/>
-                <a:ea typeface="Calibri Light" panose="020F0302020204030204" pitchFamily="34" charset="0"/>
-                <a:cs typeface="Calibri Light" panose="020F0302020204030204" pitchFamily="34" charset="0"/>
-              </a:rPr>
-              <a:t> </a:t>
+              <a:t>  </a:t>
             </a:r>
             <a:endParaRPr lang="fr-BE" sz="1200" dirty="0">
               <a:effectLst/>
@@ -6246,10 +4625,9 @@
                     <a:p>
                       <a:pPr algn="ctr"/>
                       <a:r>
-                        <a:rPr lang="fr-FR" dirty="0" smtClean="0"/>
+                        <a:rPr lang="fr-FR" dirty="0"/>
                         <a:t>Usinage</a:t>
                       </a:r>
-                      <a:endParaRPr lang="fr-FR" dirty="0"/>
                     </a:p>
                   </a:txBody>
                   <a:tcPr anchor="ctr">
@@ -6265,10 +4643,9 @@
                     <a:p>
                       <a:pPr algn="ctr"/>
                       <a:r>
-                        <a:rPr lang="fr-FR" dirty="0" smtClean="0"/>
+                        <a:rPr lang="fr-FR" dirty="0"/>
                         <a:t>Abréviation</a:t>
                       </a:r>
-                      <a:endParaRPr lang="fr-FR" dirty="0"/>
                     </a:p>
                   </a:txBody>
                   <a:tcPr anchor="ctr">
@@ -6291,10 +4668,9 @@
                     <a:p>
                       <a:pPr algn="ctr"/>
                       <a:r>
-                        <a:rPr lang="fr-FR" dirty="0" smtClean="0"/>
+                        <a:rPr lang="fr-FR" dirty="0"/>
                         <a:t>Tronçonnage</a:t>
                       </a:r>
-                      <a:endParaRPr lang="fr-FR" dirty="0"/>
                     </a:p>
                   </a:txBody>
                   <a:tcPr anchor="ctr"/>
@@ -6306,10 +4682,9 @@
                     <a:p>
                       <a:pPr algn="ctr"/>
                       <a:r>
-                        <a:rPr lang="fr-FR" dirty="0" smtClean="0"/>
+                        <a:rPr lang="fr-FR" dirty="0"/>
                         <a:t>TRO</a:t>
                       </a:r>
-                      <a:endParaRPr lang="fr-FR" dirty="0"/>
                     </a:p>
                   </a:txBody>
                   <a:tcPr anchor="ctr"/>
@@ -6328,10 +4703,9 @@
                     <a:p>
                       <a:pPr algn="ctr"/>
                       <a:r>
-                        <a:rPr lang="fr-FR" dirty="0" smtClean="0"/>
+                        <a:rPr lang="fr-FR" dirty="0"/>
                         <a:t>Délignage</a:t>
                       </a:r>
-                      <a:endParaRPr lang="fr-FR" dirty="0"/>
                     </a:p>
                   </a:txBody>
                   <a:tcPr anchor="ctr"/>
@@ -6343,10 +4717,9 @@
                     <a:p>
                       <a:pPr algn="ctr"/>
                       <a:r>
-                        <a:rPr lang="fr-FR" dirty="0" smtClean="0"/>
+                        <a:rPr lang="fr-FR" dirty="0"/>
                         <a:t>DEL</a:t>
                       </a:r>
-                      <a:endParaRPr lang="fr-FR" dirty="0"/>
                     </a:p>
                   </a:txBody>
                   <a:tcPr anchor="ctr"/>
@@ -6365,10 +4738,9 @@
                     <a:p>
                       <a:pPr algn="ctr"/>
                       <a:r>
-                        <a:rPr lang="fr-FR" dirty="0" smtClean="0"/>
+                        <a:rPr lang="fr-FR" dirty="0"/>
                         <a:t>Rabotage</a:t>
                       </a:r>
-                      <a:endParaRPr lang="fr-FR" dirty="0"/>
                     </a:p>
                   </a:txBody>
                   <a:tcPr anchor="ctr"/>
@@ -6380,10 +4752,9 @@
                     <a:p>
                       <a:pPr algn="ctr"/>
                       <a:r>
-                        <a:rPr lang="fr-FR" dirty="0" smtClean="0"/>
+                        <a:rPr lang="fr-FR" dirty="0"/>
                         <a:t>RAB</a:t>
                       </a:r>
-                      <a:endParaRPr lang="fr-FR" dirty="0"/>
                     </a:p>
                   </a:txBody>
                   <a:tcPr anchor="ctr"/>
@@ -6402,10 +4773,9 @@
                     <a:p>
                       <a:pPr algn="ctr"/>
                       <a:r>
-                        <a:rPr lang="fr-FR" dirty="0" smtClean="0"/>
+                        <a:rPr lang="fr-FR" dirty="0"/>
                         <a:t>Corroyage</a:t>
                       </a:r>
-                      <a:endParaRPr lang="fr-FR" dirty="0"/>
                     </a:p>
                   </a:txBody>
                   <a:tcPr anchor="ctr"/>
@@ -6417,10 +4787,9 @@
                     <a:p>
                       <a:pPr algn="ctr"/>
                       <a:r>
-                        <a:rPr lang="fr-FR" dirty="0" smtClean="0"/>
+                        <a:rPr lang="fr-FR" dirty="0"/>
                         <a:t>COR</a:t>
                       </a:r>
-                      <a:endParaRPr lang="fr-FR" dirty="0"/>
                     </a:p>
                   </a:txBody>
                   <a:tcPr anchor="ctr"/>
@@ -6439,10 +4808,9 @@
                     <a:p>
                       <a:pPr algn="ctr"/>
                       <a:r>
-                        <a:rPr lang="fr-FR" dirty="0" smtClean="0"/>
+                        <a:rPr lang="fr-FR" dirty="0"/>
                         <a:t>Rainurage</a:t>
                       </a:r>
-                      <a:endParaRPr lang="fr-FR" dirty="0"/>
                     </a:p>
                   </a:txBody>
                   <a:tcPr anchor="ctr"/>
@@ -6454,10 +4822,9 @@
                     <a:p>
                       <a:pPr algn="ctr"/>
                       <a:r>
-                        <a:rPr lang="fr-FR" dirty="0" smtClean="0"/>
+                        <a:rPr lang="fr-FR" dirty="0"/>
                         <a:t>RAI</a:t>
                       </a:r>
-                      <a:endParaRPr lang="fr-FR" dirty="0"/>
                     </a:p>
                   </a:txBody>
                   <a:tcPr anchor="ctr"/>
@@ -6476,10 +4843,9 @@
                     <a:p>
                       <a:pPr algn="ctr"/>
                       <a:r>
-                        <a:rPr lang="fr-FR" dirty="0" smtClean="0"/>
+                        <a:rPr lang="fr-FR" dirty="0"/>
                         <a:t>Profilage</a:t>
                       </a:r>
-                      <a:endParaRPr lang="fr-FR" dirty="0"/>
                     </a:p>
                   </a:txBody>
                   <a:tcPr anchor="ctr"/>
@@ -6491,10 +4857,9 @@
                     <a:p>
                       <a:pPr algn="ctr"/>
                       <a:r>
-                        <a:rPr lang="fr-FR" dirty="0" smtClean="0"/>
+                        <a:rPr lang="fr-FR" dirty="0"/>
                         <a:t>PRO</a:t>
                       </a:r>
-                      <a:endParaRPr lang="fr-FR" dirty="0"/>
                     </a:p>
                   </a:txBody>
                   <a:tcPr anchor="ctr"/>
@@ -6513,10 +4878,9 @@
                     <a:p>
                       <a:pPr algn="ctr"/>
                       <a:r>
-                        <a:rPr lang="fr-FR" dirty="0" smtClean="0"/>
+                        <a:rPr lang="fr-FR" dirty="0"/>
                         <a:t>Tenonnage</a:t>
                       </a:r>
-                      <a:endParaRPr lang="fr-FR" dirty="0"/>
                     </a:p>
                   </a:txBody>
                   <a:tcPr anchor="ctr"/>
@@ -6528,10 +4892,9 @@
                     <a:p>
                       <a:pPr algn="ctr"/>
                       <a:r>
-                        <a:rPr lang="fr-FR" dirty="0" smtClean="0"/>
+                        <a:rPr lang="fr-FR" dirty="0"/>
                         <a:t>TEN</a:t>
                       </a:r>
-                      <a:endParaRPr lang="fr-FR" dirty="0"/>
                     </a:p>
                   </a:txBody>
                   <a:tcPr anchor="ctr"/>
@@ -6550,10 +4913,9 @@
                     <a:p>
                       <a:pPr algn="ctr"/>
                       <a:r>
-                        <a:rPr lang="fr-FR" dirty="0" smtClean="0"/>
+                        <a:rPr lang="fr-FR" dirty="0"/>
                         <a:t>Mortaisage</a:t>
                       </a:r>
-                      <a:endParaRPr lang="fr-FR" dirty="0"/>
                     </a:p>
                   </a:txBody>
                   <a:tcPr anchor="ctr"/>
@@ -6565,10 +4927,9 @@
                     <a:p>
                       <a:pPr algn="ctr"/>
                       <a:r>
-                        <a:rPr lang="fr-FR" dirty="0" smtClean="0"/>
+                        <a:rPr lang="fr-FR" dirty="0"/>
                         <a:t>MOR</a:t>
                       </a:r>
-                      <a:endParaRPr lang="fr-FR" dirty="0"/>
                     </a:p>
                   </a:txBody>
                   <a:tcPr anchor="ctr"/>
@@ -6587,10 +4948,9 @@
                     <a:p>
                       <a:pPr algn="ctr"/>
                       <a:r>
-                        <a:rPr lang="fr-FR" dirty="0" smtClean="0"/>
+                        <a:rPr lang="fr-FR" dirty="0"/>
                         <a:t>Perçage</a:t>
                       </a:r>
-                      <a:endParaRPr lang="fr-FR" dirty="0"/>
                     </a:p>
                   </a:txBody>
                   <a:tcPr anchor="ctr"/>
@@ -6602,10 +4962,9 @@
                     <a:p>
                       <a:pPr algn="ctr"/>
                       <a:r>
-                        <a:rPr lang="fr-FR" dirty="0" smtClean="0"/>
+                        <a:rPr lang="fr-FR" dirty="0"/>
                         <a:t>PER</a:t>
                       </a:r>
-                      <a:endParaRPr lang="fr-FR" dirty="0"/>
                     </a:p>
                   </a:txBody>
                   <a:tcPr anchor="ctr"/>
@@ -6624,10 +4983,9 @@
                     <a:p>
                       <a:pPr algn="ctr"/>
                       <a:r>
-                        <a:rPr lang="fr-FR" dirty="0" smtClean="0"/>
+                        <a:rPr lang="fr-FR" dirty="0"/>
                         <a:t>Ponçage</a:t>
                       </a:r>
-                      <a:endParaRPr lang="fr-FR" dirty="0"/>
                     </a:p>
                   </a:txBody>
                   <a:tcPr anchor="ctr"/>
@@ -6639,10 +4997,9 @@
                     <a:p>
                       <a:pPr algn="ctr"/>
                       <a:r>
-                        <a:rPr lang="fr-FR" dirty="0" smtClean="0"/>
+                        <a:rPr lang="fr-FR" dirty="0"/>
                         <a:t>PON</a:t>
                       </a:r>
-                      <a:endParaRPr lang="fr-FR" dirty="0"/>
                     </a:p>
                   </a:txBody>
                   <a:tcPr anchor="ctr"/>
@@ -6661,10 +5018,9 @@
                     <a:p>
                       <a:pPr algn="ctr"/>
                       <a:r>
-                        <a:rPr lang="fr-FR" dirty="0" smtClean="0"/>
+                        <a:rPr lang="fr-FR" dirty="0"/>
                         <a:t>Montage</a:t>
                       </a:r>
-                      <a:endParaRPr lang="fr-FR" dirty="0"/>
                     </a:p>
                   </a:txBody>
                   <a:tcPr anchor="ctr"/>
@@ -6676,10 +5032,9 @@
                     <a:p>
                       <a:pPr algn="ctr"/>
                       <a:r>
-                        <a:rPr lang="fr-FR" dirty="0" smtClean="0"/>
+                        <a:rPr lang="fr-FR" dirty="0"/>
                         <a:t>MON</a:t>
                       </a:r>
-                      <a:endParaRPr lang="fr-FR" dirty="0"/>
                     </a:p>
                   </a:txBody>
                   <a:tcPr anchor="ctr"/>
@@ -6698,10 +5053,9 @@
                     <a:p>
                       <a:pPr algn="ctr"/>
                       <a:r>
-                        <a:rPr lang="fr-FR" dirty="0" smtClean="0"/>
+                        <a:rPr lang="fr-FR" dirty="0"/>
                         <a:t>Finition</a:t>
                       </a:r>
-                      <a:endParaRPr lang="fr-FR" dirty="0"/>
                     </a:p>
                   </a:txBody>
                   <a:tcPr anchor="ctr"/>
@@ -6713,10 +5067,9 @@
                     <a:p>
                       <a:pPr algn="ctr"/>
                       <a:r>
-                        <a:rPr lang="fr-FR" dirty="0" smtClean="0"/>
+                        <a:rPr lang="fr-FR" dirty="0"/>
                         <a:t>FIN</a:t>
                       </a:r>
-                      <a:endParaRPr lang="fr-FR" dirty="0"/>
                     </a:p>
                   </a:txBody>
                   <a:tcPr anchor="ctr"/>
@@ -6735,10 +5088,9 @@
                     <a:p>
                       <a:pPr algn="ctr"/>
                       <a:r>
-                        <a:rPr lang="fr-FR" dirty="0" smtClean="0"/>
+                        <a:rPr lang="fr-FR" dirty="0"/>
                         <a:t>Traçage</a:t>
                       </a:r>
-                      <a:endParaRPr lang="fr-FR" dirty="0"/>
                     </a:p>
                   </a:txBody>
                   <a:tcPr anchor="ctr"/>
@@ -6750,10 +5102,9 @@
                     <a:p>
                       <a:pPr algn="ctr"/>
                       <a:r>
-                        <a:rPr lang="fr-FR" dirty="0" smtClean="0"/>
+                        <a:rPr lang="fr-FR" dirty="0"/>
                         <a:t>TRA</a:t>
                       </a:r>
-                      <a:endParaRPr lang="fr-FR" dirty="0"/>
                     </a:p>
                   </a:txBody>
                   <a:tcPr anchor="ctr"/>
@@ -6805,10 +5156,9 @@
           <a:p>
             <a:pPr algn="ctr"/>
             <a:r>
-              <a:rPr lang="fr-FR" dirty="0" smtClean="0"/>
+              <a:rPr lang="fr-FR" dirty="0"/>
               <a:t>Exemple d’abréviation</a:t>
             </a:r>
-            <a:endParaRPr lang="fr-FR" dirty="0"/>
           </a:p>
         </p:txBody>
       </p:sp>
@@ -6849,10 +5199,9 @@
           <a:p>
             <a:pPr algn="ctr"/>
             <a:r>
-              <a:rPr lang="fr-FR" dirty="0" smtClean="0"/>
+              <a:rPr lang="fr-FR" dirty="0"/>
               <a:t>Exemple de planning des phases</a:t>
             </a:r>
-            <a:endParaRPr lang="fr-FR" dirty="0"/>
           </a:p>
         </p:txBody>
       </p:sp>
@@ -6904,10 +5253,9 @@
                     <a:p>
                       <a:pPr algn="ctr"/>
                       <a:r>
-                        <a:rPr lang="fr-FR" dirty="0" smtClean="0"/>
+                        <a:rPr lang="fr-FR" dirty="0"/>
                         <a:t>Elément</a:t>
                       </a:r>
-                      <a:endParaRPr lang="fr-FR" dirty="0"/>
                     </a:p>
                   </a:txBody>
                   <a:tcPr anchor="ctr"/>
@@ -6919,10 +5267,9 @@
                     <a:p>
                       <a:pPr algn="ctr"/>
                       <a:r>
-                        <a:rPr lang="fr-FR" dirty="0" smtClean="0"/>
+                        <a:rPr lang="fr-FR" dirty="0"/>
                         <a:t>Opérations</a:t>
                       </a:r>
-                      <a:endParaRPr lang="fr-FR" dirty="0"/>
                     </a:p>
                   </a:txBody>
                   <a:tcPr anchor="ctr"/>
@@ -6941,10 +5288,9 @@
                     <a:p>
                       <a:pPr algn="ctr"/>
                       <a:r>
-                        <a:rPr lang="fr-FR" dirty="0" smtClean="0"/>
+                        <a:rPr lang="fr-FR" dirty="0"/>
                         <a:t>101</a:t>
                       </a:r>
-                      <a:endParaRPr lang="fr-FR" dirty="0"/>
                     </a:p>
                   </a:txBody>
                   <a:tcPr anchor="ctr"/>
@@ -6974,10 +5320,9 @@
                     <a:p>
                       <a:pPr algn="ctr"/>
                       <a:r>
-                        <a:rPr lang="fr-FR" dirty="0" smtClean="0"/>
+                        <a:rPr lang="fr-FR" dirty="0"/>
                         <a:t>102</a:t>
                       </a:r>
-                      <a:endParaRPr lang="fr-FR" dirty="0"/>
                     </a:p>
                   </a:txBody>
                   <a:tcPr anchor="ctr"/>
@@ -7039,10 +5384,9 @@
           <a:p>
             <a:pPr algn="ctr"/>
             <a:r>
-              <a:rPr lang="fr-FR" sz="1400" dirty="0" smtClean="0"/>
+              <a:rPr lang="fr-FR" sz="1400" dirty="0"/>
               <a:t>COR</a:t>
             </a:r>
-            <a:endParaRPr lang="fr-FR" sz="1400" dirty="0"/>
           </a:p>
         </p:txBody>
       </p:sp>
@@ -7115,10 +5459,9 @@
           <a:p>
             <a:pPr algn="ctr"/>
             <a:r>
-              <a:rPr lang="fr-FR" sz="1400" dirty="0" smtClean="0"/>
+              <a:rPr lang="fr-FR" sz="1400" dirty="0"/>
               <a:t>TRA</a:t>
             </a:r>
-            <a:endParaRPr lang="fr-FR" sz="1400" dirty="0"/>
           </a:p>
         </p:txBody>
       </p:sp>
@@ -7191,10 +5534,9 @@
           <a:p>
             <a:pPr algn="ctr"/>
             <a:r>
-              <a:rPr lang="fr-FR" sz="1400" dirty="0" smtClean="0"/>
+              <a:rPr lang="fr-FR" sz="1400" dirty="0"/>
               <a:t>TRO</a:t>
             </a:r>
-            <a:endParaRPr lang="fr-FR" sz="1400" dirty="0"/>
           </a:p>
         </p:txBody>
       </p:sp>
@@ -7267,10 +5609,9 @@
           <a:p>
             <a:pPr algn="ctr"/>
             <a:r>
-              <a:rPr lang="fr-FR" sz="1400" dirty="0" smtClean="0"/>
+              <a:rPr lang="fr-FR" sz="1400" dirty="0"/>
               <a:t>MOR</a:t>
             </a:r>
-            <a:endParaRPr lang="fr-FR" sz="1400" dirty="0"/>
           </a:p>
         </p:txBody>
       </p:sp>
@@ -7343,10 +5684,9 @@
           <a:p>
             <a:pPr algn="ctr"/>
             <a:r>
-              <a:rPr lang="fr-FR" sz="1400" dirty="0" smtClean="0"/>
+              <a:rPr lang="fr-FR" sz="1400" dirty="0"/>
               <a:t>…</a:t>
             </a:r>
-            <a:endParaRPr lang="fr-FR" sz="1400" dirty="0"/>
           </a:p>
         </p:txBody>
       </p:sp>
@@ -7452,10 +5792,9 @@
           <a:p>
             <a:pPr algn="ctr"/>
             <a:r>
-              <a:rPr lang="fr-FR" sz="1400" dirty="0" smtClean="0"/>
+              <a:rPr lang="fr-FR" sz="1400" dirty="0"/>
               <a:t>COR</a:t>
             </a:r>
-            <a:endParaRPr lang="fr-FR" sz="1400" dirty="0"/>
           </a:p>
         </p:txBody>
       </p:sp>
@@ -7528,10 +5867,9 @@
           <a:p>
             <a:pPr algn="ctr"/>
             <a:r>
-              <a:rPr lang="fr-FR" sz="1400" dirty="0" smtClean="0"/>
+              <a:rPr lang="fr-FR" sz="1400" dirty="0"/>
               <a:t>TRA</a:t>
             </a:r>
-            <a:endParaRPr lang="fr-FR" sz="1400" dirty="0"/>
           </a:p>
         </p:txBody>
       </p:sp>
@@ -7604,10 +5942,9 @@
           <a:p>
             <a:pPr algn="ctr"/>
             <a:r>
-              <a:rPr lang="fr-FR" sz="1400" dirty="0" smtClean="0"/>
+              <a:rPr lang="fr-FR" sz="1400" dirty="0"/>
               <a:t>TEN</a:t>
             </a:r>
-            <a:endParaRPr lang="fr-FR" sz="1400" dirty="0"/>
           </a:p>
         </p:txBody>
       </p:sp>
@@ -7680,10 +6017,9 @@
           <a:p>
             <a:pPr algn="ctr"/>
             <a:r>
-              <a:rPr lang="fr-FR" sz="1400" dirty="0" smtClean="0"/>
+              <a:rPr lang="fr-FR" sz="1400" dirty="0"/>
               <a:t>PRO</a:t>
             </a:r>
-            <a:endParaRPr lang="fr-FR" sz="1400" dirty="0"/>
           </a:p>
         </p:txBody>
       </p:sp>
@@ -7756,10 +6092,9 @@
           <a:p>
             <a:pPr algn="ctr"/>
             <a:r>
-              <a:rPr lang="fr-FR" sz="1400" dirty="0" smtClean="0"/>
+              <a:rPr lang="fr-FR" sz="1400" dirty="0"/>
               <a:t>…</a:t>
             </a:r>
-            <a:endParaRPr lang="fr-FR" sz="1400" dirty="0"/>
           </a:p>
         </p:txBody>
       </p:sp>
@@ -7832,10 +6167,9 @@
           <a:p>
             <a:pPr algn="ctr"/>
             <a:r>
-              <a:rPr lang="fr-FR" sz="1400" dirty="0" smtClean="0"/>
+              <a:rPr lang="fr-FR" sz="1400" dirty="0"/>
               <a:t>MON</a:t>
             </a:r>
-            <a:endParaRPr lang="fr-FR" sz="1400" dirty="0"/>
           </a:p>
         </p:txBody>
       </p:sp>
@@ -7894,7 +6228,7 @@
           <a:lstStyle/>
           <a:p>
             <a:r>
-              <a:rPr lang="fr-FR" sz="1200" dirty="0" smtClean="0">
+              <a:rPr lang="fr-FR" sz="1200" dirty="0">
                 <a:ea typeface="Calibri Light" panose="020F0302020204030204" pitchFamily="34" charset="0"/>
                 <a:cs typeface="Calibri Light" panose="020F0302020204030204" pitchFamily="34" charset="0"/>
               </a:rPr>
@@ -7913,17 +6247,10 @@
   <p:clrMapOvr>
     <a:masterClrMapping/>
   </p:clrMapOvr>
-  <p:timing>
-    <p:tnLst>
-      <p:par>
-        <p:cTn id="1" dur="indefinite" restart="never" nodeType="tmRoot"/>
-      </p:par>
-    </p:tnLst>
-  </p:timing>
 </p:sld>
 </file>
 
-<file path=ppt/slides/slide5.xml><?xml version="1.0" encoding="utf-8"?>
+<file path=ppt/slides/slide3.xml><?xml version="1.0" encoding="utf-8"?>
 <p:sld xmlns:a="http://schemas.openxmlformats.org/drawingml/2006/main" xmlns:r="http://schemas.openxmlformats.org/officeDocument/2006/relationships" xmlns:p="http://schemas.openxmlformats.org/presentationml/2006/main">
   <p:cSld>
     <p:spTree>
@@ -7978,10 +6305,9 @@
           <a:p>
             <a:pPr algn="ctr"/>
             <a:r>
-              <a:rPr lang="fr-FR" sz="2286" dirty="0" smtClean="0"/>
-              <a:t>Evaluation : Le planning des phases</a:t>
-            </a:r>
-            <a:endParaRPr lang="fr-FR" sz="2286" dirty="0"/>
+              <a:rPr lang="fr-FR" sz="2286" dirty="0"/>
+              <a:t>Exercice : Le planning des phases</a:t>
+            </a:r>
           </a:p>
         </p:txBody>
       </p:sp>
@@ -7994,9 +6320,1531 @@
           <p:nvPr>
             <p:extLst>
               <p:ext uri="{D42A27DB-BD31-4B8C-83A1-F6EECF244321}">
-                <p14:modId xmlns:p14="http://schemas.microsoft.com/office/powerpoint/2010/main" val="187658527"/>
+                <p14:modId xmlns:p14="http://schemas.microsoft.com/office/powerpoint/2010/main" val="1901477436"/>
               </p:ext>
             </p:extLst>
+          </p:nvPr>
+        </p:nvGraphicFramePr>
+        <p:xfrm>
+          <a:off x="211597" y="5877658"/>
+          <a:ext cx="6795587" cy="2170056"/>
+        </p:xfrm>
+        <a:graphic>
+          <a:graphicData uri="http://schemas.openxmlformats.org/drawingml/2006/table">
+            <a:tbl>
+              <a:tblPr firstRow="1" bandRow="1">
+                <a:tableStyleId>{5940675A-B579-460E-94D1-54222C63F5DA}</a:tableStyleId>
+              </a:tblPr>
+              <a:tblGrid>
+                <a:gridCol w="1283828">
+                  <a:extLst>
+                    <a:ext uri="{9D8B030D-6E8A-4147-A177-3AD203B41FA5}">
+                      <a16:colId xmlns:a16="http://schemas.microsoft.com/office/drawing/2014/main" val="2540644830"/>
+                    </a:ext>
+                  </a:extLst>
+                </a:gridCol>
+                <a:gridCol w="5511759">
+                  <a:extLst>
+                    <a:ext uri="{9D8B030D-6E8A-4147-A177-3AD203B41FA5}">
+                      <a16:colId xmlns:a16="http://schemas.microsoft.com/office/drawing/2014/main" val="1950610652"/>
+                    </a:ext>
+                  </a:extLst>
+                </a:gridCol>
+              </a:tblGrid>
+              <a:tr h="410823">
+                <a:tc>
+                  <a:txBody>
+                    <a:bodyPr/>
+                    <a:lstStyle/>
+                    <a:p>
+                      <a:pPr algn="ctr"/>
+                      <a:r>
+                        <a:rPr lang="fr-FR" dirty="0"/>
+                        <a:t>Elément</a:t>
+                      </a:r>
+                    </a:p>
+                  </a:txBody>
+                  <a:tcPr anchor="ctr"/>
+                </a:tc>
+                <a:tc>
+                  <a:txBody>
+                    <a:bodyPr/>
+                    <a:lstStyle/>
+                    <a:p>
+                      <a:pPr algn="ctr"/>
+                      <a:r>
+                        <a:rPr lang="fr-FR" dirty="0"/>
+                        <a:t>Opérations</a:t>
+                      </a:r>
+                    </a:p>
+                  </a:txBody>
+                  <a:tcPr anchor="ctr"/>
+                </a:tc>
+                <a:extLst>
+                  <a:ext uri="{0D108BD9-81ED-4DB2-BD59-A6C34878D82A}">
+                    <a16:rowId xmlns:a16="http://schemas.microsoft.com/office/drawing/2014/main" val="818032633"/>
+                  </a:ext>
+                </a:extLst>
+              </a:tr>
+              <a:tr h="586411">
+                <a:tc>
+                  <a:txBody>
+                    <a:bodyPr/>
+                    <a:lstStyle/>
+                    <a:p>
+                      <a:pPr algn="ctr"/>
+                      <a:r>
+                        <a:rPr lang="fr-FR" dirty="0"/>
+                        <a:t>……</a:t>
+                      </a:r>
+                    </a:p>
+                  </a:txBody>
+                  <a:tcPr anchor="ctr"/>
+                </a:tc>
+                <a:tc rowSpan="3">
+                  <a:txBody>
+                    <a:bodyPr/>
+                    <a:lstStyle/>
+                    <a:p>
+                      <a:pPr algn="ctr"/>
+                      <a:endParaRPr lang="fr-FR" dirty="0"/>
+                    </a:p>
+                  </a:txBody>
+                  <a:tcPr anchor="ctr"/>
+                </a:tc>
+                <a:extLst>
+                  <a:ext uri="{0D108BD9-81ED-4DB2-BD59-A6C34878D82A}">
+                    <a16:rowId xmlns:a16="http://schemas.microsoft.com/office/drawing/2014/main" val="186919508"/>
+                  </a:ext>
+                </a:extLst>
+              </a:tr>
+              <a:tr h="586411">
+                <a:tc>
+                  <a:txBody>
+                    <a:bodyPr/>
+                    <a:lstStyle/>
+                    <a:p>
+                      <a:pPr algn="ctr"/>
+                      <a:r>
+                        <a:rPr lang="fr-FR" dirty="0"/>
+                        <a:t>……</a:t>
+                      </a:r>
+                    </a:p>
+                  </a:txBody>
+                  <a:tcPr anchor="ctr"/>
+                </a:tc>
+                <a:tc vMerge="1">
+                  <a:txBody>
+                    <a:bodyPr/>
+                    <a:lstStyle/>
+                    <a:p>
+                      <a:pPr algn="ctr"/>
+                      <a:endParaRPr lang="fr-FR" dirty="0"/>
+                    </a:p>
+                  </a:txBody>
+                  <a:tcPr anchor="ctr"/>
+                </a:tc>
+                <a:extLst>
+                  <a:ext uri="{0D108BD9-81ED-4DB2-BD59-A6C34878D82A}">
+                    <a16:rowId xmlns:a16="http://schemas.microsoft.com/office/drawing/2014/main" val="3143737863"/>
+                  </a:ext>
+                </a:extLst>
+              </a:tr>
+              <a:tr h="586411">
+                <a:tc>
+                  <a:txBody>
+                    <a:bodyPr/>
+                    <a:lstStyle/>
+                    <a:p>
+                      <a:pPr algn="ctr"/>
+                      <a:r>
+                        <a:rPr lang="fr-FR" dirty="0"/>
+                        <a:t>……</a:t>
+                      </a:r>
+                    </a:p>
+                  </a:txBody>
+                  <a:tcPr anchor="ctr"/>
+                </a:tc>
+                <a:tc vMerge="1">
+                  <a:txBody>
+                    <a:bodyPr/>
+                    <a:lstStyle/>
+                    <a:p>
+                      <a:pPr algn="ctr"/>
+                      <a:endParaRPr lang="fr-FR" dirty="0"/>
+                    </a:p>
+                  </a:txBody>
+                  <a:tcPr anchor="ctr"/>
+                </a:tc>
+                <a:extLst>
+                  <a:ext uri="{0D108BD9-81ED-4DB2-BD59-A6C34878D82A}">
+                    <a16:rowId xmlns:a16="http://schemas.microsoft.com/office/drawing/2014/main" val="2264303840"/>
+                  </a:ext>
+                </a:extLst>
+              </a:tr>
+            </a:tbl>
+          </a:graphicData>
+        </a:graphic>
+      </p:graphicFrame>
+      <p:sp>
+        <p:nvSpPr>
+          <p:cNvPr id="5" name="Rounded Rectangle 4"/>
+          <p:cNvSpPr/>
+          <p:nvPr/>
+        </p:nvSpPr>
+        <p:spPr>
+          <a:xfrm>
+            <a:off x="1681393" y="6467138"/>
+            <a:ext cx="438608" cy="290137"/>
+          </a:xfrm>
+          <a:prstGeom prst="roundRect">
+            <a:avLst/>
+          </a:prstGeom>
+          <a:ln w="28575"/>
+        </p:spPr>
+        <p:style>
+          <a:lnRef idx="2">
+            <a:schemeClr val="dk1"/>
+          </a:lnRef>
+          <a:fillRef idx="1">
+            <a:schemeClr val="lt1"/>
+          </a:fillRef>
+          <a:effectRef idx="0">
+            <a:schemeClr val="dk1"/>
+          </a:effectRef>
+          <a:fontRef idx="minor">
+            <a:schemeClr val="dk1"/>
+          </a:fontRef>
+        </p:style>
+        <p:txBody>
+          <a:bodyPr rtlCol="0" anchor="ctr"/>
+          <a:lstStyle/>
+          <a:p>
+            <a:pPr algn="ctr"/>
+            <a:endParaRPr lang="fr-FR" sz="1400" dirty="0"/>
+          </a:p>
+        </p:txBody>
+      </p:sp>
+      <p:sp>
+        <p:nvSpPr>
+          <p:cNvPr id="30" name="Rounded Rectangle 29"/>
+          <p:cNvSpPr/>
+          <p:nvPr/>
+        </p:nvSpPr>
+        <p:spPr>
+          <a:xfrm>
+            <a:off x="2224318" y="6467138"/>
+            <a:ext cx="438608" cy="290137"/>
+          </a:xfrm>
+          <a:prstGeom prst="roundRect">
+            <a:avLst/>
+          </a:prstGeom>
+          <a:ln w="28575"/>
+        </p:spPr>
+        <p:style>
+          <a:lnRef idx="2">
+            <a:schemeClr val="dk1"/>
+          </a:lnRef>
+          <a:fillRef idx="1">
+            <a:schemeClr val="lt1"/>
+          </a:fillRef>
+          <a:effectRef idx="0">
+            <a:schemeClr val="dk1"/>
+          </a:effectRef>
+          <a:fontRef idx="minor">
+            <a:schemeClr val="dk1"/>
+          </a:fontRef>
+        </p:style>
+        <p:txBody>
+          <a:bodyPr rtlCol="0" anchor="ctr"/>
+          <a:lstStyle/>
+          <a:p>
+            <a:pPr algn="ctr"/>
+            <a:endParaRPr lang="fr-FR" sz="1400" dirty="0"/>
+          </a:p>
+        </p:txBody>
+      </p:sp>
+      <p:sp>
+        <p:nvSpPr>
+          <p:cNvPr id="31" name="Rounded Rectangle 30"/>
+          <p:cNvSpPr/>
+          <p:nvPr/>
+        </p:nvSpPr>
+        <p:spPr>
+          <a:xfrm>
+            <a:off x="2767243" y="6469331"/>
+            <a:ext cx="438608" cy="290137"/>
+          </a:xfrm>
+          <a:prstGeom prst="roundRect">
+            <a:avLst/>
+          </a:prstGeom>
+          <a:ln w="28575"/>
+        </p:spPr>
+        <p:style>
+          <a:lnRef idx="2">
+            <a:schemeClr val="dk1"/>
+          </a:lnRef>
+          <a:fillRef idx="1">
+            <a:schemeClr val="lt1"/>
+          </a:fillRef>
+          <a:effectRef idx="0">
+            <a:schemeClr val="dk1"/>
+          </a:effectRef>
+          <a:fontRef idx="minor">
+            <a:schemeClr val="dk1"/>
+          </a:fontRef>
+        </p:style>
+        <p:txBody>
+          <a:bodyPr rtlCol="0" anchor="ctr"/>
+          <a:lstStyle/>
+          <a:p>
+            <a:pPr algn="ctr"/>
+            <a:endParaRPr lang="fr-FR" sz="1400" dirty="0"/>
+          </a:p>
+        </p:txBody>
+      </p:sp>
+      <p:sp>
+        <p:nvSpPr>
+          <p:cNvPr id="32" name="Rounded Rectangle 31"/>
+          <p:cNvSpPr/>
+          <p:nvPr/>
+        </p:nvSpPr>
+        <p:spPr>
+          <a:xfrm>
+            <a:off x="3321810" y="6464945"/>
+            <a:ext cx="438608" cy="290137"/>
+          </a:xfrm>
+          <a:prstGeom prst="roundRect">
+            <a:avLst/>
+          </a:prstGeom>
+          <a:ln w="28575"/>
+        </p:spPr>
+        <p:style>
+          <a:lnRef idx="2">
+            <a:schemeClr val="dk1"/>
+          </a:lnRef>
+          <a:fillRef idx="1">
+            <a:schemeClr val="lt1"/>
+          </a:fillRef>
+          <a:effectRef idx="0">
+            <a:schemeClr val="dk1"/>
+          </a:effectRef>
+          <a:fontRef idx="minor">
+            <a:schemeClr val="dk1"/>
+          </a:fontRef>
+        </p:style>
+        <p:txBody>
+          <a:bodyPr rtlCol="0" anchor="ctr"/>
+          <a:lstStyle/>
+          <a:p>
+            <a:pPr algn="ctr"/>
+            <a:endParaRPr lang="fr-FR" sz="1400" dirty="0"/>
+          </a:p>
+        </p:txBody>
+      </p:sp>
+      <p:sp>
+        <p:nvSpPr>
+          <p:cNvPr id="33" name="Rounded Rectangle 32"/>
+          <p:cNvSpPr/>
+          <p:nvPr/>
+        </p:nvSpPr>
+        <p:spPr>
+          <a:xfrm>
+            <a:off x="3864735" y="6464945"/>
+            <a:ext cx="438608" cy="290137"/>
+          </a:xfrm>
+          <a:prstGeom prst="roundRect">
+            <a:avLst/>
+          </a:prstGeom>
+          <a:ln w="28575"/>
+        </p:spPr>
+        <p:style>
+          <a:lnRef idx="2">
+            <a:schemeClr val="dk1"/>
+          </a:lnRef>
+          <a:fillRef idx="1">
+            <a:schemeClr val="lt1"/>
+          </a:fillRef>
+          <a:effectRef idx="0">
+            <a:schemeClr val="dk1"/>
+          </a:effectRef>
+          <a:fontRef idx="minor">
+            <a:schemeClr val="dk1"/>
+          </a:fontRef>
+        </p:style>
+        <p:txBody>
+          <a:bodyPr rtlCol="0" anchor="ctr"/>
+          <a:lstStyle/>
+          <a:p>
+            <a:pPr algn="ctr"/>
+            <a:endParaRPr lang="fr-FR" sz="1400" dirty="0"/>
+          </a:p>
+        </p:txBody>
+      </p:sp>
+      <p:sp>
+        <p:nvSpPr>
+          <p:cNvPr id="34" name="Rounded Rectangle 33"/>
+          <p:cNvSpPr/>
+          <p:nvPr/>
+        </p:nvSpPr>
+        <p:spPr>
+          <a:xfrm>
+            <a:off x="4407660" y="6467138"/>
+            <a:ext cx="438608" cy="290137"/>
+          </a:xfrm>
+          <a:prstGeom prst="roundRect">
+            <a:avLst/>
+          </a:prstGeom>
+          <a:ln w="28575"/>
+        </p:spPr>
+        <p:style>
+          <a:lnRef idx="2">
+            <a:schemeClr val="dk1"/>
+          </a:lnRef>
+          <a:fillRef idx="1">
+            <a:schemeClr val="lt1"/>
+          </a:fillRef>
+          <a:effectRef idx="0">
+            <a:schemeClr val="dk1"/>
+          </a:effectRef>
+          <a:fontRef idx="minor">
+            <a:schemeClr val="dk1"/>
+          </a:fontRef>
+        </p:style>
+        <p:txBody>
+          <a:bodyPr rtlCol="0" anchor="ctr"/>
+          <a:lstStyle/>
+          <a:p>
+            <a:pPr algn="ctr"/>
+            <a:endParaRPr lang="fr-FR" sz="1400" dirty="0"/>
+          </a:p>
+        </p:txBody>
+      </p:sp>
+      <p:sp>
+        <p:nvSpPr>
+          <p:cNvPr id="35" name="Rounded Rectangle 34"/>
+          <p:cNvSpPr/>
+          <p:nvPr/>
+        </p:nvSpPr>
+        <p:spPr>
+          <a:xfrm>
+            <a:off x="4952802" y="6464945"/>
+            <a:ext cx="438608" cy="290137"/>
+          </a:xfrm>
+          <a:prstGeom prst="roundRect">
+            <a:avLst/>
+          </a:prstGeom>
+          <a:ln w="28575"/>
+        </p:spPr>
+        <p:style>
+          <a:lnRef idx="2">
+            <a:schemeClr val="dk1"/>
+          </a:lnRef>
+          <a:fillRef idx="1">
+            <a:schemeClr val="lt1"/>
+          </a:fillRef>
+          <a:effectRef idx="0">
+            <a:schemeClr val="dk1"/>
+          </a:effectRef>
+          <a:fontRef idx="minor">
+            <a:schemeClr val="dk1"/>
+          </a:fontRef>
+        </p:style>
+        <p:txBody>
+          <a:bodyPr rtlCol="0" anchor="ctr"/>
+          <a:lstStyle/>
+          <a:p>
+            <a:pPr algn="ctr"/>
+            <a:endParaRPr lang="fr-FR" sz="1400" dirty="0"/>
+          </a:p>
+        </p:txBody>
+      </p:sp>
+      <p:sp>
+        <p:nvSpPr>
+          <p:cNvPr id="36" name="Rounded Rectangle 35"/>
+          <p:cNvSpPr/>
+          <p:nvPr/>
+        </p:nvSpPr>
+        <p:spPr>
+          <a:xfrm>
+            <a:off x="5495727" y="6464945"/>
+            <a:ext cx="438608" cy="290137"/>
+          </a:xfrm>
+          <a:prstGeom prst="roundRect">
+            <a:avLst/>
+          </a:prstGeom>
+          <a:ln w="28575"/>
+        </p:spPr>
+        <p:style>
+          <a:lnRef idx="2">
+            <a:schemeClr val="dk1"/>
+          </a:lnRef>
+          <a:fillRef idx="1">
+            <a:schemeClr val="lt1"/>
+          </a:fillRef>
+          <a:effectRef idx="0">
+            <a:schemeClr val="dk1"/>
+          </a:effectRef>
+          <a:fontRef idx="minor">
+            <a:schemeClr val="dk1"/>
+          </a:fontRef>
+        </p:style>
+        <p:txBody>
+          <a:bodyPr rtlCol="0" anchor="ctr"/>
+          <a:lstStyle/>
+          <a:p>
+            <a:pPr algn="ctr"/>
+            <a:endParaRPr lang="fr-FR" sz="1400" dirty="0"/>
+          </a:p>
+        </p:txBody>
+      </p:sp>
+      <p:sp>
+        <p:nvSpPr>
+          <p:cNvPr id="37" name="Rounded Rectangle 36"/>
+          <p:cNvSpPr/>
+          <p:nvPr/>
+        </p:nvSpPr>
+        <p:spPr>
+          <a:xfrm>
+            <a:off x="6038652" y="6467138"/>
+            <a:ext cx="438608" cy="290137"/>
+          </a:xfrm>
+          <a:prstGeom prst="roundRect">
+            <a:avLst/>
+          </a:prstGeom>
+          <a:ln w="28575"/>
+        </p:spPr>
+        <p:style>
+          <a:lnRef idx="2">
+            <a:schemeClr val="dk1"/>
+          </a:lnRef>
+          <a:fillRef idx="1">
+            <a:schemeClr val="lt1"/>
+          </a:fillRef>
+          <a:effectRef idx="0">
+            <a:schemeClr val="dk1"/>
+          </a:effectRef>
+          <a:fontRef idx="minor">
+            <a:schemeClr val="dk1"/>
+          </a:fontRef>
+        </p:style>
+        <p:txBody>
+          <a:bodyPr rtlCol="0" anchor="ctr"/>
+          <a:lstStyle/>
+          <a:p>
+            <a:pPr algn="ctr"/>
+            <a:endParaRPr lang="fr-FR" sz="1400" dirty="0"/>
+          </a:p>
+        </p:txBody>
+      </p:sp>
+      <p:sp>
+        <p:nvSpPr>
+          <p:cNvPr id="38" name="Rounded Rectangle 37"/>
+          <p:cNvSpPr/>
+          <p:nvPr/>
+        </p:nvSpPr>
+        <p:spPr>
+          <a:xfrm>
+            <a:off x="1681393" y="7019211"/>
+            <a:ext cx="438608" cy="290137"/>
+          </a:xfrm>
+          <a:prstGeom prst="roundRect">
+            <a:avLst/>
+          </a:prstGeom>
+          <a:ln w="28575"/>
+        </p:spPr>
+        <p:style>
+          <a:lnRef idx="2">
+            <a:schemeClr val="dk1"/>
+          </a:lnRef>
+          <a:fillRef idx="1">
+            <a:schemeClr val="lt1"/>
+          </a:fillRef>
+          <a:effectRef idx="0">
+            <a:schemeClr val="dk1"/>
+          </a:effectRef>
+          <a:fontRef idx="minor">
+            <a:schemeClr val="dk1"/>
+          </a:fontRef>
+        </p:style>
+        <p:txBody>
+          <a:bodyPr rtlCol="0" anchor="ctr"/>
+          <a:lstStyle/>
+          <a:p>
+            <a:pPr algn="ctr"/>
+            <a:endParaRPr lang="fr-FR" sz="1400" dirty="0"/>
+          </a:p>
+        </p:txBody>
+      </p:sp>
+      <p:sp>
+        <p:nvSpPr>
+          <p:cNvPr id="39" name="Rounded Rectangle 38"/>
+          <p:cNvSpPr/>
+          <p:nvPr/>
+        </p:nvSpPr>
+        <p:spPr>
+          <a:xfrm>
+            <a:off x="2224318" y="7019211"/>
+            <a:ext cx="438608" cy="290137"/>
+          </a:xfrm>
+          <a:prstGeom prst="roundRect">
+            <a:avLst/>
+          </a:prstGeom>
+          <a:ln w="28575"/>
+        </p:spPr>
+        <p:style>
+          <a:lnRef idx="2">
+            <a:schemeClr val="dk1"/>
+          </a:lnRef>
+          <a:fillRef idx="1">
+            <a:schemeClr val="lt1"/>
+          </a:fillRef>
+          <a:effectRef idx="0">
+            <a:schemeClr val="dk1"/>
+          </a:effectRef>
+          <a:fontRef idx="minor">
+            <a:schemeClr val="dk1"/>
+          </a:fontRef>
+        </p:style>
+        <p:txBody>
+          <a:bodyPr rtlCol="0" anchor="ctr"/>
+          <a:lstStyle/>
+          <a:p>
+            <a:pPr algn="ctr"/>
+            <a:endParaRPr lang="fr-FR" sz="1400" dirty="0"/>
+          </a:p>
+        </p:txBody>
+      </p:sp>
+      <p:sp>
+        <p:nvSpPr>
+          <p:cNvPr id="40" name="Rounded Rectangle 39"/>
+          <p:cNvSpPr/>
+          <p:nvPr/>
+        </p:nvSpPr>
+        <p:spPr>
+          <a:xfrm>
+            <a:off x="2767243" y="7021404"/>
+            <a:ext cx="438608" cy="290137"/>
+          </a:xfrm>
+          <a:prstGeom prst="roundRect">
+            <a:avLst/>
+          </a:prstGeom>
+          <a:ln w="28575"/>
+        </p:spPr>
+        <p:style>
+          <a:lnRef idx="2">
+            <a:schemeClr val="dk1"/>
+          </a:lnRef>
+          <a:fillRef idx="1">
+            <a:schemeClr val="lt1"/>
+          </a:fillRef>
+          <a:effectRef idx="0">
+            <a:schemeClr val="dk1"/>
+          </a:effectRef>
+          <a:fontRef idx="minor">
+            <a:schemeClr val="dk1"/>
+          </a:fontRef>
+        </p:style>
+        <p:txBody>
+          <a:bodyPr rtlCol="0" anchor="ctr"/>
+          <a:lstStyle/>
+          <a:p>
+            <a:pPr algn="ctr"/>
+            <a:endParaRPr lang="fr-FR" sz="1400" dirty="0"/>
+          </a:p>
+        </p:txBody>
+      </p:sp>
+      <p:sp>
+        <p:nvSpPr>
+          <p:cNvPr id="41" name="Rounded Rectangle 40"/>
+          <p:cNvSpPr/>
+          <p:nvPr/>
+        </p:nvSpPr>
+        <p:spPr>
+          <a:xfrm>
+            <a:off x="3321810" y="7017018"/>
+            <a:ext cx="438608" cy="290137"/>
+          </a:xfrm>
+          <a:prstGeom prst="roundRect">
+            <a:avLst/>
+          </a:prstGeom>
+          <a:ln w="28575"/>
+        </p:spPr>
+        <p:style>
+          <a:lnRef idx="2">
+            <a:schemeClr val="dk1"/>
+          </a:lnRef>
+          <a:fillRef idx="1">
+            <a:schemeClr val="lt1"/>
+          </a:fillRef>
+          <a:effectRef idx="0">
+            <a:schemeClr val="dk1"/>
+          </a:effectRef>
+          <a:fontRef idx="minor">
+            <a:schemeClr val="dk1"/>
+          </a:fontRef>
+        </p:style>
+        <p:txBody>
+          <a:bodyPr rtlCol="0" anchor="ctr"/>
+          <a:lstStyle/>
+          <a:p>
+            <a:pPr algn="ctr"/>
+            <a:endParaRPr lang="fr-FR" sz="1400" dirty="0"/>
+          </a:p>
+        </p:txBody>
+      </p:sp>
+      <p:sp>
+        <p:nvSpPr>
+          <p:cNvPr id="42" name="Rounded Rectangle 41"/>
+          <p:cNvSpPr/>
+          <p:nvPr/>
+        </p:nvSpPr>
+        <p:spPr>
+          <a:xfrm>
+            <a:off x="3864735" y="7017018"/>
+            <a:ext cx="438608" cy="290137"/>
+          </a:xfrm>
+          <a:prstGeom prst="roundRect">
+            <a:avLst/>
+          </a:prstGeom>
+          <a:ln w="28575"/>
+        </p:spPr>
+        <p:style>
+          <a:lnRef idx="2">
+            <a:schemeClr val="dk1"/>
+          </a:lnRef>
+          <a:fillRef idx="1">
+            <a:schemeClr val="lt1"/>
+          </a:fillRef>
+          <a:effectRef idx="0">
+            <a:schemeClr val="dk1"/>
+          </a:effectRef>
+          <a:fontRef idx="minor">
+            <a:schemeClr val="dk1"/>
+          </a:fontRef>
+        </p:style>
+        <p:txBody>
+          <a:bodyPr rtlCol="0" anchor="ctr"/>
+          <a:lstStyle/>
+          <a:p>
+            <a:pPr algn="ctr"/>
+            <a:endParaRPr lang="fr-FR" sz="1400" dirty="0"/>
+          </a:p>
+        </p:txBody>
+      </p:sp>
+      <p:sp>
+        <p:nvSpPr>
+          <p:cNvPr id="43" name="Rounded Rectangle 42"/>
+          <p:cNvSpPr/>
+          <p:nvPr/>
+        </p:nvSpPr>
+        <p:spPr>
+          <a:xfrm>
+            <a:off x="4407660" y="7019211"/>
+            <a:ext cx="438608" cy="290137"/>
+          </a:xfrm>
+          <a:prstGeom prst="roundRect">
+            <a:avLst/>
+          </a:prstGeom>
+          <a:ln w="28575"/>
+        </p:spPr>
+        <p:style>
+          <a:lnRef idx="2">
+            <a:schemeClr val="dk1"/>
+          </a:lnRef>
+          <a:fillRef idx="1">
+            <a:schemeClr val="lt1"/>
+          </a:fillRef>
+          <a:effectRef idx="0">
+            <a:schemeClr val="dk1"/>
+          </a:effectRef>
+          <a:fontRef idx="minor">
+            <a:schemeClr val="dk1"/>
+          </a:fontRef>
+        </p:style>
+        <p:txBody>
+          <a:bodyPr rtlCol="0" anchor="ctr"/>
+          <a:lstStyle/>
+          <a:p>
+            <a:pPr algn="ctr"/>
+            <a:endParaRPr lang="fr-FR" sz="1400" dirty="0"/>
+          </a:p>
+        </p:txBody>
+      </p:sp>
+      <p:sp>
+        <p:nvSpPr>
+          <p:cNvPr id="44" name="Rounded Rectangle 43"/>
+          <p:cNvSpPr/>
+          <p:nvPr/>
+        </p:nvSpPr>
+        <p:spPr>
+          <a:xfrm>
+            <a:off x="4952802" y="7017018"/>
+            <a:ext cx="438608" cy="290137"/>
+          </a:xfrm>
+          <a:prstGeom prst="roundRect">
+            <a:avLst/>
+          </a:prstGeom>
+          <a:ln w="28575"/>
+        </p:spPr>
+        <p:style>
+          <a:lnRef idx="2">
+            <a:schemeClr val="dk1"/>
+          </a:lnRef>
+          <a:fillRef idx="1">
+            <a:schemeClr val="lt1"/>
+          </a:fillRef>
+          <a:effectRef idx="0">
+            <a:schemeClr val="dk1"/>
+          </a:effectRef>
+          <a:fontRef idx="minor">
+            <a:schemeClr val="dk1"/>
+          </a:fontRef>
+        </p:style>
+        <p:txBody>
+          <a:bodyPr rtlCol="0" anchor="ctr"/>
+          <a:lstStyle/>
+          <a:p>
+            <a:pPr algn="ctr"/>
+            <a:endParaRPr lang="fr-FR" sz="1400" dirty="0"/>
+          </a:p>
+        </p:txBody>
+      </p:sp>
+      <p:sp>
+        <p:nvSpPr>
+          <p:cNvPr id="45" name="Rounded Rectangle 44"/>
+          <p:cNvSpPr/>
+          <p:nvPr/>
+        </p:nvSpPr>
+        <p:spPr>
+          <a:xfrm>
+            <a:off x="5495727" y="7017018"/>
+            <a:ext cx="438608" cy="290137"/>
+          </a:xfrm>
+          <a:prstGeom prst="roundRect">
+            <a:avLst/>
+          </a:prstGeom>
+          <a:ln w="28575"/>
+        </p:spPr>
+        <p:style>
+          <a:lnRef idx="2">
+            <a:schemeClr val="dk1"/>
+          </a:lnRef>
+          <a:fillRef idx="1">
+            <a:schemeClr val="lt1"/>
+          </a:fillRef>
+          <a:effectRef idx="0">
+            <a:schemeClr val="dk1"/>
+          </a:effectRef>
+          <a:fontRef idx="minor">
+            <a:schemeClr val="dk1"/>
+          </a:fontRef>
+        </p:style>
+        <p:txBody>
+          <a:bodyPr rtlCol="0" anchor="ctr"/>
+          <a:lstStyle/>
+          <a:p>
+            <a:pPr algn="ctr"/>
+            <a:endParaRPr lang="fr-FR" sz="1400" dirty="0"/>
+          </a:p>
+        </p:txBody>
+      </p:sp>
+      <p:sp>
+        <p:nvSpPr>
+          <p:cNvPr id="46" name="Rounded Rectangle 45"/>
+          <p:cNvSpPr/>
+          <p:nvPr/>
+        </p:nvSpPr>
+        <p:spPr>
+          <a:xfrm>
+            <a:off x="6038652" y="7019211"/>
+            <a:ext cx="438608" cy="290137"/>
+          </a:xfrm>
+          <a:prstGeom prst="roundRect">
+            <a:avLst/>
+          </a:prstGeom>
+          <a:ln w="28575"/>
+        </p:spPr>
+        <p:style>
+          <a:lnRef idx="2">
+            <a:schemeClr val="dk1"/>
+          </a:lnRef>
+          <a:fillRef idx="1">
+            <a:schemeClr val="lt1"/>
+          </a:fillRef>
+          <a:effectRef idx="0">
+            <a:schemeClr val="dk1"/>
+          </a:effectRef>
+          <a:fontRef idx="minor">
+            <a:schemeClr val="dk1"/>
+          </a:fontRef>
+        </p:style>
+        <p:txBody>
+          <a:bodyPr rtlCol="0" anchor="ctr"/>
+          <a:lstStyle/>
+          <a:p>
+            <a:pPr algn="ctr"/>
+            <a:endParaRPr lang="fr-FR" sz="1400" dirty="0"/>
+          </a:p>
+        </p:txBody>
+      </p:sp>
+      <p:sp>
+        <p:nvSpPr>
+          <p:cNvPr id="47" name="Rounded Rectangle 46"/>
+          <p:cNvSpPr/>
+          <p:nvPr/>
+        </p:nvSpPr>
+        <p:spPr>
+          <a:xfrm>
+            <a:off x="1681393" y="7580056"/>
+            <a:ext cx="438608" cy="290137"/>
+          </a:xfrm>
+          <a:prstGeom prst="roundRect">
+            <a:avLst/>
+          </a:prstGeom>
+          <a:ln w="28575"/>
+        </p:spPr>
+        <p:style>
+          <a:lnRef idx="2">
+            <a:schemeClr val="dk1"/>
+          </a:lnRef>
+          <a:fillRef idx="1">
+            <a:schemeClr val="lt1"/>
+          </a:fillRef>
+          <a:effectRef idx="0">
+            <a:schemeClr val="dk1"/>
+          </a:effectRef>
+          <a:fontRef idx="minor">
+            <a:schemeClr val="dk1"/>
+          </a:fontRef>
+        </p:style>
+        <p:txBody>
+          <a:bodyPr rtlCol="0" anchor="ctr"/>
+          <a:lstStyle/>
+          <a:p>
+            <a:pPr algn="ctr"/>
+            <a:endParaRPr lang="fr-FR" sz="1400" dirty="0"/>
+          </a:p>
+        </p:txBody>
+      </p:sp>
+      <p:sp>
+        <p:nvSpPr>
+          <p:cNvPr id="48" name="Rounded Rectangle 47"/>
+          <p:cNvSpPr/>
+          <p:nvPr/>
+        </p:nvSpPr>
+        <p:spPr>
+          <a:xfrm>
+            <a:off x="2224318" y="7580056"/>
+            <a:ext cx="438608" cy="290137"/>
+          </a:xfrm>
+          <a:prstGeom prst="roundRect">
+            <a:avLst/>
+          </a:prstGeom>
+          <a:ln w="28575"/>
+        </p:spPr>
+        <p:style>
+          <a:lnRef idx="2">
+            <a:schemeClr val="dk1"/>
+          </a:lnRef>
+          <a:fillRef idx="1">
+            <a:schemeClr val="lt1"/>
+          </a:fillRef>
+          <a:effectRef idx="0">
+            <a:schemeClr val="dk1"/>
+          </a:effectRef>
+          <a:fontRef idx="minor">
+            <a:schemeClr val="dk1"/>
+          </a:fontRef>
+        </p:style>
+        <p:txBody>
+          <a:bodyPr rtlCol="0" anchor="ctr"/>
+          <a:lstStyle/>
+          <a:p>
+            <a:pPr algn="ctr"/>
+            <a:endParaRPr lang="fr-FR" sz="1400" dirty="0"/>
+          </a:p>
+        </p:txBody>
+      </p:sp>
+      <p:sp>
+        <p:nvSpPr>
+          <p:cNvPr id="49" name="Rounded Rectangle 48"/>
+          <p:cNvSpPr/>
+          <p:nvPr/>
+        </p:nvSpPr>
+        <p:spPr>
+          <a:xfrm>
+            <a:off x="2767243" y="7582249"/>
+            <a:ext cx="438608" cy="290137"/>
+          </a:xfrm>
+          <a:prstGeom prst="roundRect">
+            <a:avLst/>
+          </a:prstGeom>
+          <a:ln w="28575"/>
+        </p:spPr>
+        <p:style>
+          <a:lnRef idx="2">
+            <a:schemeClr val="dk1"/>
+          </a:lnRef>
+          <a:fillRef idx="1">
+            <a:schemeClr val="lt1"/>
+          </a:fillRef>
+          <a:effectRef idx="0">
+            <a:schemeClr val="dk1"/>
+          </a:effectRef>
+          <a:fontRef idx="minor">
+            <a:schemeClr val="dk1"/>
+          </a:fontRef>
+        </p:style>
+        <p:txBody>
+          <a:bodyPr rtlCol="0" anchor="ctr"/>
+          <a:lstStyle/>
+          <a:p>
+            <a:pPr algn="ctr"/>
+            <a:endParaRPr lang="fr-FR" sz="1400" dirty="0"/>
+          </a:p>
+        </p:txBody>
+      </p:sp>
+      <p:sp>
+        <p:nvSpPr>
+          <p:cNvPr id="50" name="Rounded Rectangle 49"/>
+          <p:cNvSpPr/>
+          <p:nvPr/>
+        </p:nvSpPr>
+        <p:spPr>
+          <a:xfrm>
+            <a:off x="3321810" y="7577863"/>
+            <a:ext cx="438608" cy="290137"/>
+          </a:xfrm>
+          <a:prstGeom prst="roundRect">
+            <a:avLst/>
+          </a:prstGeom>
+          <a:ln w="28575"/>
+        </p:spPr>
+        <p:style>
+          <a:lnRef idx="2">
+            <a:schemeClr val="dk1"/>
+          </a:lnRef>
+          <a:fillRef idx="1">
+            <a:schemeClr val="lt1"/>
+          </a:fillRef>
+          <a:effectRef idx="0">
+            <a:schemeClr val="dk1"/>
+          </a:effectRef>
+          <a:fontRef idx="minor">
+            <a:schemeClr val="dk1"/>
+          </a:fontRef>
+        </p:style>
+        <p:txBody>
+          <a:bodyPr rtlCol="0" anchor="ctr"/>
+          <a:lstStyle/>
+          <a:p>
+            <a:pPr algn="ctr"/>
+            <a:endParaRPr lang="fr-FR" sz="1400" dirty="0"/>
+          </a:p>
+        </p:txBody>
+      </p:sp>
+      <p:sp>
+        <p:nvSpPr>
+          <p:cNvPr id="51" name="Rounded Rectangle 50"/>
+          <p:cNvSpPr/>
+          <p:nvPr/>
+        </p:nvSpPr>
+        <p:spPr>
+          <a:xfrm>
+            <a:off x="3864735" y="7577863"/>
+            <a:ext cx="438608" cy="290137"/>
+          </a:xfrm>
+          <a:prstGeom prst="roundRect">
+            <a:avLst/>
+          </a:prstGeom>
+          <a:ln w="28575"/>
+        </p:spPr>
+        <p:style>
+          <a:lnRef idx="2">
+            <a:schemeClr val="dk1"/>
+          </a:lnRef>
+          <a:fillRef idx="1">
+            <a:schemeClr val="lt1"/>
+          </a:fillRef>
+          <a:effectRef idx="0">
+            <a:schemeClr val="dk1"/>
+          </a:effectRef>
+          <a:fontRef idx="minor">
+            <a:schemeClr val="dk1"/>
+          </a:fontRef>
+        </p:style>
+        <p:txBody>
+          <a:bodyPr rtlCol="0" anchor="ctr"/>
+          <a:lstStyle/>
+          <a:p>
+            <a:pPr algn="ctr"/>
+            <a:endParaRPr lang="fr-FR" sz="1400" dirty="0"/>
+          </a:p>
+        </p:txBody>
+      </p:sp>
+      <p:sp>
+        <p:nvSpPr>
+          <p:cNvPr id="52" name="Rounded Rectangle 51"/>
+          <p:cNvSpPr/>
+          <p:nvPr/>
+        </p:nvSpPr>
+        <p:spPr>
+          <a:xfrm>
+            <a:off x="4407660" y="7580056"/>
+            <a:ext cx="438608" cy="290137"/>
+          </a:xfrm>
+          <a:prstGeom prst="roundRect">
+            <a:avLst/>
+          </a:prstGeom>
+          <a:ln w="28575"/>
+        </p:spPr>
+        <p:style>
+          <a:lnRef idx="2">
+            <a:schemeClr val="dk1"/>
+          </a:lnRef>
+          <a:fillRef idx="1">
+            <a:schemeClr val="lt1"/>
+          </a:fillRef>
+          <a:effectRef idx="0">
+            <a:schemeClr val="dk1"/>
+          </a:effectRef>
+          <a:fontRef idx="minor">
+            <a:schemeClr val="dk1"/>
+          </a:fontRef>
+        </p:style>
+        <p:txBody>
+          <a:bodyPr rtlCol="0" anchor="ctr"/>
+          <a:lstStyle/>
+          <a:p>
+            <a:pPr algn="ctr"/>
+            <a:endParaRPr lang="fr-FR" sz="1400" dirty="0"/>
+          </a:p>
+        </p:txBody>
+      </p:sp>
+      <p:sp>
+        <p:nvSpPr>
+          <p:cNvPr id="53" name="Rounded Rectangle 52"/>
+          <p:cNvSpPr/>
+          <p:nvPr/>
+        </p:nvSpPr>
+        <p:spPr>
+          <a:xfrm>
+            <a:off x="4952802" y="7577863"/>
+            <a:ext cx="438608" cy="290137"/>
+          </a:xfrm>
+          <a:prstGeom prst="roundRect">
+            <a:avLst/>
+          </a:prstGeom>
+          <a:ln w="28575"/>
+        </p:spPr>
+        <p:style>
+          <a:lnRef idx="2">
+            <a:schemeClr val="dk1"/>
+          </a:lnRef>
+          <a:fillRef idx="1">
+            <a:schemeClr val="lt1"/>
+          </a:fillRef>
+          <a:effectRef idx="0">
+            <a:schemeClr val="dk1"/>
+          </a:effectRef>
+          <a:fontRef idx="minor">
+            <a:schemeClr val="dk1"/>
+          </a:fontRef>
+        </p:style>
+        <p:txBody>
+          <a:bodyPr rtlCol="0" anchor="ctr"/>
+          <a:lstStyle/>
+          <a:p>
+            <a:pPr algn="ctr"/>
+            <a:endParaRPr lang="fr-FR" sz="1400" dirty="0"/>
+          </a:p>
+        </p:txBody>
+      </p:sp>
+      <p:sp>
+        <p:nvSpPr>
+          <p:cNvPr id="54" name="Rounded Rectangle 53"/>
+          <p:cNvSpPr/>
+          <p:nvPr/>
+        </p:nvSpPr>
+        <p:spPr>
+          <a:xfrm>
+            <a:off x="5495727" y="7577863"/>
+            <a:ext cx="438608" cy="290137"/>
+          </a:xfrm>
+          <a:prstGeom prst="roundRect">
+            <a:avLst/>
+          </a:prstGeom>
+          <a:ln w="28575"/>
+        </p:spPr>
+        <p:style>
+          <a:lnRef idx="2">
+            <a:schemeClr val="dk1"/>
+          </a:lnRef>
+          <a:fillRef idx="1">
+            <a:schemeClr val="lt1"/>
+          </a:fillRef>
+          <a:effectRef idx="0">
+            <a:schemeClr val="dk1"/>
+          </a:effectRef>
+          <a:fontRef idx="minor">
+            <a:schemeClr val="dk1"/>
+          </a:fontRef>
+        </p:style>
+        <p:txBody>
+          <a:bodyPr rtlCol="0" anchor="ctr"/>
+          <a:lstStyle/>
+          <a:p>
+            <a:pPr algn="ctr"/>
+            <a:endParaRPr lang="fr-FR" sz="1400" dirty="0"/>
+          </a:p>
+        </p:txBody>
+      </p:sp>
+      <p:sp>
+        <p:nvSpPr>
+          <p:cNvPr id="55" name="Rounded Rectangle 54"/>
+          <p:cNvSpPr/>
+          <p:nvPr/>
+        </p:nvSpPr>
+        <p:spPr>
+          <a:xfrm>
+            <a:off x="6038652" y="7580056"/>
+            <a:ext cx="438608" cy="290137"/>
+          </a:xfrm>
+          <a:prstGeom prst="roundRect">
+            <a:avLst/>
+          </a:prstGeom>
+          <a:ln w="28575"/>
+        </p:spPr>
+        <p:style>
+          <a:lnRef idx="2">
+            <a:schemeClr val="dk1"/>
+          </a:lnRef>
+          <a:fillRef idx="1">
+            <a:schemeClr val="lt1"/>
+          </a:fillRef>
+          <a:effectRef idx="0">
+            <a:schemeClr val="dk1"/>
+          </a:effectRef>
+          <a:fontRef idx="minor">
+            <a:schemeClr val="dk1"/>
+          </a:fontRef>
+        </p:style>
+        <p:txBody>
+          <a:bodyPr rtlCol="0" anchor="ctr"/>
+          <a:lstStyle/>
+          <a:p>
+            <a:pPr algn="ctr"/>
+            <a:endParaRPr lang="fr-FR" sz="1400" dirty="0"/>
+          </a:p>
+        </p:txBody>
+      </p:sp>
+      <p:sp>
+        <p:nvSpPr>
+          <p:cNvPr id="56" name="Rounded Rectangle 55"/>
+          <p:cNvSpPr/>
+          <p:nvPr/>
+        </p:nvSpPr>
+        <p:spPr>
+          <a:xfrm>
+            <a:off x="211597" y="5389068"/>
+            <a:ext cx="3468861" cy="385507"/>
+          </a:xfrm>
+          <a:prstGeom prst="roundRect">
+            <a:avLst/>
+          </a:prstGeom>
+        </p:spPr>
+        <p:style>
+          <a:lnRef idx="2">
+            <a:schemeClr val="dk1">
+              <a:shade val="50000"/>
+            </a:schemeClr>
+          </a:lnRef>
+          <a:fillRef idx="1">
+            <a:schemeClr val="dk1"/>
+          </a:fillRef>
+          <a:effectRef idx="0">
+            <a:schemeClr val="dk1"/>
+          </a:effectRef>
+          <a:fontRef idx="minor">
+            <a:schemeClr val="lt1"/>
+          </a:fontRef>
+        </p:style>
+        <p:txBody>
+          <a:bodyPr rtlCol="0" anchor="ctr"/>
+          <a:lstStyle/>
+          <a:p>
+            <a:pPr algn="ctr"/>
+            <a:r>
+              <a:rPr lang="fr-FR" dirty="0"/>
+              <a:t>planning des phases à remplir</a:t>
+            </a:r>
+          </a:p>
+        </p:txBody>
+      </p:sp>
+      <p:sp>
+        <p:nvSpPr>
+          <p:cNvPr id="57" name="Rectangle 56"/>
+          <p:cNvSpPr/>
+          <p:nvPr/>
+        </p:nvSpPr>
+        <p:spPr>
+          <a:xfrm>
+            <a:off x="211597" y="1362088"/>
+            <a:ext cx="6694028" cy="492443"/>
+          </a:xfrm>
+          <a:prstGeom prst="rect">
+            <a:avLst/>
+          </a:prstGeom>
+        </p:spPr>
+        <p:txBody>
+          <a:bodyPr wrap="square">
+            <a:spAutoFit/>
+          </a:bodyPr>
+          <a:lstStyle/>
+          <a:p>
+            <a:r>
+              <a:rPr lang="fr-FR" sz="1300" b="1" dirty="0">
+                <a:ea typeface="Calibri Light" panose="020F0302020204030204" pitchFamily="34" charset="0"/>
+                <a:cs typeface="Calibri Light" panose="020F0302020204030204" pitchFamily="34" charset="0"/>
+              </a:rPr>
+              <a:t>A l’aide des images du plan, des abréviations données dans le cours et de vos connaissances, remplir le planning des phases en bas de page pour les éléments 101,102 et 104 : </a:t>
+            </a:r>
+            <a:r>
+              <a:rPr lang="fr-FR" sz="1300" dirty="0">
+                <a:effectLst/>
+                <a:ea typeface="Calibri Light" panose="020F0302020204030204" pitchFamily="34" charset="0"/>
+                <a:cs typeface="Calibri Light" panose="020F0302020204030204" pitchFamily="34" charset="0"/>
+              </a:rPr>
+              <a:t>  </a:t>
+            </a:r>
+            <a:endParaRPr lang="fr-BE" sz="1300" dirty="0">
+              <a:effectLst/>
+              <a:ea typeface="Calibri Light" panose="020F0302020204030204" pitchFamily="34" charset="0"/>
+              <a:cs typeface="Calibri Light" panose="020F0302020204030204" pitchFamily="34" charset="0"/>
+            </a:endParaRPr>
+          </a:p>
+        </p:txBody>
+      </p:sp>
+      <p:sp>
+        <p:nvSpPr>
+          <p:cNvPr id="58" name="TextBox 57"/>
+          <p:cNvSpPr txBox="1"/>
+          <p:nvPr/>
+        </p:nvSpPr>
+        <p:spPr>
+          <a:xfrm>
+            <a:off x="211597" y="911120"/>
+            <a:ext cx="6795587" cy="307777"/>
+          </a:xfrm>
+          <a:prstGeom prst="rect">
+            <a:avLst/>
+          </a:prstGeom>
+          <a:effectLst/>
+        </p:spPr>
+        <p:style>
+          <a:lnRef idx="2">
+            <a:schemeClr val="dk1"/>
+          </a:lnRef>
+          <a:fillRef idx="1">
+            <a:schemeClr val="lt1"/>
+          </a:fillRef>
+          <a:effectRef idx="0">
+            <a:schemeClr val="dk1"/>
+          </a:effectRef>
+          <a:fontRef idx="minor">
+            <a:schemeClr val="dk1"/>
+          </a:fontRef>
+        </p:style>
+        <p:txBody>
+          <a:bodyPr wrap="square" rtlCol="0">
+            <a:spAutoFit/>
+          </a:bodyPr>
+          <a:lstStyle/>
+          <a:p>
+            <a:pPr algn="ctr"/>
+            <a:r>
+              <a:rPr lang="fr-FR" sz="1400" dirty="0"/>
+              <a:t>Nom :…………………..                      Prénom : …………………..         Classe : …………..</a:t>
+            </a:r>
+          </a:p>
+        </p:txBody>
+      </p:sp>
+      <p:pic>
+        <p:nvPicPr>
+          <p:cNvPr id="60" name="Picture 59"/>
+          <p:cNvPicPr>
+            <a:picLocks noChangeAspect="1"/>
+          </p:cNvPicPr>
+          <p:nvPr/>
+        </p:nvPicPr>
+        <p:blipFill>
+          <a:blip r:embed="rId2">
+            <a:extLst>
+              <a:ext uri="{BEBA8EAE-BF5A-486C-A8C5-ECC9F3942E4B}">
+                <a14:imgProps xmlns:a14="http://schemas.microsoft.com/office/drawing/2010/main">
+                  <a14:imgLayer r:embed="rId3">
+                    <a14:imgEffect>
+                      <a14:brightnessContrast contrast="-40000"/>
+                    </a14:imgEffect>
+                  </a14:imgLayer>
+                </a14:imgProps>
+              </a:ext>
+            </a:extLst>
+          </a:blip>
+          <a:stretch>
+            <a:fillRect/>
+          </a:stretch>
+        </p:blipFill>
+        <p:spPr>
+          <a:xfrm>
+            <a:off x="668741" y="1948121"/>
+            <a:ext cx="4779276" cy="2529356"/>
+          </a:xfrm>
+          <a:prstGeom prst="rect">
+            <a:avLst/>
+          </a:prstGeom>
+          <a:ln w="38100" cap="sq">
+            <a:solidFill>
+              <a:srgbClr val="000000"/>
+            </a:solidFill>
+            <a:prstDash val="solid"/>
+            <a:miter lim="800000"/>
+          </a:ln>
+          <a:effectLst>
+            <a:outerShdw blurRad="50800" dist="38100" dir="2700000" algn="tl" rotWithShape="0">
+              <a:srgbClr val="000000">
+                <a:alpha val="43000"/>
+              </a:srgbClr>
+            </a:outerShdw>
+          </a:effectLst>
+        </p:spPr>
+      </p:pic>
+      <p:sp>
+        <p:nvSpPr>
+          <p:cNvPr id="64" name="Rounded Rectangle 63"/>
+          <p:cNvSpPr/>
+          <p:nvPr/>
+        </p:nvSpPr>
+        <p:spPr>
+          <a:xfrm>
+            <a:off x="4810137" y="4300359"/>
+            <a:ext cx="581273" cy="354236"/>
+          </a:xfrm>
+          <a:prstGeom prst="roundRect">
+            <a:avLst/>
+          </a:prstGeom>
+        </p:spPr>
+        <p:style>
+          <a:lnRef idx="2">
+            <a:schemeClr val="dk1">
+              <a:shade val="50000"/>
+            </a:schemeClr>
+          </a:lnRef>
+          <a:fillRef idx="1">
+            <a:schemeClr val="dk1"/>
+          </a:fillRef>
+          <a:effectRef idx="0">
+            <a:schemeClr val="dk1"/>
+          </a:effectRef>
+          <a:fontRef idx="minor">
+            <a:schemeClr val="lt1"/>
+          </a:fontRef>
+        </p:style>
+        <p:txBody>
+          <a:bodyPr rtlCol="0" anchor="ctr"/>
+          <a:lstStyle/>
+          <a:p>
+            <a:pPr algn="ctr"/>
+            <a:r>
+              <a:rPr lang="fr-FR" dirty="0"/>
+              <a:t>104</a:t>
+            </a:r>
+          </a:p>
+        </p:txBody>
+      </p:sp>
+    </p:spTree>
+    <p:extLst>
+      <p:ext uri="{BB962C8B-B14F-4D97-AF65-F5344CB8AC3E}">
+        <p14:creationId xmlns:p14="http://schemas.microsoft.com/office/powerpoint/2010/main" val="1602086333"/>
+      </p:ext>
+    </p:extLst>
+  </p:cSld>
+  <p:clrMapOvr>
+    <a:masterClrMapping/>
+  </p:clrMapOvr>
+</p:sld>
+</file>
+
+<file path=ppt/slides/slide4.xml><?xml version="1.0" encoding="utf-8"?>
+<p:sld xmlns:a="http://schemas.openxmlformats.org/drawingml/2006/main" xmlns:r="http://schemas.openxmlformats.org/officeDocument/2006/relationships" xmlns:p="http://schemas.openxmlformats.org/presentationml/2006/main">
+  <p:cSld>
+    <p:spTree>
+      <p:nvGrpSpPr>
+        <p:cNvPr id="1" name=""/>
+        <p:cNvGrpSpPr/>
+        <p:nvPr/>
+      </p:nvGrpSpPr>
+      <p:grpSpPr>
+        <a:xfrm>
+          <a:off x="0" y="0"/>
+          <a:ext cx="0" cy="0"/>
+          <a:chOff x="0" y="0"/>
+          <a:chExt cx="0" cy="0"/>
+        </a:xfrm>
+      </p:grpSpPr>
+      <p:sp>
+        <p:nvSpPr>
+          <p:cNvPr id="8" name="TextBox 7"/>
+          <p:cNvSpPr txBox="1"/>
+          <p:nvPr/>
+        </p:nvSpPr>
+        <p:spPr>
+          <a:xfrm>
+            <a:off x="211598" y="323833"/>
+            <a:ext cx="6795587" cy="444096"/>
+          </a:xfrm>
+          <a:prstGeom prst="rect">
+            <a:avLst/>
+          </a:prstGeom>
+          <a:effectLst/>
+        </p:spPr>
+        <p:style>
+          <a:lnRef idx="2">
+            <a:schemeClr val="dk1"/>
+          </a:lnRef>
+          <a:fillRef idx="1">
+            <a:schemeClr val="lt1"/>
+          </a:fillRef>
+          <a:effectRef idx="0">
+            <a:schemeClr val="dk1"/>
+          </a:effectRef>
+          <a:fontRef idx="minor">
+            <a:schemeClr val="dk1"/>
+          </a:fontRef>
+        </p:style>
+        <p:txBody>
+          <a:bodyPr wrap="square" rtlCol="0">
+            <a:spAutoFit/>
+          </a:bodyPr>
+          <a:lstStyle/>
+          <a:p>
+            <a:pPr algn="ctr"/>
+            <a:r>
+              <a:rPr lang="fr-FR" sz="2286" dirty="0"/>
+              <a:t>Evaluation : Le planning des phases</a:t>
+            </a:r>
+          </a:p>
+        </p:txBody>
+      </p:sp>
+      <p:graphicFrame>
+        <p:nvGraphicFramePr>
+          <p:cNvPr id="4" name="Table 3"/>
+          <p:cNvGraphicFramePr>
+            <a:graphicFrameLocks noGrp="1"/>
+          </p:cNvGraphicFramePr>
+          <p:nvPr>
+            <p:extLst/>
           </p:nvPr>
         </p:nvGraphicFramePr>
         <p:xfrm>
@@ -8033,10 +7881,9 @@
                     <a:p>
                       <a:pPr algn="ctr"/>
                       <a:r>
-                        <a:rPr lang="fr-FR" dirty="0" smtClean="0"/>
+                        <a:rPr lang="fr-FR" dirty="0"/>
                         <a:t>Elément</a:t>
                       </a:r>
-                      <a:endParaRPr lang="fr-FR" dirty="0"/>
                     </a:p>
                   </a:txBody>
                   <a:tcPr anchor="ctr"/>
@@ -8048,10 +7895,9 @@
                     <a:p>
                       <a:pPr algn="ctr"/>
                       <a:r>
-                        <a:rPr lang="fr-FR" dirty="0" smtClean="0"/>
+                        <a:rPr lang="fr-FR" dirty="0"/>
                         <a:t>Opérations</a:t>
                       </a:r>
-                      <a:endParaRPr lang="fr-FR" dirty="0"/>
                     </a:p>
                   </a:txBody>
                   <a:tcPr anchor="ctr"/>
@@ -8070,10 +7916,9 @@
                     <a:p>
                       <a:pPr algn="ctr"/>
                       <a:r>
-                        <a:rPr lang="fr-FR" dirty="0" smtClean="0"/>
+                        <a:rPr lang="fr-FR" dirty="0"/>
                         <a:t>……</a:t>
                       </a:r>
-                      <a:endParaRPr lang="fr-FR" dirty="0"/>
                     </a:p>
                   </a:txBody>
                   <a:tcPr anchor="ctr"/>
@@ -8103,10 +7948,9 @@
                     <a:p>
                       <a:pPr algn="ctr"/>
                       <a:r>
-                        <a:rPr lang="fr-FR" dirty="0" smtClean="0"/>
+                        <a:rPr lang="fr-FR" dirty="0"/>
                         <a:t>……</a:t>
                       </a:r>
-                      <a:endParaRPr lang="fr-FR" dirty="0"/>
                     </a:p>
                   </a:txBody>
                   <a:tcPr anchor="ctr"/>
@@ -8136,10 +7980,9 @@
                     <a:p>
                       <a:pPr algn="ctr"/>
                       <a:r>
-                        <a:rPr lang="fr-FR" dirty="0" smtClean="0"/>
+                        <a:rPr lang="fr-FR" dirty="0"/>
                         <a:t>……</a:t>
                       </a:r>
-                      <a:endParaRPr lang="fr-FR" dirty="0"/>
                     </a:p>
                   </a:txBody>
                   <a:tcPr anchor="ctr"/>
@@ -9255,10 +9098,9 @@
           <a:p>
             <a:pPr algn="ctr"/>
             <a:r>
-              <a:rPr lang="fr-FR" dirty="0" smtClean="0"/>
+              <a:rPr lang="fr-FR" dirty="0"/>
               <a:t>planning des phases à remplir</a:t>
             </a:r>
-            <a:endParaRPr lang="fr-FR" dirty="0"/>
           </a:p>
         </p:txBody>
       </p:sp>
@@ -9284,14 +9126,14 @@
           <a:lstStyle/>
           <a:p>
             <a:r>
-              <a:rPr lang="fr-FR" sz="1300" b="1" dirty="0" smtClean="0">
+              <a:rPr lang="fr-FR" sz="1300" b="1" dirty="0">
                 <a:ea typeface="Calibri Light" panose="020F0302020204030204" pitchFamily="34" charset="0"/>
                 <a:cs typeface="Calibri Light" panose="020F0302020204030204" pitchFamily="34" charset="0"/>
               </a:rPr>
               <a:t>A l’aide des images du plan, des abréviations données dans le cours et de vos connaissances, remplir le planning des phases en bas de page pour les éléments 101,102 et 104 : </a:t>
             </a:r>
             <a:r>
-              <a:rPr lang="fr-FR" sz="1300" dirty="0" smtClean="0">
+              <a:rPr lang="fr-FR" sz="1300" dirty="0">
                 <a:effectLst/>
                 <a:ea typeface="Calibri Light" panose="020F0302020204030204" pitchFamily="34" charset="0"/>
                 <a:cs typeface="Calibri Light" panose="020F0302020204030204" pitchFamily="34" charset="0"/>
@@ -9344,10 +9186,9 @@
           <a:p>
             <a:pPr algn="ctr"/>
             <a:r>
-              <a:rPr lang="fr-FR" sz="1400" dirty="0" smtClean="0"/>
+              <a:rPr lang="fr-FR" sz="1400" dirty="0"/>
               <a:t>Nom :…………………..                      Prénom : …………………..         Classe : …………..</a:t>
             </a:r>
-            <a:endParaRPr lang="fr-FR" sz="1400" dirty="0"/>
           </a:p>
         </p:txBody>
       </p:sp>
@@ -9358,11 +9199,7 @@
             <a:graphicFrameLocks noGrp="1"/>
           </p:cNvGraphicFramePr>
           <p:nvPr>
-            <p:extLst>
-              <p:ext uri="{D42A27DB-BD31-4B8C-83A1-F6EECF244321}">
-                <p14:modId xmlns:p14="http://schemas.microsoft.com/office/powerpoint/2010/main" val="1901487523"/>
-              </p:ext>
-            </p:extLst>
+            <p:extLst/>
           </p:nvPr>
         </p:nvGraphicFramePr>
         <p:xfrm>
@@ -9399,18 +9236,13 @@
                     <a:p>
                       <a:pPr algn="l"/>
                       <a:r>
-                        <a:rPr lang="fr-FR" dirty="0" smtClean="0">
+                        <a:rPr lang="fr-FR" dirty="0">
                           <a:solidFill>
                             <a:schemeClr val="bg1"/>
                           </a:solidFill>
                         </a:rPr>
                         <a:t>Critère d’évaluation : </a:t>
                       </a:r>
-                      <a:endParaRPr lang="fr-FR" dirty="0">
-                        <a:solidFill>
-                          <a:schemeClr val="bg1"/>
-                        </a:solidFill>
-                      </a:endParaRPr>
                     </a:p>
                   </a:txBody>
                   <a:tcPr anchor="ctr">
@@ -9443,7 +9275,7 @@
                     <a:p>
                       <a:pPr algn="l"/>
                       <a:r>
-                        <a:rPr lang="fr-FR" dirty="0" smtClean="0"/>
+                        <a:rPr lang="fr-FR" dirty="0"/>
                         <a:t>Les opérations sont ordonnées de manière cohérente</a:t>
                       </a:r>
                     </a:p>
@@ -9453,11 +9285,11 @@
                         <a:buChar char="•"/>
                       </a:pPr>
                       <a:r>
-                        <a:rPr lang="fr-FR" dirty="0" smtClean="0"/>
+                        <a:rPr lang="fr-FR" dirty="0"/>
                         <a:t>       1 point par opérations</a:t>
                       </a:r>
                       <a:r>
-                        <a:rPr lang="fr-FR" baseline="0" dirty="0" smtClean="0"/>
+                        <a:rPr lang="fr-FR" baseline="0" dirty="0"/>
                         <a:t> mal ordonnées</a:t>
                       </a:r>
                     </a:p>
@@ -9489,7 +9321,7 @@
                     <a:p>
                       <a:pPr algn="l"/>
                       <a:r>
-                        <a:rPr lang="fr-FR" dirty="0" smtClean="0"/>
+                        <a:rPr lang="fr-FR" dirty="0"/>
                         <a:t>Les opérations correspondent à l’élément</a:t>
                       </a:r>
                     </a:p>
@@ -9499,11 +9331,11 @@
                         <a:buChar char="•"/>
                       </a:pPr>
                       <a:r>
-                        <a:rPr lang="fr-FR" dirty="0" smtClean="0"/>
+                        <a:rPr lang="fr-FR" dirty="0"/>
                         <a:t>       1 point par opérations</a:t>
                       </a:r>
                       <a:r>
-                        <a:rPr lang="fr-FR" baseline="0" dirty="0" smtClean="0"/>
+                        <a:rPr lang="fr-FR" baseline="0" dirty="0"/>
                         <a:t> erronées (que l’élément n’a pas besoin)</a:t>
                       </a:r>
                     </a:p>
@@ -9535,14 +9367,14 @@
                     <a:p>
                       <a:pPr algn="l"/>
                       <a:r>
-                        <a:rPr lang="fr-FR" dirty="0" smtClean="0"/>
+                        <a:rPr lang="fr-FR" dirty="0"/>
                         <a:t>Les opérations sont ordonnés</a:t>
                       </a:r>
                       <a:r>
-                        <a:rPr lang="fr-FR" baseline="0" dirty="0" smtClean="0"/>
+                        <a:rPr lang="fr-FR" baseline="0" dirty="0"/>
                         <a:t> par un trait ou liés à une opération</a:t>
                       </a:r>
-                      <a:endParaRPr lang="fr-FR" dirty="0" smtClean="0"/>
+                      <a:endParaRPr lang="fr-FR" dirty="0"/>
                     </a:p>
                     <a:p>
                       <a:pPr marL="285750" indent="-285750" algn="l">
@@ -9550,11 +9382,11 @@
                         <a:buChar char="•"/>
                       </a:pPr>
                       <a:r>
-                        <a:rPr lang="fr-FR" dirty="0" smtClean="0"/>
+                        <a:rPr lang="fr-FR" dirty="0"/>
                         <a:t>       0,5 point pour</a:t>
                       </a:r>
                       <a:r>
-                        <a:rPr lang="fr-FR" baseline="0" dirty="0" smtClean="0"/>
+                        <a:rPr lang="fr-FR" baseline="0" dirty="0"/>
                         <a:t> les opérations non reliées</a:t>
                       </a:r>
                     </a:p>
@@ -9586,10 +9418,9 @@
                     <a:p>
                       <a:pPr algn="l"/>
                       <a:r>
-                        <a:rPr lang="fr-FR" dirty="0" smtClean="0"/>
+                        <a:rPr lang="fr-FR" dirty="0"/>
                         <a:t>Les éléments sont indiqués</a:t>
                       </a:r>
-                      <a:endParaRPr lang="fr-FR" dirty="0" smtClean="0"/>
                     </a:p>
                     <a:p>
                       <a:pPr marL="285750" indent="-285750" algn="l">
@@ -9597,10 +9428,10 @@
                         <a:buChar char="•"/>
                       </a:pPr>
                       <a:r>
-                        <a:rPr lang="fr-FR" dirty="0" smtClean="0"/>
+                        <a:rPr lang="fr-FR" dirty="0"/>
                         <a:t>       1 point par élément non indiqué</a:t>
                       </a:r>
-                      <a:endParaRPr lang="fr-FR" baseline="0" dirty="0" smtClean="0"/>
+                      <a:endParaRPr lang="fr-FR" baseline="0" dirty="0"/>
                     </a:p>
                   </a:txBody>
                   <a:tcPr anchor="ctr"/>
@@ -9764,10 +9595,9 @@
           <a:p>
             <a:pPr algn="ctr"/>
             <a:r>
-              <a:rPr lang="fr-FR" dirty="0" smtClean="0"/>
+              <a:rPr lang="fr-FR" dirty="0"/>
               <a:t>101</a:t>
             </a:r>
-            <a:endParaRPr lang="fr-FR" dirty="0"/>
           </a:p>
         </p:txBody>
       </p:sp>
@@ -9808,10 +9638,9 @@
           <a:p>
             <a:pPr algn="ctr"/>
             <a:r>
-              <a:rPr lang="fr-FR" dirty="0" smtClean="0"/>
+              <a:rPr lang="fr-FR" dirty="0"/>
               <a:t>104</a:t>
             </a:r>
-            <a:endParaRPr lang="fr-FR" dirty="0"/>
           </a:p>
         </p:txBody>
       </p:sp>
@@ -9890,30 +9719,22 @@
           <a:p>
             <a:pPr algn="ctr"/>
             <a:r>
-              <a:rPr lang="fr-FR" dirty="0" smtClean="0"/>
+              <a:rPr lang="fr-FR" dirty="0"/>
               <a:t>102</a:t>
             </a:r>
-            <a:endParaRPr lang="fr-FR" dirty="0"/>
           </a:p>
         </p:txBody>
       </p:sp>
     </p:spTree>
     <p:extLst>
       <p:ext uri="{BB962C8B-B14F-4D97-AF65-F5344CB8AC3E}">
-        <p14:creationId xmlns:p14="http://schemas.microsoft.com/office/powerpoint/2010/main" val="1602086333"/>
+        <p14:creationId xmlns:p14="http://schemas.microsoft.com/office/powerpoint/2010/main" val="218849122"/>
       </p:ext>
     </p:extLst>
   </p:cSld>
   <p:clrMapOvr>
     <a:masterClrMapping/>
   </p:clrMapOvr>
-  <p:timing>
-    <p:tnLst>
-      <p:par>
-        <p:cTn id="1" dur="indefinite" restart="never" nodeType="tmRoot"/>
-      </p:par>
-    </p:tnLst>
-  </p:timing>
 </p:sld>
 </file>
 

--- a/Le planning de phase.pptx
+++ b/Le planning de phase.pptx
@@ -214,7 +214,7 @@
           <a:p>
             <a:fld id="{1AE5F205-9F92-4364-BB27-9D702E108BBF}" type="datetimeFigureOut">
               <a:rPr lang="fr-FR" smtClean="0"/>
-              <a:t>02/08/2024</a:t>
+              <a:t>03/08/2024</a:t>
             </a:fld>
             <a:endParaRPr lang="fr-FR"/>
           </a:p>
@@ -380,7 +380,7 @@
           <a:p>
             <a:fld id="{FC332A08-707A-473B-ADC8-5287791CAEB0}" type="datetimeFigureOut">
               <a:rPr lang="fr-FR" smtClean="0"/>
-              <a:t>02/08/2024</a:t>
+              <a:t>03/08/2024</a:t>
             </a:fld>
             <a:endParaRPr lang="fr-FR"/>
           </a:p>
@@ -780,7 +780,7 @@
           <a:p>
             <a:fld id="{D31E1380-0A9F-4603-AC58-48312EBC6535}" type="datetime1">
               <a:rPr lang="fr-FR" smtClean="0"/>
-              <a:t>02/08/2024</a:t>
+              <a:t>03/08/2024</a:t>
             </a:fld>
             <a:endParaRPr lang="fr-FR"/>
           </a:p>
@@ -950,7 +950,7 @@
           <a:p>
             <a:fld id="{3F4037CB-0E7F-469C-88B1-D123E8603939}" type="datetime1">
               <a:rPr lang="fr-FR" smtClean="0"/>
-              <a:t>02/08/2024</a:t>
+              <a:t>03/08/2024</a:t>
             </a:fld>
             <a:endParaRPr lang="fr-FR"/>
           </a:p>
@@ -1130,7 +1130,7 @@
           <a:p>
             <a:fld id="{F82A1EB2-D990-4833-B111-146775E1CC31}" type="datetime1">
               <a:rPr lang="fr-FR" smtClean="0"/>
-              <a:t>02/08/2024</a:t>
+              <a:t>03/08/2024</a:t>
             </a:fld>
             <a:endParaRPr lang="fr-FR"/>
           </a:p>
@@ -1300,7 +1300,7 @@
           <a:p>
             <a:fld id="{85F10974-6D1C-45EF-8B7C-1146761C3113}" type="datetime1">
               <a:rPr lang="fr-FR" smtClean="0"/>
-              <a:t>02/08/2024</a:t>
+              <a:t>03/08/2024</a:t>
             </a:fld>
             <a:endParaRPr lang="fr-FR"/>
           </a:p>
@@ -1544,7 +1544,7 @@
           <a:p>
             <a:fld id="{DC34148C-78CE-4850-A998-F6971A92BEF4}" type="datetime1">
               <a:rPr lang="fr-FR" smtClean="0"/>
-              <a:t>02/08/2024</a:t>
+              <a:t>03/08/2024</a:t>
             </a:fld>
             <a:endParaRPr lang="fr-FR"/>
           </a:p>
@@ -1776,7 +1776,7 @@
           <a:p>
             <a:fld id="{98A58252-3290-48A4-A576-B3A8002083B4}" type="datetime1">
               <a:rPr lang="fr-FR" smtClean="0"/>
-              <a:t>02/08/2024</a:t>
+              <a:t>03/08/2024</a:t>
             </a:fld>
             <a:endParaRPr lang="fr-FR"/>
           </a:p>
@@ -2143,7 +2143,7 @@
           <a:p>
             <a:fld id="{3A63FD95-DAEC-49B9-9CCA-F99951CC24FD}" type="datetime1">
               <a:rPr lang="fr-FR" smtClean="0"/>
-              <a:t>02/08/2024</a:t>
+              <a:t>03/08/2024</a:t>
             </a:fld>
             <a:endParaRPr lang="fr-FR"/>
           </a:p>
@@ -2261,7 +2261,7 @@
           <a:p>
             <a:fld id="{8A30231E-2C9B-4553-AE68-92D0775C6EAD}" type="datetime1">
               <a:rPr lang="fr-FR" smtClean="0"/>
-              <a:t>02/08/2024</a:t>
+              <a:t>03/08/2024</a:t>
             </a:fld>
             <a:endParaRPr lang="fr-FR"/>
           </a:p>
@@ -2356,7 +2356,7 @@
           <a:p>
             <a:fld id="{A6DEB4C5-B870-4D86-A828-1FA41441279D}" type="datetime1">
               <a:rPr lang="fr-FR" smtClean="0"/>
-              <a:t>02/08/2024</a:t>
+              <a:t>03/08/2024</a:t>
             </a:fld>
             <a:endParaRPr lang="fr-FR"/>
           </a:p>
@@ -2633,7 +2633,7 @@
           <a:p>
             <a:fld id="{63297613-6D7C-4E8C-9830-EE061053635D}" type="datetime1">
               <a:rPr lang="fr-FR" smtClean="0"/>
-              <a:t>02/08/2024</a:t>
+              <a:t>03/08/2024</a:t>
             </a:fld>
             <a:endParaRPr lang="fr-FR"/>
           </a:p>
@@ -2890,7 +2890,7 @@
           <a:p>
             <a:fld id="{F30F028D-09CB-4438-BB93-EB757F0DDC34}" type="datetime1">
               <a:rPr lang="fr-FR" smtClean="0"/>
-              <a:t>02/08/2024</a:t>
+              <a:t>03/08/2024</a:t>
             </a:fld>
             <a:endParaRPr lang="fr-FR"/>
           </a:p>
@@ -3103,7 +3103,7 @@
           <a:p>
             <a:fld id="{6D0102F8-A850-419B-B4A6-EBE3511B74F6}" type="datetime1">
               <a:rPr lang="fr-FR" smtClean="0"/>
-              <a:t>02/08/2024</a:t>
+              <a:t>03/08/2024</a:t>
             </a:fld>
             <a:endParaRPr lang="fr-FR"/>
           </a:p>
@@ -6320,7 +6320,7 @@
           <p:nvPr>
             <p:extLst>
               <p:ext uri="{D42A27DB-BD31-4B8C-83A1-F6EECF244321}">
-                <p14:modId xmlns:p14="http://schemas.microsoft.com/office/powerpoint/2010/main" val="1901477436"/>
+                <p14:modId xmlns:p14="http://schemas.microsoft.com/office/powerpoint/2010/main" val="1774975782"/>
               </p:ext>
             </p:extLst>
           </p:nvPr>
@@ -6395,7 +6395,7 @@
                       <a:pPr algn="ctr"/>
                       <a:r>
                         <a:rPr lang="fr-FR" dirty="0"/>
-                        <a:t>……</a:t>
+                        <a:t>104</a:t>
                       </a:r>
                     </a:p>
                   </a:txBody>
@@ -6427,7 +6427,7 @@
                       <a:pPr algn="ctr"/>
                       <a:r>
                         <a:rPr lang="fr-FR" dirty="0"/>
-                        <a:t>……</a:t>
+                        <a:t>104</a:t>
                       </a:r>
                     </a:p>
                   </a:txBody>
@@ -6459,7 +6459,7 @@
                       <a:pPr algn="ctr"/>
                       <a:r>
                         <a:rPr lang="fr-FR" dirty="0"/>
-                        <a:t>……</a:t>
+                        <a:t>104</a:t>
                       </a:r>
                     </a:p>
                   </a:txBody>
@@ -7590,7 +7590,7 @@
         </p:nvSpPr>
         <p:spPr>
           <a:xfrm>
-            <a:off x="211597" y="1362088"/>
+            <a:off x="252642" y="975576"/>
             <a:ext cx="6694028" cy="492443"/>
           </a:xfrm>
           <a:prstGeom prst="rect">
@@ -7608,7 +7608,7 @@
                 <a:ea typeface="Calibri Light" panose="020F0302020204030204" pitchFamily="34" charset="0"/>
                 <a:cs typeface="Calibri Light" panose="020F0302020204030204" pitchFamily="34" charset="0"/>
               </a:rPr>
-              <a:t>A l’aide des images du plan, des abréviations données dans le cours et de vos connaissances, remplir le planning des phases en bas de page pour les éléments 101,102 et 104 : </a:t>
+              <a:t>A l’aide des images du plan, des abréviations données dans le cours et de vos connaissances, remplir le planning des phases en bas de page pour l’élément 104 : </a:t>
             </a:r>
             <a:r>
               <a:rPr lang="fr-FR" sz="1300" dirty="0">
@@ -7623,50 +7623,6 @@
               <a:ea typeface="Calibri Light" panose="020F0302020204030204" pitchFamily="34" charset="0"/>
               <a:cs typeface="Calibri Light" panose="020F0302020204030204" pitchFamily="34" charset="0"/>
             </a:endParaRPr>
-          </a:p>
-        </p:txBody>
-      </p:sp>
-      <p:sp>
-        <p:nvSpPr>
-          <p:cNvPr id="58" name="TextBox 57"/>
-          <p:cNvSpPr txBox="1"/>
-          <p:nvPr/>
-        </p:nvSpPr>
-        <p:spPr>
-          <a:xfrm>
-            <a:off x="211597" y="911120"/>
-            <a:ext cx="6795587" cy="307777"/>
-          </a:xfrm>
-          <a:prstGeom prst="rect">
-            <a:avLst/>
-          </a:prstGeom>
-          <a:effectLst/>
-        </p:spPr>
-        <p:style>
-          <a:lnRef idx="2">
-            <a:schemeClr val="dk1"/>
-          </a:lnRef>
-          <a:fillRef idx="1">
-            <a:schemeClr val="lt1"/>
-          </a:fillRef>
-          <a:effectRef idx="0">
-            <a:schemeClr val="dk1"/>
-          </a:effectRef>
-          <a:fontRef idx="minor">
-            <a:schemeClr val="dk1"/>
-          </a:fontRef>
-        </p:style>
-        <p:txBody>
-          <a:bodyPr wrap="square" rtlCol="0">
-            <a:spAutoFit/>
-          </a:bodyPr>
-          <a:lstStyle/>
-          <a:p>
-            <a:pPr algn="ctr"/>
-            <a:r>
-              <a:rPr lang="fr-FR" sz="1400" dirty="0"/>
-              <a:t>Nom :…………………..                      Prénom : …………………..         Classe : …………..</a:t>
-            </a:r>
           </a:p>
         </p:txBody>
       </p:sp>
@@ -7698,8 +7654,8 @@
         </p:blipFill>
         <p:spPr>
           <a:xfrm>
-            <a:off x="668741" y="1948121"/>
-            <a:ext cx="4779276" cy="2529356"/>
+            <a:off x="377605" y="1619510"/>
+            <a:ext cx="6446276" cy="3411589"/>
           </a:xfrm>
           <a:prstGeom prst="rect">
             <a:avLst/>
@@ -7728,7 +7684,7 @@
         </p:nvSpPr>
         <p:spPr>
           <a:xfrm>
-            <a:off x="4810137" y="4300359"/>
+            <a:off x="6107435" y="4807831"/>
             <a:ext cx="581273" cy="354236"/>
           </a:xfrm>
           <a:prstGeom prst="roundRect">
@@ -7760,6 +7716,48 @@
               <a:rPr lang="fr-FR" dirty="0"/>
               <a:t>104</a:t>
             </a:r>
+          </a:p>
+        </p:txBody>
+      </p:sp>
+      <p:sp>
+        <p:nvSpPr>
+          <p:cNvPr id="59" name="Rectangle 58">
+            <a:extLst>
+              <a:ext uri="{FF2B5EF4-FFF2-40B4-BE49-F238E27FC236}">
+                <a16:creationId xmlns:a16="http://schemas.microsoft.com/office/drawing/2014/main" id="{82E07CAA-7826-4D47-85F8-0F56DEB9F85E}"/>
+              </a:ext>
+            </a:extLst>
+          </p:cNvPr>
+          <p:cNvSpPr/>
+          <p:nvPr/>
+        </p:nvSpPr>
+        <p:spPr>
+          <a:xfrm>
+            <a:off x="262376" y="8270862"/>
+            <a:ext cx="6694028" cy="492443"/>
+          </a:xfrm>
+          <a:prstGeom prst="rect">
+            <a:avLst/>
+          </a:prstGeom>
+        </p:spPr>
+        <p:txBody>
+          <a:bodyPr wrap="square">
+            <a:spAutoFit/>
+          </a:bodyPr>
+          <a:lstStyle/>
+          <a:p>
+            <a:r>
+              <a:rPr lang="fr-FR" sz="1300" b="1" dirty="0">
+                <a:ea typeface="Calibri Light" panose="020F0302020204030204" pitchFamily="34" charset="0"/>
+                <a:cs typeface="Calibri Light" panose="020F0302020204030204" pitchFamily="34" charset="0"/>
+              </a:rPr>
+              <a:t>Note : Pour une seule pièce, plusieurs possibilité sont justes, en fonction des machines disponibles à l’atelier.</a:t>
+            </a:r>
+            <a:endParaRPr lang="fr-BE" sz="1300" dirty="0">
+              <a:effectLst/>
+              <a:ea typeface="Calibri Light" panose="020F0302020204030204" pitchFamily="34" charset="0"/>
+              <a:cs typeface="Calibri Light" panose="020F0302020204030204" pitchFamily="34" charset="0"/>
+            </a:endParaRPr>
           </a:p>
         </p:txBody>
       </p:sp>
@@ -9113,7 +9111,7 @@
         <p:spPr>
           <a:xfrm>
             <a:off x="211597" y="1362088"/>
-            <a:ext cx="6694028" cy="492443"/>
+            <a:ext cx="6694028" cy="692497"/>
           </a:xfrm>
           <a:prstGeom prst="rect">
             <a:avLst/>
@@ -9130,7 +9128,21 @@
                 <a:ea typeface="Calibri Light" panose="020F0302020204030204" pitchFamily="34" charset="0"/>
                 <a:cs typeface="Calibri Light" panose="020F0302020204030204" pitchFamily="34" charset="0"/>
               </a:rPr>
-              <a:t>A l’aide des images du plan, des abréviations données dans le cours et de vos connaissances, remplir le planning des phases en bas de page pour les éléments 101,102 et 104 : </a:t>
+              <a:t>A l’aide des images du plan, des abréviations données dans le cours et de vos connaissances, remplir le planning des phases en bas de page pour les éléments 101,102 et 104 </a:t>
+            </a:r>
+            <a:r>
+              <a:rPr lang="fr-FR" sz="1300" b="1">
+                <a:ea typeface="Calibri Light" panose="020F0302020204030204" pitchFamily="34" charset="0"/>
+                <a:cs typeface="Calibri Light" panose="020F0302020204030204" pitchFamily="34" charset="0"/>
+              </a:rPr>
+              <a:t>jusqu’à l’assemblage </a:t>
+            </a:r>
+            <a:r>
+              <a:rPr lang="fr-FR" sz="1300" b="1" dirty="0">
+                <a:ea typeface="Calibri Light" panose="020F0302020204030204" pitchFamily="34" charset="0"/>
+                <a:cs typeface="Calibri Light" panose="020F0302020204030204" pitchFamily="34" charset="0"/>
+              </a:rPr>
+              <a:t>: </a:t>
             </a:r>
             <a:r>
               <a:rPr lang="fr-FR" sz="1300" dirty="0">
@@ -9199,11 +9211,15 @@
             <a:graphicFrameLocks noGrp="1"/>
           </p:cNvGraphicFramePr>
           <p:nvPr>
-            <p:extLst/>
+            <p:extLst>
+              <p:ext uri="{D42A27DB-BD31-4B8C-83A1-F6EECF244321}">
+                <p14:modId xmlns:p14="http://schemas.microsoft.com/office/powerpoint/2010/main" val="3816570848"/>
+              </p:ext>
+            </p:extLst>
           </p:nvPr>
         </p:nvGraphicFramePr>
         <p:xfrm>
-          <a:off x="211597" y="1949327"/>
+          <a:off x="211597" y="2072159"/>
           <a:ext cx="6795586" cy="2464308"/>
         </p:xfrm>
         <a:graphic>
@@ -9485,7 +9501,7 @@
         </p:blipFill>
         <p:spPr>
           <a:xfrm>
-            <a:off x="2759406" y="4576577"/>
+            <a:off x="2796569" y="4658048"/>
             <a:ext cx="2719073" cy="1439026"/>
           </a:xfrm>
           <a:prstGeom prst="rect">
@@ -9536,7 +9552,7 @@
         </p:blipFill>
         <p:spPr>
           <a:xfrm>
-            <a:off x="242060" y="5299115"/>
+            <a:off x="279223" y="5380586"/>
             <a:ext cx="2767840" cy="1619315"/>
           </a:xfrm>
           <a:prstGeom prst="rect">
@@ -9566,7 +9582,7 @@
         </p:nvSpPr>
         <p:spPr>
           <a:xfrm>
-            <a:off x="290827" y="5070456"/>
+            <a:off x="290827" y="5138696"/>
             <a:ext cx="581273" cy="354236"/>
           </a:xfrm>
           <a:prstGeom prst="roundRect">
@@ -9609,7 +9625,7 @@
         </p:nvSpPr>
         <p:spPr>
           <a:xfrm>
-            <a:off x="3207069" y="5838485"/>
+            <a:off x="3207069" y="5934021"/>
             <a:ext cx="581273" cy="354236"/>
           </a:xfrm>
           <a:prstGeom prst="roundRect">
@@ -9660,7 +9676,7 @@
         </p:blipFill>
         <p:spPr>
           <a:xfrm>
-            <a:off x="4952802" y="5638849"/>
+            <a:off x="4989965" y="5720320"/>
             <a:ext cx="2097373" cy="1656336"/>
           </a:xfrm>
           <a:prstGeom prst="rect">
@@ -9690,7 +9706,7 @@
         </p:nvSpPr>
         <p:spPr>
           <a:xfrm>
-            <a:off x="6387612" y="7173244"/>
+            <a:off x="6387612" y="7214188"/>
             <a:ext cx="581273" cy="354236"/>
           </a:xfrm>
           <a:prstGeom prst="roundRect">
